--- a/Folien/Exkurs_Fehlersuche.pptx
+++ b/Folien/Exkurs_Fehlersuche.pptx
@@ -5,7 +5,7 @@
     <p:sldMasterId id="2147483648" r:id="rId4"/>
   </p:sldMasterIdLst>
   <p:notesMasterIdLst>
-    <p:notesMasterId r:id="rId14"/>
+    <p:notesMasterId r:id="rId15"/>
   </p:notesMasterIdLst>
   <p:sldIdLst>
     <p:sldId id="291" r:id="rId5"/>
@@ -13,10 +13,11 @@
     <p:sldId id="317" r:id="rId7"/>
     <p:sldId id="318" r:id="rId8"/>
     <p:sldId id="320" r:id="rId9"/>
-    <p:sldId id="319" r:id="rId10"/>
-    <p:sldId id="321" r:id="rId11"/>
-    <p:sldId id="322" r:id="rId12"/>
-    <p:sldId id="315" r:id="rId13"/>
+    <p:sldId id="323" r:id="rId10"/>
+    <p:sldId id="324" r:id="rId11"/>
+    <p:sldId id="321" r:id="rId12"/>
+    <p:sldId id="322" r:id="rId13"/>
+    <p:sldId id="315" r:id="rId14"/>
   </p:sldIdLst>
   <p:sldSz cx="12192000" cy="6858000"/>
   <p:notesSz cx="6858000" cy="9144000"/>
@@ -347,90 +348,6 @@
 </inkml:ink>
 </file>
 
-<file path=ppt/ink/ink17.xml><?xml version="1.0" encoding="utf-8"?>
-<inkml:ink xmlns:inkml="http://www.w3.org/2003/InkML">
-  <inkml:definitions>
-    <inkml:context xml:id="ctx0">
-      <inkml:inkSource xml:id="inkSrc0">
-        <inkml:traceFormat>
-          <inkml:channel name="X" type="integer" min="-2.14748E9" max="2.14748E9" units="cm"/>
-          <inkml:channel name="Y" type="integer" min="-2.14748E9" max="2.14748E9" units="cm"/>
-          <inkml:channel name="F" type="integer" max="32767" units="dev"/>
-        </inkml:traceFormat>
-        <inkml:channelProperties>
-          <inkml:channelProperty channel="X" name="resolution" value="1000" units="1/cm"/>
-          <inkml:channelProperty channel="Y" name="resolution" value="1000" units="1/cm"/>
-          <inkml:channelProperty channel="F" name="resolution" value="0" units="1/dev"/>
-        </inkml:channelProperties>
-      </inkml:inkSource>
-      <inkml:timestamp xml:id="ts0" timeString="2022-02-14T17:12:08.558"/>
-    </inkml:context>
-    <inkml:brush xml:id="br0">
-      <inkml:brushProperty name="width" value="0.05" units="cm"/>
-      <inkml:brushProperty name="height" value="0.05" units="cm"/>
-      <inkml:brushProperty name="color" value="#E71224"/>
-    </inkml:brush>
-  </inkml:definitions>
-  <inkml:trace contextRef="#ctx0" brushRef="#br0">1 9305 24575,'8'0'0,"3"0"0,8-8 0,27-9 0,36-13 0,-24 8 0,6-1-1893,19 2 1,6-1 1892,-21 0 0,3-2 0,2 0-970,5 1 1,3 2 0,1-3 969,-9 1 0,2-2 0,1-1 0,0 0-945,3 0 0,0 1 1,2-1-1,0 0 945,7-3 0,1 0 0,1 0 0,1 1-767,3-1 1,1 0-1,1 0 1,0 0 766,-17 6 0,0 0 0,0 0 0,1-1 0,-1 1 0,1-2 0,-1-1 0,1 0 0,0 0 0,1 1 0,0 2 0,2 0 0,-1 0 0,0-1 0,-3-2 0,14-11 0,-2-4 0,-1 0 0,1 2 0,-16 11 0,1 2 0,0 0 0,0 0 0,-2-2 0,15-8 0,-3-1 0,1 0 0,1-2 0,-13 6 0,2-1 0,1-1 0,-1 1 0,0 1 0,1 1 0,-1 1 0,0 1 0,0-2 0,0-1 0,1-5 0,-1-1 0,0-1 0,0-1 0,2 1-307,6-2 1,1 0 0,1 0 0,0 0 0,0-1 306,-3 1 0,-1-1 0,1 0 0,0 0 0,1-1-134,-11 5 1,2 0 0,0-1 0,0 0 0,0 0 0,-2 0 133,13-8 0,-2 1 0,0-1 0,0 1 0,0 0-73,2-1 0,0 1 1,1 0-1,-1-1 0,0 0 73,-1-1 0,-1-1 0,0-1 0,1 2 0,2 0-26,-12 10 1,1 0 0,1 2 0,0-1-1,0 0 1,-2-1 25,12-9 0,-1-2 0,-1 1 0,0-1 0,-1 2 0,-1 2 0,-1 1 0,0 1 0,-1-1 0,-1-1 0,-4 0 0,-2-1 0,0 0 0,-1 0 0,-1-1 24,-4 2 1,0-1 0,-1 1 0,-1-1 0,0-1-25,-1 0 0,0 0 0,-1-1 0,0 0 0,0-1 0,14-10 0,-1-1 0,0-1 0,0 0 0,-2-1 0,-1-1 0,0-1 0,1 1 0,-13 11 0,0-1 0,0 0 0,0 1 0,-1-1 0,0 2 0,-1 1 0,0-1 0,0 1 0,0-1 60,-1-2 0,1 1 0,0-1 0,-1 1 0,0 0-60,13-9 0,-1 1 0,-1 1 0,1-1 0,-3 1 0,0-1 0,-1 1 0,1 1 138,-1 5 1,0 2 0,1 1-1,0 1-138,-2 0 0,1 1 0,0 2 0,0 1 238,-3 5 1,0 2 0,0 0 0,-1 1-239,17-10 0,0 1 0,-1 0 0,1 3 0,0 1 0,-3-2 399,-10-1 1,-4-1 0,3 2-400,7 3 0,3 2 0,-5-2 0,-12-2 0,-3-3 0,1 3 454,4 7 1,2 3 0,-1-3-455,-3-3 0,0-3 0,-1 1 0,-2 4 0,0-1 0,-1 0 0,-1-2 0,0-1 0,3-1 0,13-8 0,4 0 0,-5 3 0,2-3 0,-1 3 635,-13 11 0,2 0 0,-5 3-635,1 1 0,-4 3 2197,33-22-2197,-32 19 0,2 2 0,-7 9 0,0 1 0,0-1 0,0 1 0,4-1 0,0 1 0,-4 6 0,0 1 0,6-7 0,0 1 0,0 5 0,-1 2 0,1-1 0,0 0 0,0 0 0,-1 2 0,2 3 0,-2 0 0,43-8 0,-44 5 0,1-2 0,0 1 0,1-2 0,1-4 0,1 2 0,4 5 0,-1 3 0,37-7 0,-3 16 0,-11 0 0,-1 0 2674,3 0-2674,-31 0 2681,-7 0-2681,-33 3 1628,1 5-1628,-8 1 803,4 2-803,-2-3 0,1 0 0,6 3 0,-3-2 0,3-1 0,1-1 0,0-3 0,-1 1 0,1-2 0,-4-3 0,0 4 0,-1-4 0,-2 4 0,6-1 0,-7-2 0,7 6 0,-3-6 0,1 6 0,-2-6 0,-3 6 0,3-6 0,1 2 0,4-3 0,-4 0 0,-1 4 0,1 0 0,0 0 0,0 0 0,3-1 0,-6-2 0,6 6 0,-7-2 0,4-1 0,-5 3 0,1-6 0,0 2 0,0 1 0,0 0 0,0 1 0,0-2 0,-4 1 0,3-4 0,-3 4 0,4-4 0,0 0 0,-4 0 0,0 0 0</inkml:trace>
-</inkml:ink>
-</file>
-
-<file path=ppt/ink/ink18.xml><?xml version="1.0" encoding="utf-8"?>
-<inkml:ink xmlns:inkml="http://www.w3.org/2003/InkML">
-  <inkml:definitions>
-    <inkml:context xml:id="ctx0">
-      <inkml:inkSource xml:id="inkSrc0">
-        <inkml:traceFormat>
-          <inkml:channel name="X" type="integer" min="-2.14748E9" max="2.14748E9" units="cm"/>
-          <inkml:channel name="Y" type="integer" min="-2.14748E9" max="2.14748E9" units="cm"/>
-          <inkml:channel name="F" type="integer" max="32767" units="dev"/>
-        </inkml:traceFormat>
-        <inkml:channelProperties>
-          <inkml:channelProperty channel="X" name="resolution" value="1000" units="1/cm"/>
-          <inkml:channelProperty channel="Y" name="resolution" value="1000" units="1/cm"/>
-          <inkml:channelProperty channel="F" name="resolution" value="0" units="1/dev"/>
-        </inkml:channelProperties>
-      </inkml:inkSource>
-      <inkml:timestamp xml:id="ts0" timeString="2022-02-14T17:12:10.141"/>
-    </inkml:context>
-    <inkml:brush xml:id="br0">
-      <inkml:brushProperty name="width" value="0.05" units="cm"/>
-      <inkml:brushProperty name="height" value="0.05" units="cm"/>
-      <inkml:brushProperty name="color" value="#E71224"/>
-    </inkml:brush>
-  </inkml:definitions>
-  <inkml:trace contextRef="#ctx0" brushRef="#br0">1 0 24575,'3'8'0,"-2"0"0,6 3 0,-3 2 0,4 2 0,1 7 0,4 2 0,3 6 0,-1 0 0,4 0 0,-3 0 0,4 0 0,-2-6 0,2 4 0,-4-11 0,-2 2 0,-6-4 0,-1-3 0,-3-3 0,0 11 0,3-17 0,-6 14 0,3-13 0,-1 1 0,-2 2 0,-1-6 0,-4 2 0,-4-3 0,0 4 0,0-4 0,0 7 0,0-2 0,1-1 0,-5 0 0,4-1 0,-4-2 0,1 6 0,2-6 0,-2 6 0,3-6 0,4 6 0,-3-3 0,2 0 0,-3 3 0,1-2 0,-1 3 0,0-1 0,0 1 0,0 0 0,0 0 0,4 0 0,-3-4 0,3 3 0,-1-3 0,-2 1 0,10-5 0,-2-5 0</inkml:trace>
-</inkml:ink>
-</file>
-
-<file path=ppt/ink/ink19.xml><?xml version="1.0" encoding="utf-8"?>
-<inkml:ink xmlns:inkml="http://www.w3.org/2003/InkML">
-  <inkml:definitions>
-    <inkml:context xml:id="ctx0">
-      <inkml:inkSource xml:id="inkSrc0">
-        <inkml:traceFormat>
-          <inkml:channel name="X" type="integer" min="-2.14748E9" max="2.14748E9" units="cm"/>
-          <inkml:channel name="Y" type="integer" min="-2.14748E9" max="2.14748E9" units="cm"/>
-          <inkml:channel name="F" type="integer" max="32767" units="dev"/>
-        </inkml:traceFormat>
-        <inkml:channelProperties>
-          <inkml:channelProperty channel="X" name="resolution" value="1000" units="1/cm"/>
-          <inkml:channelProperty channel="Y" name="resolution" value="1000" units="1/cm"/>
-          <inkml:channelProperty channel="F" name="resolution" value="0" units="1/dev"/>
-        </inkml:channelProperties>
-      </inkml:inkSource>
-      <inkml:timestamp xml:id="ts0" timeString="2022-02-14T17:12:12.789"/>
-    </inkml:context>
-    <inkml:brush xml:id="br0">
-      <inkml:brushProperty name="width" value="0.05" units="cm"/>
-      <inkml:brushProperty name="height" value="0.05" units="cm"/>
-      <inkml:brushProperty name="color" value="#E71224"/>
-    </inkml:brush>
-  </inkml:definitions>
-  <inkml:trace contextRef="#ctx0" brushRef="#br0">0 10103 24575,'8'-4'0,"0"0"0,10-9 0,7-12 0,12-7 0,15-13 0,25-13-674,-36 22 0,2-1 674,12-1 0,3-2-1141,5-13 0,4-2 1141,8 7 0,5 1-1119,-11 6 1,4-3 0,1 1 1118,2-1 0,2 1 0,2-2-860,-9 7 0,3-2 0,0 0 0,0-1 860,-2-1 0,-2-1 0,2-1 0,1 2-600,11-2 0,3 1 0,0 0 0,-2-2 600,-5-4 0,-3-3 0,1 0 0,5 2-369,-4 8 1,4 2-1,2 0 1,0 0 0,-2-3 368,-5-2 0,-2-3 0,0 0 0,1 0 0,3 2-160,-4 6 0,1 2 0,3 0 0,0 0 1,0 1-1,0 0 160,-1-1 0,0 0 0,0 0 0,1 0 0,0 1 0,0 0-83,2 1 0,0 0 0,0 0 0,0 1 0,1-1 1,0 0 82,3-1 0,0-1 0,0 0 0,1 0 0,-2 0 0,1 0-44,-3 0 1,-1 1-1,1-1 1,-1 0 0,-1-1-1,0 0 44,-2 0 0,0-1 0,-1 0 0,-1 0 0,0 0 0,0 0 0,12-5 0,0 0 0,-1 0 0,-1 0 0,-1-2 0,-6 2 0,-1-2 0,-2 1 0,0-2 0,0 1 0,-1 1 0,-1-1 0,0 0 0,-1 0 0,0-1 0,-3 1 0,0 0 0,-1-1 0,0 0 0,-1 1 44,14-9 1,-1 1 0,-1 0 0,1-1-45,-15 9 0,0 0 0,1-2 0,-2 1 0,0 1 0,11-9 0,-2 1 0,1-1 0,-1-1 0,3-3 0,1-2 0,-1 1 0,-1-1 76,-4 4 0,0 1 1,-1-1-1,0 0-76,0-1 0,0-1 0,-1 0 0,1 1 0,-3 3 0,0 1 0,-1 1 0,1-3 0,-1-1 0,-1-1 0,1-1 0,4-3 0,-11 12 0,4-3 0,1-1 0,0 0 0,-1 2 0,-2 2 0,14-11 0,-3 2 0,0 2 0,3-3 0,-2 2 0,4-2 0,1 0 0,-2 1 0,-6 5 174,-6 4 0,-4 3 0,-1 2 0,1 1-174,2 1 0,1 2 0,-1 0 0,-3 0 345,8-9 0,-3 0 0,0 1-345,3 2 0,-1 1 0,-1 1 0,-9 4 0,-1 0 0,-2-1 0,-2-1 0,-1-1 0,1-1 0,7-5 0,1 0 0,-2 2 0,-5 4 0,-2 3 0,2-1 470,6-3 0,1 0 1,-2 2-471,15-12 0,-3 1 0,1-1 0,-3 0 0,-10 1 0,-1 0 0,7-5 0,1 1 1359,-8 14 0,1 0-1359,7-14 0,-1 1 0,-7 17 0,-1 1 1241,-9-2 1,-1 0-1242,3 6 0,-2 1 0,20-24 0,-24 24 0,-1 0 0,25-32 0,-14 31 0,0-1 0,20-29 0,-31 36 0,0 0 0,20-33 2494,-1 15-2494,-15 0 2169,17 17-2169,-27-13 1864,6 22-1864,11-31 948,-26 31-948,16-10 82,-27 19-82,2 0 0,-8 5 0,-3 0 0,0 1 0,0 2 0,0-2 0,-1 3 0,1 0 0,0-3 0,-4 2 0,3 1 0,-2 0 0,-1 1 0,3 2 0,-6-6 0,6 6 0,-3-6 0,4 6 0,-4-6 0,3 3 0,-2-4 0,3 0 0,0 0 0,-1 1 0,1 2 0,0 2 0,-4-1 0,0 7 0,-4-6 0,0 7 0</inkml:trace>
-</inkml:ink>
-</file>
-
 <file path=ppt/ink/ink2.xml><?xml version="1.0" encoding="utf-8"?>
 <inkml:ink xmlns:inkml="http://www.w3.org/2003/InkML">
   <inkml:definitions>
@@ -456,202 +373,6 @@
     </inkml:brush>
   </inkml:definitions>
   <inkml:trace contextRef="#ctx0" brushRef="#br0">0 0 24575,'0'0'0</inkml:trace>
-</inkml:ink>
-</file>
-
-<file path=ppt/ink/ink20.xml><?xml version="1.0" encoding="utf-8"?>
-<inkml:ink xmlns:inkml="http://www.w3.org/2003/InkML">
-  <inkml:definitions>
-    <inkml:context xml:id="ctx0">
-      <inkml:inkSource xml:id="inkSrc0">
-        <inkml:traceFormat>
-          <inkml:channel name="X" type="integer" min="-2.14748E9" max="2.14748E9" units="cm"/>
-          <inkml:channel name="Y" type="integer" min="-2.14748E9" max="2.14748E9" units="cm"/>
-          <inkml:channel name="F" type="integer" max="32767" units="dev"/>
-        </inkml:traceFormat>
-        <inkml:channelProperties>
-          <inkml:channelProperty channel="X" name="resolution" value="1000" units="1/cm"/>
-          <inkml:channelProperty channel="Y" name="resolution" value="1000" units="1/cm"/>
-          <inkml:channelProperty channel="F" name="resolution" value="0" units="1/dev"/>
-        </inkml:channelProperties>
-      </inkml:inkSource>
-      <inkml:timestamp xml:id="ts0" timeString="2022-02-14T17:12:14.349"/>
-    </inkml:context>
-    <inkml:brush xml:id="br0">
-      <inkml:brushProperty name="width" value="0.05" units="cm"/>
-      <inkml:brushProperty name="height" value="0.05" units="cm"/>
-      <inkml:brushProperty name="color" value="#E71224"/>
-    </inkml:brush>
-  </inkml:definitions>
-  <inkml:trace contextRef="#ctx0" brushRef="#br0">1 132 24575,'3'-5'0,"2"2"0,2 3 0,1-4 0,4 0 0,0-4 0,10-1 0,2 0 0,6-5 0,0 3 0,0-4 0,0 5 0,0 5 0,0-9 0,0 12 0,0-11 0,0 12 0,-10-4 0,1 5 0,-12 0 0,5 0 0,-5 0 0,-1 4 0,-5 0 0,-3 4 0,0 0 0,-3 0 0,2 3 0,-2 1 0,-1 4 0,3 18 0,-2-8 0,3 15 0,0-11 0,0 0 0,0 12 0,0-9 0,0 8 0,0-11 0,0-6 0,0-2 0,0-10 0,0 0 0,0-5 0,0 1 0,0 0 0,0 0 0,0 0 0,0 0 0,0-1 0,0 1 0,0-3 0,0-2 0</inkml:trace>
-</inkml:ink>
-</file>
-
-<file path=ppt/ink/ink21.xml><?xml version="1.0" encoding="utf-8"?>
-<inkml:ink xmlns:inkml="http://www.w3.org/2003/InkML">
-  <inkml:definitions>
-    <inkml:context xml:id="ctx0">
-      <inkml:inkSource xml:id="inkSrc0">
-        <inkml:traceFormat>
-          <inkml:channel name="X" type="integer" min="-2.14748E9" max="2.14748E9" units="cm"/>
-          <inkml:channel name="Y" type="integer" min="-2.14748E9" max="2.14748E9" units="cm"/>
-          <inkml:channel name="F" type="integer" max="32767" units="dev"/>
-        </inkml:traceFormat>
-        <inkml:channelProperties>
-          <inkml:channelProperty channel="X" name="resolution" value="1000" units="1/cm"/>
-          <inkml:channelProperty channel="Y" name="resolution" value="1000" units="1/cm"/>
-          <inkml:channelProperty channel="F" name="resolution" value="0" units="1/dev"/>
-        </inkml:channelProperties>
-      </inkml:inkSource>
-      <inkml:timestamp xml:id="ts0" timeString="2022-02-14T17:11:56.639"/>
-    </inkml:context>
-    <inkml:brush xml:id="br0">
-      <inkml:brushProperty name="width" value="0.05" units="cm"/>
-      <inkml:brushProperty name="height" value="0.05" units="cm"/>
-      <inkml:brushProperty name="color" value="#E71224"/>
-    </inkml:brush>
-  </inkml:definitions>
-  <inkml:trace contextRef="#ctx0" brushRef="#br0">0 1 24575,'7'4'0,"-2"6"0,7-8 0,-4 12 0,3-12 0,-2 12 0,12-8 0,-7 9 0,19 10 0,-2 5 0,10 12 0,1 0 0,0 0 0,10 10 0,3-4-365,-16-11 1,1 3 364,29 21 0,-24-12 0,2 3-784,-2-11 0,0 2 784,9 13 0,1 3 0,4-5 0,-1 1 0,-2-1 0,-2 1 0,-1 2 0,0 1 0,0-4 0,0 0 0,1 5 0,1 0-947,5 1 1,0 0 946,1-1 0,-2 2 0,-4-2 0,-1-1 0,0-3 0,-1-1-487,-4-3 0,-3 2 487,-11-2 0,-1-2 0,4-7 0,0 0-7,-11 5 1,1 1 6,5-9 0,2 0 0,2 11 0,0 1 0,4-3 0,1-1 0,1 6 0,1-2 0,-3-9 0,0-2 0,-5 0 0,0-1 0,27 26 1047,-15-10-1047,14 8 0,-17-19 0,18 19 0,-9-8 0,-20-18 0,1 2 0,31 29 0,-32-30 0,0 0 0,24 27 0,5 1 0,-2 10 0,5-8 618,-30-25 1,-1 1-619,24 24 0,-27-31 0,2 2 0,9 8 0,1 0 0,-8-10 0,1-1 0,10 11 0,0 0 0,19 19 0,-8-1 0,5-7 944,-15-5-944,15-5 699,-25 1-699,7-12 321,-20 3-321,-1-14 737,-4 4-737,5-5 192,-4 4-192,2-9 0,6 13 0,-11-14 0,6 8 0,-9-15 0,-6 3 0,-1-3 0,-1 1 0,-3-2 0,11 7 0,0 3 0,1 3 0,1-6 0,-9-6 0,0-4 0,-4-4 0,-4-1 0</inkml:trace>
-</inkml:ink>
-</file>
-
-<file path=ppt/ink/ink22.xml><?xml version="1.0" encoding="utf-8"?>
-<inkml:ink xmlns:inkml="http://www.w3.org/2003/InkML">
-  <inkml:definitions>
-    <inkml:context xml:id="ctx0">
-      <inkml:inkSource xml:id="inkSrc0">
-        <inkml:traceFormat>
-          <inkml:channel name="X" type="integer" min="-2.14748E9" max="2.14748E9" units="cm"/>
-          <inkml:channel name="Y" type="integer" min="-2.14748E9" max="2.14748E9" units="cm"/>
-          <inkml:channel name="F" type="integer" max="32767" units="dev"/>
-        </inkml:traceFormat>
-        <inkml:channelProperties>
-          <inkml:channelProperty channel="X" name="resolution" value="1000" units="1/cm"/>
-          <inkml:channelProperty channel="Y" name="resolution" value="1000" units="1/cm"/>
-          <inkml:channelProperty channel="F" name="resolution" value="0" units="1/dev"/>
-        </inkml:channelProperties>
-      </inkml:inkSource>
-      <inkml:timestamp xml:id="ts0" timeString="2022-02-14T17:11:58.518"/>
-    </inkml:context>
-    <inkml:brush xml:id="br0">
-      <inkml:brushProperty name="width" value="0.05" units="cm"/>
-      <inkml:brushProperty name="height" value="0.05" units="cm"/>
-      <inkml:brushProperty name="color" value="#E71224"/>
-    </inkml:brush>
-  </inkml:definitions>
-  <inkml:trace contextRef="#ctx0" brushRef="#br0">312 0 24575,'0'8'0,"0"0"0,0 3 0,0-2 0,0 6 0,4 3 0,1 0 0,4 10 0,1-4 0,4 6 0,-3 0 0,8 0 0,-8 0 0,4 0 0,-6-7 0,0 6 0,0-6 0,0 1 0,-3 4 0,1-10 0,-6 10 0,2-11 0,-3 12 0,0-12 0,4 5 0,-4-6 0,4 0 0,-4-4 0,3-1 0,-2-3 0,3 0 0,-1-4 0,-2 3 0,3-3 0,-4 4 0,0 0 0,3 0 0,-2 0 0,2 0 0,-6-4 0,-1 0 0,-4-4 0,-4 0 0,4 3 0,-7-2 0,3 2 0,-4-3 0,0 0 0,1 0 0,-1 0 0,0 0 0,1 0 0,-8 0 0,6 0 0,-5 0 0,0 0 0,-2 0 0,-6 0 0,0 0 0,7 4 0,1-3 0,6 2 0,0 1 0,4-3 0,-9 2 0,11-3 0,-8 4 0,10-4 0,0 4 0,0-4 0,4 0 0,1 0 0</inkml:trace>
-</inkml:ink>
-</file>
-
-<file path=ppt/ink/ink23.xml><?xml version="1.0" encoding="utf-8"?>
-<inkml:ink xmlns:inkml="http://www.w3.org/2003/InkML">
-  <inkml:definitions>
-    <inkml:context xml:id="ctx0">
-      <inkml:inkSource xml:id="inkSrc0">
-        <inkml:traceFormat>
-          <inkml:channel name="X" type="integer" min="-2.14748E9" max="2.14748E9" units="cm"/>
-          <inkml:channel name="Y" type="integer" min="-2.14748E9" max="2.14748E9" units="cm"/>
-          <inkml:channel name="F" type="integer" max="32767" units="dev"/>
-        </inkml:traceFormat>
-        <inkml:channelProperties>
-          <inkml:channelProperty channel="X" name="resolution" value="1000" units="1/cm"/>
-          <inkml:channelProperty channel="Y" name="resolution" value="1000" units="1/cm"/>
-          <inkml:channelProperty channel="F" name="resolution" value="0" units="1/dev"/>
-        </inkml:channelProperties>
-      </inkml:inkSource>
-      <inkml:timestamp xml:id="ts0" timeString="2022-02-14T17:12:02.278"/>
-    </inkml:context>
-    <inkml:brush xml:id="br0">
-      <inkml:brushProperty name="width" value="0.05" units="cm"/>
-      <inkml:brushProperty name="height" value="0.05" units="cm"/>
-      <inkml:brushProperty name="color" value="#E71224"/>
-    </inkml:brush>
-  </inkml:definitions>
-  <inkml:trace contextRef="#ctx0" brushRef="#br0">8 0 24575,'0'8'0,"0"0"0,-3 0 0,2 0 0,-3-1 0,4 5 0,0 0 0,0 10 0,0 2 0,0 6 0,8 34 0,-6-2 0,6 31-807,-8 0 807,8 3 0,-3-43 0,0 1 0,3 5 0,3 2-652,3 5 1,-1 1 651,-6 1 0,-1 1-858,8 15 0,-1 0 858,-8-8 0,2 0 0,10 4 0,2 0 0,-3-7 0,1-1 0,2-5 0,0 0-564,-4-1 1,-3 1 563,-1 0 0,-2 0 0,0 6 0,1-1 0,0-3 0,-1-1 0,0 5 0,2-1 0,2-5 0,1 0 0,-3 5 0,0 1 0,7 1 0,1 1 0,-8 0 0,0-2 0,6-11 0,0-2 165,-10-6 0,-2-3-165,10 30 0,-9-10 0,3 7 1125,5-19-1125,-5 8 1749,1-22-1749,-1 19 1360,3-17-1360,-3 21 389,3-12-389,-6-12 0,8 9 0,-8-27 0,0 14 0,-2-23 0,-3 6 0,2-8 0,1-3 0,0 3 0,4-3 0,0 1 0,-1 1 0,5-1 0,-4-1 0,4-1 0,-8-3 0,7 0 0,-6-4 0,6 0 0,0-1 0,2 5 0,2 1 0,-2 6 0,1-7 0,-5 4 0,6-1 0,-6-2 0,2 2 0,-3-3 0,0-4 0,3 3 0,-2-2 0,2 2 0,-3 1 0,0 0 0,0 0 0,-1 0 0,5 0 0,-3-4 0,2 3 0,-3-3 0,-4 4 0,7 0 0,-3-4 0,4 3 0,-4 1 0,3-3 0,-3 2 0,5 0 0,1-1 0,-5 2 0,3-2 0,-1-1 0,-2-1 0,2 3 0,-3-6 0,0 3 0,-1-1 0,1-2 0,4 6 0,-4-6 0,7 2 0,-3 1 0,1 0 0,1 0 0,-5 3 0,2-6 0,-3 3 0,0-1 0,0-2 0,0 3 0,0-4 0,0 0 0,3 0 0,-2 0 0,2 3 0,-3-2 0,0 6 0,-1-6 0,1 2 0,0-3 0,0 0 0,0 4 0,0-3 0,0 2 0,-1-3 0,1 0 0,-3-3 0,-2-5 0,-3 3 0,0-2 0</inkml:trace>
-</inkml:ink>
-</file>
-
-<file path=ppt/ink/ink24.xml><?xml version="1.0" encoding="utf-8"?>
-<inkml:ink xmlns:inkml="http://www.w3.org/2003/InkML">
-  <inkml:definitions>
-    <inkml:context xml:id="ctx0">
-      <inkml:inkSource xml:id="inkSrc0">
-        <inkml:traceFormat>
-          <inkml:channel name="X" type="integer" min="-2.14748E9" max="2.14748E9" units="cm"/>
-          <inkml:channel name="Y" type="integer" min="-2.14748E9" max="2.14748E9" units="cm"/>
-          <inkml:channel name="F" type="integer" max="32767" units="dev"/>
-        </inkml:traceFormat>
-        <inkml:channelProperties>
-          <inkml:channelProperty channel="X" name="resolution" value="1000" units="1/cm"/>
-          <inkml:channelProperty channel="Y" name="resolution" value="1000" units="1/cm"/>
-          <inkml:channelProperty channel="F" name="resolution" value="0" units="1/dev"/>
-        </inkml:channelProperties>
-      </inkml:inkSource>
-      <inkml:timestamp xml:id="ts0" timeString="2022-02-14T17:12:04.230"/>
-    </inkml:context>
-    <inkml:brush xml:id="br0">
-      <inkml:brushProperty name="width" value="0.05" units="cm"/>
-      <inkml:brushProperty name="height" value="0.05" units="cm"/>
-      <inkml:brushProperty name="color" value="#E71224"/>
-    </inkml:brush>
-  </inkml:definitions>
-  <inkml:trace contextRef="#ctx0" brushRef="#br0">119 0 24575,'8'8'0,"0"0"0,0 0 0,0 3 0,-4-2 0,3 2 0,-3-3 0,4 4 0,0-4 0,1 13 0,2-10 0,0 16 0,6-7 0,-3 4 0,3-2 0,-1-10 0,-4 3 0,0 4 0,-3-9 0,-1 10 0,0-11 0,0 0 0,-4 1 0,0-5 0,-4 2 0,3 1 0,-2 0 0,3 0 0,-4 0 0,-4-4 0,7 0 0,-9-1 0,5 2 0,-7 2 0,0 1 0,0 0 0,-3 0 0,2 3 0,-6-2 0,-3 8 0,-6-7 0,1 3 0,1-4 0,6 2 0,0-2 0,-6 8 0,8-8 0,-7 1 0,12-3 0,-2-3 0,0 8 0,2-7 0,1 5 0,1-5 0,3 2 0,-4 1 0,0 0 0,0 0 0,4 0 0,-3-4 0,6 3 0,-2-2 0,-1-1 0,3 3 0,-2-6 0,3 2 0</inkml:trace>
-</inkml:ink>
-</file>
-
-<file path=ppt/ink/ink25.xml><?xml version="1.0" encoding="utf-8"?>
-<inkml:ink xmlns:inkml="http://www.w3.org/2003/InkML">
-  <inkml:definitions>
-    <inkml:context xml:id="ctx0">
-      <inkml:inkSource xml:id="inkSrc0">
-        <inkml:traceFormat>
-          <inkml:channel name="X" type="integer" min="-2.14748E9" max="2.14748E9" units="cm"/>
-          <inkml:channel name="Y" type="integer" min="-2.14748E9" max="2.14748E9" units="cm"/>
-          <inkml:channel name="F" type="integer" max="32767" units="dev"/>
-        </inkml:traceFormat>
-        <inkml:channelProperties>
-          <inkml:channelProperty channel="X" name="resolution" value="1000" units="1/cm"/>
-          <inkml:channelProperty channel="Y" name="resolution" value="1000" units="1/cm"/>
-          <inkml:channelProperty channel="F" name="resolution" value="0" units="1/dev"/>
-        </inkml:channelProperties>
-      </inkml:inkSource>
-      <inkml:timestamp xml:id="ts0" timeString="2022-02-14T17:12:18.229"/>
-    </inkml:context>
-    <inkml:brush xml:id="br0">
-      <inkml:brushProperty name="width" value="0.05" units="cm"/>
-      <inkml:brushProperty name="height" value="0.05" units="cm"/>
-      <inkml:brushProperty name="color" value="#E71224"/>
-    </inkml:brush>
-  </inkml:definitions>
-  <inkml:trace contextRef="#ctx0" brushRef="#br0">1 141 24575,'11'0'0,"2"0"0,2 0 0,7 0 0,25-8 0,12-1 0,34 0-968,-30 1 0,5 0 968,5 3 0,5-2-947,-11-2 0,4-2 1,0 1 946,0 1 0,0 1 0,2 1 0,9-1 0,2 0 0,1 2-1046,-2 2 0,1 1 0,2 1 1046,5 1 0,2 1 0,-1 1 0,-3-1 0,-1 0 0,3 0 0,-16 0 0,3 0 0,1 0 0,0 0-848,3-1 1,0 1 0,1 0 0,1 1 847,5 0 0,1 1 0,0 1 0,2 1-412,-12-1 1,1 2-1,1-1 1,-1 1-1,0 1 412,13 2 0,0 0 0,-1 2 0,1 0 0,4 3 0,1 1 0,-1 1 0,0 0 0,-5-1 0,-1 1 0,0-1 0,0 2 0,0 1 0,0 1 0,1 0 0,0-2 0,4 0 0,2-3 0,0 2 0,-1 1 0,-7 2 0,-1 2 0,0 0 0,2-2 0,-12-5 0,1-1 0,1-1 0,-1 1 0,-3 2 0,8 7 0,-3 2 0,0 1 0,2-3-260,11-2 0,2-1 1,0-1-1,-3 1 260,-12 1 0,-2 1 0,-1 0 0,2-1-110,5 2 0,2-1 1,-1 0-1,0-2 110,-5-2 0,0-1 0,-1 0 0,-1 0 85,-6 1 0,-1 1 0,-1-1 1,2 0-86,2-1 0,2-2 0,-1 1 0,-1-1 267,13 2 0,-1-1 1,-1 4-268,5 5 0,-1 3 0,0-1 0,-7-6 0,-1 0 0,0 1 0,0 4 0,0 1 0,-2 1 361,-5-1 0,-2-1 1,0 1-362,-4-1 0,-1 1 0,1 1 407,12 6 1,1 2-1,-5-1-407,3 4 0,-1 0 530,-9-8 1,3 0 0,-9-2-531,-14-4 0,-2-1 1007,20 6 0,0-1-1007,-20-8 0,-1-1 0,5 4 0,-1 0 0,40 12 0,-39-8 0,0 2 0,-5-4 0,1-1 0,12 6 0,-2 0 0,-12-8 0,0 0 0,17 6 0,-2 1 0,-16-1 0,0 1 0,17 6 0,1 0 0,-9-6 0,-1-1 0,5 0 0,2-1 0,5-1 0,0-1 664,0 1 0,0-1-664,-1 0 0,1-1 0,6-4 0,0 1 0,-5 2 0,0 2 0,10 1 0,1 1 344,-5 3 0,0 1-344,7-1 0,-2 2 0,-8 6 0,-2 2 0,9-3 0,-1 0 0,-12 2 0,-2 1 188,0-1 1,0-2-189,-4-7 0,-1-1 0,-2 4 0,-1 0 0,0-5 0,1 0 0,4 5 0,2 1 0,-2-4 0,0 0 0,-9-1 0,0-1 268,2-8 1,-1-2-269,29 14 0,-11-14 0,-2 5 1240,-12-14-1240,-1 5 1877,1-12-1877,-11 10 1338,-4-10-1338,-17 3 399,4-4-399,-4 0 0,6 0 0,-7 0 0,6 0 0,-6 0 0,1 0 0,5 0 0,-6 0 0,1 0 0,4 0 0,-11 0 0,6 0 0,-11 0 0,-1 0 0,-7 0 0,0 0 0</inkml:trace>
-</inkml:ink>
-</file>
-
-<file path=ppt/ink/ink26.xml><?xml version="1.0" encoding="utf-8"?>
-<inkml:ink xmlns:inkml="http://www.w3.org/2003/InkML">
-  <inkml:definitions>
-    <inkml:context xml:id="ctx0">
-      <inkml:inkSource xml:id="inkSrc0">
-        <inkml:traceFormat>
-          <inkml:channel name="X" type="integer" min="-2.14748E9" max="2.14748E9" units="cm"/>
-          <inkml:channel name="Y" type="integer" min="-2.14748E9" max="2.14748E9" units="cm"/>
-          <inkml:channel name="F" type="integer" max="32767" units="dev"/>
-        </inkml:traceFormat>
-        <inkml:channelProperties>
-          <inkml:channelProperty channel="X" name="resolution" value="1000" units="1/cm"/>
-          <inkml:channelProperty channel="Y" name="resolution" value="1000" units="1/cm"/>
-          <inkml:channelProperty channel="F" name="resolution" value="0" units="1/dev"/>
-        </inkml:channelProperties>
-      </inkml:inkSource>
-      <inkml:timestamp xml:id="ts0" timeString="2022-02-14T17:12:19.613"/>
-    </inkml:context>
-    <inkml:brush xml:id="br0">
-      <inkml:brushProperty name="width" value="0.05" units="cm"/>
-      <inkml:brushProperty name="height" value="0.05" units="cm"/>
-      <inkml:brushProperty name="color" value="#E71224"/>
-    </inkml:brush>
-  </inkml:definitions>
-  <inkml:trace contextRef="#ctx0" brushRef="#br0">0 1 24575,'5'7'0,"1"2"0,2 3 0,1 3 0,6-7 0,9 19 0,6 0 0,12 15 0,0-1 0,0 1 0,-1 0 0,1 0 0,0 0 0,0 0 0,-5-10 0,-8-4 0,-1-9 0,-4-1 0,11 12 0,-14-9 0,2 6 0,-11-11 0,-4-4 0,4 3 0,-4-10 0,-4 5 0,3-9 0,-6 6 0,6-6 0,-6 6 0,9-6 0,-8 6 0,8-3 0,-5 4 0,6 0 0,-6 0 0,2 0 0,-3-4 0,-3 3 0,-1-6 0,-5 2 0,-3-3 0,-3 0 0,-1 0 0,-4 0 0,-6 0 0,-2 0 0,-6 0 0,0 0 0,0 0 0,0 5 0,0-4 0,0 3 0,7 0 0,1-3 0,6 6 0,4-3 0,0 0 0,5 0 0,-1-4 0,3 3 0,2 2 0,3-1 0,0-1 0</inkml:trace>
 </inkml:ink>
 </file>
 
@@ -933,7 +654,7 @@
           <a:p>
             <a:fld id="{1111EAE3-0D17-7D4D-B5C8-7430D3A14508}" type="datetimeFigureOut">
               <a:rPr lang="en-US" smtClean="0"/>
-              <a:t>3/16/22</a:t>
+              <a:t>3/24/22</a:t>
             </a:fld>
             <a:endParaRPr lang="en-US"/>
           </a:p>
@@ -1432,7 +1153,7 @@
           <a:p>
             <a:fld id="{46878720-212C-42BB-B356-99628BFE1EBF}" type="datetimeFigureOut">
               <a:rPr lang="en-US" smtClean="0"/>
-              <a:t>3/16/22</a:t>
+              <a:t>3/24/22</a:t>
             </a:fld>
             <a:endParaRPr lang="en-US"/>
           </a:p>
@@ -1630,7 +1351,7 @@
           <a:p>
             <a:fld id="{46878720-212C-42BB-B356-99628BFE1EBF}" type="datetimeFigureOut">
               <a:rPr lang="en-US" smtClean="0"/>
-              <a:t>3/16/22</a:t>
+              <a:t>3/24/22</a:t>
             </a:fld>
             <a:endParaRPr lang="en-US"/>
           </a:p>
@@ -1838,7 +1559,7 @@
           <a:p>
             <a:fld id="{46878720-212C-42BB-B356-99628BFE1EBF}" type="datetimeFigureOut">
               <a:rPr lang="en-US" smtClean="0"/>
-              <a:t>3/16/22</a:t>
+              <a:t>3/24/22</a:t>
             </a:fld>
             <a:endParaRPr lang="en-US"/>
           </a:p>
@@ -2036,7 +1757,7 @@
           <a:p>
             <a:fld id="{46878720-212C-42BB-B356-99628BFE1EBF}" type="datetimeFigureOut">
               <a:rPr lang="en-US" smtClean="0"/>
-              <a:t>3/16/22</a:t>
+              <a:t>3/24/22</a:t>
             </a:fld>
             <a:endParaRPr lang="en-US"/>
           </a:p>
@@ -2311,7 +2032,7 @@
           <a:p>
             <a:fld id="{46878720-212C-42BB-B356-99628BFE1EBF}" type="datetimeFigureOut">
               <a:rPr lang="en-US" smtClean="0"/>
-              <a:t>3/16/22</a:t>
+              <a:t>3/24/22</a:t>
             </a:fld>
             <a:endParaRPr lang="en-US"/>
           </a:p>
@@ -2576,7 +2297,7 @@
           <a:p>
             <a:fld id="{46878720-212C-42BB-B356-99628BFE1EBF}" type="datetimeFigureOut">
               <a:rPr lang="en-US" smtClean="0"/>
-              <a:t>3/16/22</a:t>
+              <a:t>3/24/22</a:t>
             </a:fld>
             <a:endParaRPr lang="en-US"/>
           </a:p>
@@ -2988,7 +2709,7 @@
           <a:p>
             <a:fld id="{46878720-212C-42BB-B356-99628BFE1EBF}" type="datetimeFigureOut">
               <a:rPr lang="en-US" smtClean="0"/>
-              <a:t>3/16/22</a:t>
+              <a:t>3/24/22</a:t>
             </a:fld>
             <a:endParaRPr lang="en-US"/>
           </a:p>
@@ -3129,7 +2850,7 @@
           <a:p>
             <a:fld id="{46878720-212C-42BB-B356-99628BFE1EBF}" type="datetimeFigureOut">
               <a:rPr lang="en-US" smtClean="0"/>
-              <a:t>3/16/22</a:t>
+              <a:t>3/24/22</a:t>
             </a:fld>
             <a:endParaRPr lang="en-US"/>
           </a:p>
@@ -3242,7 +2963,7 @@
           <a:p>
             <a:fld id="{46878720-212C-42BB-B356-99628BFE1EBF}" type="datetimeFigureOut">
               <a:rPr lang="en-US" smtClean="0"/>
-              <a:t>3/16/22</a:t>
+              <a:t>3/24/22</a:t>
             </a:fld>
             <a:endParaRPr lang="en-US"/>
           </a:p>
@@ -3553,7 +3274,7 @@
           <a:p>
             <a:fld id="{46878720-212C-42BB-B356-99628BFE1EBF}" type="datetimeFigureOut">
               <a:rPr lang="en-US" smtClean="0"/>
-              <a:t>3/16/22</a:t>
+              <a:t>3/24/22</a:t>
             </a:fld>
             <a:endParaRPr lang="en-US"/>
           </a:p>
@@ -3841,7 +3562,7 @@
           <a:p>
             <a:fld id="{46878720-212C-42BB-B356-99628BFE1EBF}" type="datetimeFigureOut">
               <a:rPr lang="en-US" smtClean="0"/>
-              <a:t>3/16/22</a:t>
+              <a:t>3/24/22</a:t>
             </a:fld>
             <a:endParaRPr lang="en-US"/>
           </a:p>
@@ -4082,7 +3803,7 @@
           <a:p>
             <a:fld id="{46878720-212C-42BB-B356-99628BFE1EBF}" type="datetimeFigureOut">
               <a:rPr lang="en-US" smtClean="0"/>
-              <a:t>3/16/22</a:t>
+              <a:t>3/24/22</a:t>
             </a:fld>
             <a:endParaRPr lang="en-US"/>
           </a:p>
@@ -4953,6 +4674,189 @@
 </p:sld>
 </file>
 
+<file path=ppt/slides/slide10.xml><?xml version="1.0" encoding="utf-8"?>
+<p:sld xmlns:a="http://schemas.openxmlformats.org/drawingml/2006/main" xmlns:r="http://schemas.openxmlformats.org/officeDocument/2006/relationships" xmlns:p="http://schemas.openxmlformats.org/presentationml/2006/main">
+  <p:cSld>
+    <p:spTree>
+      <p:nvGrpSpPr>
+        <p:cNvPr id="1" name=""/>
+        <p:cNvGrpSpPr/>
+        <p:nvPr/>
+      </p:nvGrpSpPr>
+      <p:grpSpPr>
+        <a:xfrm>
+          <a:off x="0" y="0"/>
+          <a:ext cx="0" cy="0"/>
+          <a:chOff x="0" y="0"/>
+          <a:chExt cx="0" cy="0"/>
+        </a:xfrm>
+      </p:grpSpPr>
+      <p:sp>
+        <p:nvSpPr>
+          <p:cNvPr id="2" name="Titel 1">
+            <a:extLst>
+              <a:ext uri="{FF2B5EF4-FFF2-40B4-BE49-F238E27FC236}">
+                <a16:creationId xmlns:a16="http://schemas.microsoft.com/office/drawing/2014/main" id="{334936CD-7D3C-B341-9FFC-2AF7C2C2928F}"/>
+              </a:ext>
+            </a:extLst>
+          </p:cNvPr>
+          <p:cNvSpPr>
+            <a:spLocks noGrp="1"/>
+          </p:cNvSpPr>
+          <p:nvPr>
+            <p:ph type="title"/>
+          </p:nvPr>
+        </p:nvSpPr>
+        <p:spPr/>
+        <p:txBody>
+          <a:bodyPr/>
+          <a:lstStyle/>
+          <a:p>
+            <a:r>
+              <a:rPr lang="de-DE" dirty="0"/>
+              <a:t>Attribution und Quellen</a:t>
+            </a:r>
+          </a:p>
+        </p:txBody>
+      </p:sp>
+      <p:sp>
+        <p:nvSpPr>
+          <p:cNvPr id="3" name="Textplatzhalter 2">
+            <a:extLst>
+              <a:ext uri="{FF2B5EF4-FFF2-40B4-BE49-F238E27FC236}">
+                <a16:creationId xmlns:a16="http://schemas.microsoft.com/office/drawing/2014/main" id="{DEF89A04-C556-384F-8F4C-62B2495131C1}"/>
+              </a:ext>
+            </a:extLst>
+          </p:cNvPr>
+          <p:cNvSpPr>
+            <a:spLocks noGrp="1"/>
+          </p:cNvSpPr>
+          <p:nvPr>
+            <p:ph type="body" idx="1"/>
+          </p:nvPr>
+        </p:nvSpPr>
+        <p:spPr/>
+        <p:txBody>
+          <a:bodyPr>
+            <a:normAutofit fontScale="47500" lnSpcReduction="20000"/>
+          </a:bodyPr>
+          <a:lstStyle/>
+          <a:p>
+            <a:r>
+              <a:rPr lang="de-DE" dirty="0"/>
+              <a:t>Diese Folien wurden von Peter </a:t>
+            </a:r>
+            <a:r>
+              <a:rPr lang="de-DE" dirty="0" err="1"/>
+              <a:t>Bendel</a:t>
+            </a:r>
+            <a:r>
+              <a:rPr lang="de-DE" dirty="0"/>
+              <a:t> erstellt.</a:t>
+            </a:r>
+          </a:p>
+          <a:p>
+            <a:r>
+              <a:rPr lang="de-DE" dirty="0"/>
+              <a:t>Für diese Folien gilt die </a:t>
+            </a:r>
+            <a:r>
+              <a:rPr lang="de-DE" b="1" dirty="0"/>
+              <a:t>Attribution-</a:t>
+            </a:r>
+            <a:r>
+              <a:rPr lang="de-DE" b="1" dirty="0" err="1"/>
+              <a:t>ShareAlike</a:t>
+            </a:r>
+            <a:r>
+              <a:rPr lang="de-DE" b="1" dirty="0"/>
+              <a:t> 3.0 </a:t>
+            </a:r>
+            <a:r>
+              <a:rPr lang="de-DE" b="1" dirty="0" err="1"/>
+              <a:t>Unported</a:t>
+            </a:r>
+            <a:endParaRPr lang="de-DE" b="1" dirty="0"/>
+          </a:p>
+          <a:p>
+            <a:r>
+              <a:rPr lang="de-DE" dirty="0"/>
+              <a:t> Lizenz, </a:t>
+            </a:r>
+            <a:r>
+              <a:rPr lang="de-DE" dirty="0">
+                <a:hlinkClick r:id="rId2"/>
+              </a:rPr>
+              <a:t>https://creativecommons.org/licenses/by-sa/3.0/</a:t>
+            </a:r>
+            <a:endParaRPr lang="de-DE" dirty="0"/>
+          </a:p>
+          <a:p>
+            <a:r>
+              <a:rPr lang="de-DE" dirty="0"/>
+              <a:t>Quellen: </a:t>
+            </a:r>
+          </a:p>
+          <a:p>
+            <a:r>
+              <a:rPr lang="de-DE" dirty="0">
+                <a:hlinkClick r:id="rId3"/>
+              </a:rPr>
+              <a:t>https://docs.arduino.cc/software/ide-v2/tutorials/ide-v2-debugger</a:t>
+            </a:r>
+            <a:endParaRPr lang="de-DE" dirty="0"/>
+          </a:p>
+          <a:p>
+            <a:r>
+              <a:rPr lang="de-DE" dirty="0"/>
+              <a:t>https://</a:t>
+            </a:r>
+            <a:r>
+              <a:rPr lang="de-DE" dirty="0" err="1"/>
+              <a:t>github.com</a:t>
+            </a:r>
+            <a:r>
+              <a:rPr lang="de-DE" dirty="0"/>
+              <a:t>/</a:t>
+            </a:r>
+            <a:r>
+              <a:rPr lang="de-DE" dirty="0" err="1"/>
+              <a:t>liffiton</a:t>
+            </a:r>
+            <a:r>
+              <a:rPr lang="de-DE" dirty="0"/>
+              <a:t>/</a:t>
+            </a:r>
+            <a:r>
+              <a:rPr lang="de-DE" dirty="0" err="1"/>
+              <a:t>Arduino</a:t>
+            </a:r>
+            <a:r>
+              <a:rPr lang="de-DE" dirty="0"/>
+              <a:t>-Cheat-Sheet</a:t>
+            </a:r>
+          </a:p>
+          <a:p>
+            <a:endParaRPr lang="de-DE" dirty="0"/>
+          </a:p>
+          <a:p>
+            <a:endParaRPr lang="de-DE" dirty="0"/>
+          </a:p>
+        </p:txBody>
+      </p:sp>
+    </p:spTree>
+    <p:extLst>
+      <p:ext uri="{BB962C8B-B14F-4D97-AF65-F5344CB8AC3E}">
+        <p14:creationId xmlns:p14="http://schemas.microsoft.com/office/powerpoint/2010/main" val="3103116398"/>
+      </p:ext>
+    </p:extLst>
+  </p:cSld>
+  <p:clrMapOvr>
+    <a:masterClrMapping/>
+  </p:clrMapOvr>
+</p:sld>
+</file>
+
 <file path=ppt/slides/slide2.xml><?xml version="1.0" encoding="utf-8"?>
 <p:sld xmlns:a="http://schemas.openxmlformats.org/drawingml/2006/main" xmlns:r="http://schemas.openxmlformats.org/officeDocument/2006/relationships" xmlns:p="http://schemas.openxmlformats.org/presentationml/2006/main">
   <p:cSld>
@@ -6770,7 +6674,7 @@
           <p:cNvPr id="2" name="Titel 1">
             <a:extLst>
               <a:ext uri="{FF2B5EF4-FFF2-40B4-BE49-F238E27FC236}">
-                <a16:creationId xmlns:a16="http://schemas.microsoft.com/office/drawing/2014/main" id="{98C9A157-3760-8C40-94DE-6E43608A67EA}"/>
+                <a16:creationId xmlns:a16="http://schemas.microsoft.com/office/drawing/2014/main" id="{0DDC286D-49D5-9047-B80B-165D5936CA42}"/>
               </a:ext>
             </a:extLst>
           </p:cNvPr>
@@ -6781,749 +6685,100 @@
             <p:ph type="title"/>
           </p:nvPr>
         </p:nvSpPr>
-        <p:spPr>
-          <a:xfrm>
-            <a:off x="838200" y="365125"/>
-            <a:ext cx="3770870" cy="2612853"/>
-          </a:xfrm>
-        </p:spPr>
+        <p:spPr/>
         <p:txBody>
           <a:bodyPr/>
           <a:lstStyle/>
           <a:p>
             <a:r>
+              <a:rPr lang="de-DE" dirty="0" err="1"/>
+              <a:t>Arduino</a:t>
+            </a:r>
+            <a:r>
               <a:rPr lang="de-DE" dirty="0"/>
-              <a:t>Der </a:t>
+              <a:t> </a:t>
             </a:r>
             <a:r>
               <a:rPr lang="de-DE" dirty="0" err="1"/>
-              <a:t>Tinkercad</a:t>
+              <a:t>Debug</a:t>
             </a:r>
             <a:r>
               <a:rPr lang="de-DE" dirty="0"/>
-              <a:t> Debugger</a:t>
-            </a:r>
-          </a:p>
-        </p:txBody>
-      </p:sp>
-      <p:pic>
-        <p:nvPicPr>
-          <p:cNvPr id="3" name="Grafik 2">
-            <a:extLst>
-              <a:ext uri="{FF2B5EF4-FFF2-40B4-BE49-F238E27FC236}">
-                <a16:creationId xmlns:a16="http://schemas.microsoft.com/office/drawing/2014/main" id="{35461E8E-5AAE-034D-A322-68C6F229EC9C}"/>
-              </a:ext>
-            </a:extLst>
-          </p:cNvPr>
-          <p:cNvPicPr>
-            <a:picLocks noChangeAspect="1"/>
-          </p:cNvPicPr>
-          <p:nvPr/>
-        </p:nvPicPr>
-        <p:blipFill>
-          <a:blip r:embed="rId2"/>
-          <a:stretch>
-            <a:fillRect/>
-          </a:stretch>
-        </p:blipFill>
-        <p:spPr>
-          <a:xfrm>
-            <a:off x="5309010" y="0"/>
-            <a:ext cx="7356942" cy="6858000"/>
-          </a:xfrm>
-          <a:prstGeom prst="rect">
-            <a:avLst/>
-          </a:prstGeom>
-        </p:spPr>
-      </p:pic>
-      <p:pic>
-        <p:nvPicPr>
-          <p:cNvPr id="4" name="Grafik 3">
-            <a:extLst>
-              <a:ext uri="{FF2B5EF4-FFF2-40B4-BE49-F238E27FC236}">
-                <a16:creationId xmlns:a16="http://schemas.microsoft.com/office/drawing/2014/main" id="{50BF7D71-229E-9546-B88D-15CF2206540B}"/>
-              </a:ext>
-            </a:extLst>
-          </p:cNvPr>
-          <p:cNvPicPr>
-            <a:picLocks noChangeAspect="1"/>
-          </p:cNvPicPr>
-          <p:nvPr/>
-        </p:nvPicPr>
-        <p:blipFill>
-          <a:blip r:embed="rId3"/>
-          <a:stretch>
-            <a:fillRect/>
-          </a:stretch>
-        </p:blipFill>
-        <p:spPr>
-          <a:xfrm>
-            <a:off x="5309010" y="4843848"/>
-            <a:ext cx="7010065" cy="2940307"/>
-          </a:xfrm>
-          <a:prstGeom prst="rect">
-            <a:avLst/>
-          </a:prstGeom>
-        </p:spPr>
-      </p:pic>
-      <p:sp>
-        <p:nvSpPr>
-          <p:cNvPr id="5" name="Textfeld 4">
-            <a:extLst>
-              <a:ext uri="{FF2B5EF4-FFF2-40B4-BE49-F238E27FC236}">
-                <a16:creationId xmlns:a16="http://schemas.microsoft.com/office/drawing/2014/main" id="{A357A13F-EBB2-6941-8352-1750EA1BD5C1}"/>
-              </a:ext>
-            </a:extLst>
-          </p:cNvPr>
-          <p:cNvSpPr txBox="1"/>
-          <p:nvPr/>
-        </p:nvSpPr>
-        <p:spPr>
-          <a:xfrm>
-            <a:off x="556054" y="3299254"/>
-            <a:ext cx="3903313" cy="2031325"/>
-          </a:xfrm>
-          <a:prstGeom prst="rect">
-            <a:avLst/>
-          </a:prstGeom>
-          <a:noFill/>
-        </p:spPr>
-        <p:txBody>
-          <a:bodyPr wrap="none" rtlCol="0">
-            <a:spAutoFit/>
-          </a:bodyPr>
+              <a:t> </a:t>
+            </a:r>
+            <a:r>
+              <a:rPr lang="de-DE" dirty="0" err="1"/>
+              <a:t>Utils</a:t>
+            </a:r>
+            <a:endParaRPr lang="de-DE" dirty="0"/>
+          </a:p>
+        </p:txBody>
+      </p:sp>
+      <p:sp>
+        <p:nvSpPr>
+          <p:cNvPr id="3" name="Inhaltsplatzhalter 2">
+            <a:extLst>
+              <a:ext uri="{FF2B5EF4-FFF2-40B4-BE49-F238E27FC236}">
+                <a16:creationId xmlns:a16="http://schemas.microsoft.com/office/drawing/2014/main" id="{6DEEBCF7-3669-FE4F-9755-8540B39074A3}"/>
+              </a:ext>
+            </a:extLst>
+          </p:cNvPr>
+          <p:cNvSpPr>
+            <a:spLocks noGrp="1"/>
+          </p:cNvSpPr>
+          <p:nvPr>
+            <p:ph idx="1"/>
+          </p:nvPr>
+        </p:nvSpPr>
+        <p:spPr/>
+        <p:txBody>
+          <a:bodyPr/>
           <a:lstStyle/>
           <a:p>
             <a:r>
               <a:rPr lang="de-DE" dirty="0"/>
-              <a:t>Haltepunkte (Brechpunkte </a:t>
+              <a:t>Makros, die wahlweise aktiviert oder deaktiviert werden können</a:t>
+            </a:r>
+          </a:p>
+          <a:p>
+            <a:r>
+              <a:rPr lang="de-DE" dirty="0"/>
+              <a:t>Ähnlich wie </a:t>
+            </a:r>
+            <a:r>
+              <a:rPr lang="de-DE" dirty="0" err="1"/>
+              <a:t>Serial.println</a:t>
+            </a:r>
+            <a:r>
+              <a:rPr lang="de-DE" dirty="0"/>
+              <a:t>() aber mächtiger</a:t>
+            </a:r>
+          </a:p>
+          <a:p>
+            <a:r>
+              <a:rPr lang="de-DE" dirty="0"/>
+              <a:t>Beispiel auf der nächsten Seite</a:t>
+            </a:r>
+          </a:p>
+          <a:p>
+            <a:r>
+              <a:rPr lang="de-DE" dirty="0"/>
+              <a:t>Referenz: </a:t>
             </a:r>
             <a:r>
               <a:rPr lang="de-DE" dirty="0">
-                <a:sym typeface="Wingdings" pitchFamily="2" charset="2"/>
+                <a:hlinkClick r:id="rId2"/>
               </a:rPr>
-              <a:t>)</a:t>
-            </a:r>
-          </a:p>
-          <a:p>
-            <a:endParaRPr lang="de-DE" dirty="0">
-              <a:sym typeface="Wingdings" pitchFamily="2" charset="2"/>
-            </a:endParaRPr>
-          </a:p>
-          <a:p>
-            <a:r>
-              <a:rPr lang="de-DE" dirty="0">
-                <a:sym typeface="Wingdings" pitchFamily="2" charset="2"/>
-              </a:rPr>
-              <a:t>Schrittweise Ausführung</a:t>
-            </a:r>
-          </a:p>
-          <a:p>
-            <a:endParaRPr lang="de-DE" dirty="0">
-              <a:sym typeface="Wingdings" pitchFamily="2" charset="2"/>
-            </a:endParaRPr>
-          </a:p>
-          <a:p>
-            <a:r>
-              <a:rPr lang="de-DE" dirty="0">
-                <a:sym typeface="Wingdings" pitchFamily="2" charset="2"/>
-              </a:rPr>
-              <a:t>Bis zum nächsten Haltepunkt fortsetzen</a:t>
-            </a:r>
-          </a:p>
-          <a:p>
-            <a:endParaRPr lang="de-DE" dirty="0">
-              <a:sym typeface="Wingdings" pitchFamily="2" charset="2"/>
-            </a:endParaRPr>
-          </a:p>
-          <a:p>
-            <a:r>
-              <a:rPr lang="de-DE" dirty="0">
-                <a:sym typeface="Wingdings" pitchFamily="2" charset="2"/>
-              </a:rPr>
-              <a:t>Variablen-Werte anschauen</a:t>
+              <a:t>https://github.com/arduino-libraries/Arduino_DebugUtils</a:t>
             </a:r>
             <a:endParaRPr lang="de-DE" dirty="0"/>
           </a:p>
         </p:txBody>
       </p:sp>
-      <p:grpSp>
-        <p:nvGrpSpPr>
-          <p:cNvPr id="14" name="Gruppieren 13">
-            <a:extLst>
-              <a:ext uri="{FF2B5EF4-FFF2-40B4-BE49-F238E27FC236}">
-                <a16:creationId xmlns:a16="http://schemas.microsoft.com/office/drawing/2014/main" id="{914FC49D-9416-AD4A-852A-A4EB57386497}"/>
-              </a:ext>
-            </a:extLst>
-          </p:cNvPr>
-          <p:cNvGrpSpPr/>
-          <p:nvPr/>
-        </p:nvGrpSpPr>
-        <p:grpSpPr>
-          <a:xfrm>
-            <a:off x="3039684" y="713812"/>
-            <a:ext cx="6818040" cy="3375000"/>
-            <a:chOff x="3039684" y="713812"/>
-            <a:chExt cx="6818040" cy="3375000"/>
-          </a:xfrm>
-        </p:grpSpPr>
-        <mc:AlternateContent xmlns:mc="http://schemas.openxmlformats.org/markup-compatibility/2006" xmlns:p14="http://schemas.microsoft.com/office/powerpoint/2010/main">
-          <mc:Choice Requires="p14">
-            <p:contentPart p14:bwMode="auto" r:id="rId4">
-              <p14:nvContentPartPr>
-                <p14:cNvPr id="12" name="Freihand 11">
-                  <a:extLst>
-                    <a:ext uri="{FF2B5EF4-FFF2-40B4-BE49-F238E27FC236}">
-                      <a16:creationId xmlns:a16="http://schemas.microsoft.com/office/drawing/2014/main" id="{D0A14DD9-D135-2040-8ACE-32061745BBC5}"/>
-                    </a:ext>
-                  </a:extLst>
-                </p14:cNvPr>
-                <p14:cNvContentPartPr/>
-                <p14:nvPr/>
-              </p14:nvContentPartPr>
-              <p14:xfrm>
-                <a:off x="3039684" y="739012"/>
-                <a:ext cx="6746040" cy="3349800"/>
-              </p14:xfrm>
-            </p:contentPart>
-          </mc:Choice>
-          <mc:Fallback xmlns="">
-            <p:pic>
-              <p:nvPicPr>
-                <p:cNvPr id="12" name="Freihand 11">
-                  <a:extLst>
-                    <a:ext uri="{FF2B5EF4-FFF2-40B4-BE49-F238E27FC236}">
-                      <a16:creationId xmlns:a16="http://schemas.microsoft.com/office/drawing/2014/main" id="{D0A14DD9-D135-2040-8ACE-32061745BBC5}"/>
-                    </a:ext>
-                  </a:extLst>
-                </p:cNvPr>
-                <p:cNvPicPr/>
-                <p:nvPr/>
-              </p:nvPicPr>
-              <p:blipFill>
-                <a:blip r:embed="rId5"/>
-                <a:stretch>
-                  <a:fillRect/>
-                </a:stretch>
-              </p:blipFill>
-              <p:spPr>
-                <a:xfrm>
-                  <a:off x="3031044" y="730372"/>
-                  <a:ext cx="6763680" cy="3367440"/>
-                </a:xfrm>
-                <a:prstGeom prst="rect">
-                  <a:avLst/>
-                </a:prstGeom>
-              </p:spPr>
-            </p:pic>
-          </mc:Fallback>
-        </mc:AlternateContent>
-        <mc:AlternateContent xmlns:mc="http://schemas.openxmlformats.org/markup-compatibility/2006" xmlns:p14="http://schemas.microsoft.com/office/powerpoint/2010/main">
-          <mc:Choice Requires="p14">
-            <p:contentPart p14:bwMode="auto" r:id="rId6">
-              <p14:nvContentPartPr>
-                <p14:cNvPr id="13" name="Freihand 12">
-                  <a:extLst>
-                    <a:ext uri="{FF2B5EF4-FFF2-40B4-BE49-F238E27FC236}">
-                      <a16:creationId xmlns:a16="http://schemas.microsoft.com/office/drawing/2014/main" id="{947C6EE9-C7FF-FC46-B959-61BD9ADBBC99}"/>
-                    </a:ext>
-                  </a:extLst>
-                </p14:cNvPr>
-                <p14:cNvContentPartPr/>
-                <p14:nvPr/>
-              </p14:nvContentPartPr>
-              <p14:xfrm>
-                <a:off x="9771324" y="713812"/>
-                <a:ext cx="86400" cy="206280"/>
-              </p14:xfrm>
-            </p:contentPart>
-          </mc:Choice>
-          <mc:Fallback xmlns="">
-            <p:pic>
-              <p:nvPicPr>
-                <p:cNvPr id="13" name="Freihand 12">
-                  <a:extLst>
-                    <a:ext uri="{FF2B5EF4-FFF2-40B4-BE49-F238E27FC236}">
-                      <a16:creationId xmlns:a16="http://schemas.microsoft.com/office/drawing/2014/main" id="{947C6EE9-C7FF-FC46-B959-61BD9ADBBC99}"/>
-                    </a:ext>
-                  </a:extLst>
-                </p:cNvPr>
-                <p:cNvPicPr/>
-                <p:nvPr/>
-              </p:nvPicPr>
-              <p:blipFill>
-                <a:blip r:embed="rId7"/>
-                <a:stretch>
-                  <a:fillRect/>
-                </a:stretch>
-              </p:blipFill>
-              <p:spPr>
-                <a:xfrm>
-                  <a:off x="9762684" y="704812"/>
-                  <a:ext cx="104040" cy="223920"/>
-                </a:xfrm>
-                <a:prstGeom prst="rect">
-                  <a:avLst/>
-                </a:prstGeom>
-              </p:spPr>
-            </p:pic>
-          </mc:Fallback>
-        </mc:AlternateContent>
-      </p:grpSp>
-      <p:grpSp>
-        <p:nvGrpSpPr>
-          <p:cNvPr id="17" name="Gruppieren 16">
-            <a:extLst>
-              <a:ext uri="{FF2B5EF4-FFF2-40B4-BE49-F238E27FC236}">
-                <a16:creationId xmlns:a16="http://schemas.microsoft.com/office/drawing/2014/main" id="{289B9168-01F2-E147-8006-32999509AB18}"/>
-              </a:ext>
-            </a:extLst>
-          </p:cNvPr>
-          <p:cNvGrpSpPr/>
-          <p:nvPr/>
-        </p:nvGrpSpPr>
-        <p:grpSpPr>
-          <a:xfrm>
-            <a:off x="3800364" y="990292"/>
-            <a:ext cx="5531040" cy="3683160"/>
-            <a:chOff x="3800364" y="990292"/>
-            <a:chExt cx="5531040" cy="3683160"/>
-          </a:xfrm>
-        </p:grpSpPr>
-        <mc:AlternateContent xmlns:mc="http://schemas.openxmlformats.org/markup-compatibility/2006" xmlns:p14="http://schemas.microsoft.com/office/powerpoint/2010/main">
-          <mc:Choice Requires="p14">
-            <p:contentPart p14:bwMode="auto" r:id="rId8">
-              <p14:nvContentPartPr>
-                <p14:cNvPr id="15" name="Freihand 14">
-                  <a:extLst>
-                    <a:ext uri="{FF2B5EF4-FFF2-40B4-BE49-F238E27FC236}">
-                      <a16:creationId xmlns:a16="http://schemas.microsoft.com/office/drawing/2014/main" id="{2F6388DC-B41A-3F43-BC55-61638B2AD058}"/>
-                    </a:ext>
-                  </a:extLst>
-                </p14:cNvPr>
-                <p14:cNvContentPartPr/>
-                <p14:nvPr/>
-              </p14:nvContentPartPr>
-              <p14:xfrm>
-                <a:off x="3800364" y="1036372"/>
-                <a:ext cx="5451480" cy="3637080"/>
-              </p14:xfrm>
-            </p:contentPart>
-          </mc:Choice>
-          <mc:Fallback xmlns="">
-            <p:pic>
-              <p:nvPicPr>
-                <p:cNvPr id="15" name="Freihand 14">
-                  <a:extLst>
-                    <a:ext uri="{FF2B5EF4-FFF2-40B4-BE49-F238E27FC236}">
-                      <a16:creationId xmlns:a16="http://schemas.microsoft.com/office/drawing/2014/main" id="{2F6388DC-B41A-3F43-BC55-61638B2AD058}"/>
-                    </a:ext>
-                  </a:extLst>
-                </p:cNvPr>
-                <p:cNvPicPr/>
-                <p:nvPr/>
-              </p:nvPicPr>
-              <p:blipFill>
-                <a:blip r:embed="rId9"/>
-                <a:stretch>
-                  <a:fillRect/>
-                </a:stretch>
-              </p:blipFill>
-              <p:spPr>
-                <a:xfrm>
-                  <a:off x="3791364" y="1027372"/>
-                  <a:ext cx="5469120" cy="3654720"/>
-                </a:xfrm>
-                <a:prstGeom prst="rect">
-                  <a:avLst/>
-                </a:prstGeom>
-              </p:spPr>
-            </p:pic>
-          </mc:Fallback>
-        </mc:AlternateContent>
-        <mc:AlternateContent xmlns:mc="http://schemas.openxmlformats.org/markup-compatibility/2006" xmlns:p14="http://schemas.microsoft.com/office/powerpoint/2010/main">
-          <mc:Choice Requires="p14">
-            <p:contentPart p14:bwMode="auto" r:id="rId10">
-              <p14:nvContentPartPr>
-                <p14:cNvPr id="16" name="Freihand 15">
-                  <a:extLst>
-                    <a:ext uri="{FF2B5EF4-FFF2-40B4-BE49-F238E27FC236}">
-                      <a16:creationId xmlns:a16="http://schemas.microsoft.com/office/drawing/2014/main" id="{2BAF2D34-2333-B842-B8AC-13AB2B9CC313}"/>
-                    </a:ext>
-                  </a:extLst>
-                </p14:cNvPr>
-                <p14:cNvContentPartPr/>
-                <p14:nvPr/>
-              </p14:nvContentPartPr>
-              <p14:xfrm>
-                <a:off x="9169764" y="990292"/>
-                <a:ext cx="161640" cy="186840"/>
-              </p14:xfrm>
-            </p:contentPart>
-          </mc:Choice>
-          <mc:Fallback xmlns="">
-            <p:pic>
-              <p:nvPicPr>
-                <p:cNvPr id="16" name="Freihand 15">
-                  <a:extLst>
-                    <a:ext uri="{FF2B5EF4-FFF2-40B4-BE49-F238E27FC236}">
-                      <a16:creationId xmlns:a16="http://schemas.microsoft.com/office/drawing/2014/main" id="{2BAF2D34-2333-B842-B8AC-13AB2B9CC313}"/>
-                    </a:ext>
-                  </a:extLst>
-                </p:cNvPr>
-                <p:cNvPicPr/>
-                <p:nvPr/>
-              </p:nvPicPr>
-              <p:blipFill>
-                <a:blip r:embed="rId11"/>
-                <a:stretch>
-                  <a:fillRect/>
-                </a:stretch>
-              </p:blipFill>
-              <p:spPr>
-                <a:xfrm>
-                  <a:off x="9161124" y="981292"/>
-                  <a:ext cx="179280" cy="204480"/>
-                </a:xfrm>
-                <a:prstGeom prst="rect">
-                  <a:avLst/>
-                </a:prstGeom>
-              </p:spPr>
-            </p:pic>
-          </mc:Fallback>
-        </mc:AlternateContent>
-      </p:grpSp>
-      <p:grpSp>
-        <p:nvGrpSpPr>
-          <p:cNvPr id="20" name="Gruppieren 19">
-            <a:extLst>
-              <a:ext uri="{FF2B5EF4-FFF2-40B4-BE49-F238E27FC236}">
-                <a16:creationId xmlns:a16="http://schemas.microsoft.com/office/drawing/2014/main" id="{E4069506-CE05-484B-B134-B4D8428CD9B7}"/>
-              </a:ext>
-            </a:extLst>
-          </p:cNvPr>
-          <p:cNvGrpSpPr/>
-          <p:nvPr/>
-        </p:nvGrpSpPr>
-        <p:grpSpPr>
-          <a:xfrm>
-            <a:off x="3322644" y="3480772"/>
-            <a:ext cx="5629320" cy="3051360"/>
-            <a:chOff x="3322644" y="3480772"/>
-            <a:chExt cx="5629320" cy="3051360"/>
-          </a:xfrm>
-        </p:grpSpPr>
-        <mc:AlternateContent xmlns:mc="http://schemas.openxmlformats.org/markup-compatibility/2006" xmlns:p14="http://schemas.microsoft.com/office/powerpoint/2010/main">
-          <mc:Choice Requires="p14">
-            <p:contentPart p14:bwMode="auto" r:id="rId12">
-              <p14:nvContentPartPr>
-                <p14:cNvPr id="6" name="Freihand 5">
-                  <a:extLst>
-                    <a:ext uri="{FF2B5EF4-FFF2-40B4-BE49-F238E27FC236}">
-                      <a16:creationId xmlns:a16="http://schemas.microsoft.com/office/drawing/2014/main" id="{3BEA6C95-B0F5-8343-B9B1-B76CCDF5425A}"/>
-                    </a:ext>
-                  </a:extLst>
-                </p14:cNvPr>
-                <p14:cNvContentPartPr/>
-                <p14:nvPr/>
-              </p14:nvContentPartPr>
-              <p14:xfrm>
-                <a:off x="3578604" y="3480772"/>
-                <a:ext cx="1634040" cy="1750680"/>
-              </p14:xfrm>
-            </p:contentPart>
-          </mc:Choice>
-          <mc:Fallback xmlns="">
-            <p:pic>
-              <p:nvPicPr>
-                <p:cNvPr id="6" name="Freihand 5">
-                  <a:extLst>
-                    <a:ext uri="{FF2B5EF4-FFF2-40B4-BE49-F238E27FC236}">
-                      <a16:creationId xmlns:a16="http://schemas.microsoft.com/office/drawing/2014/main" id="{3BEA6C95-B0F5-8343-B9B1-B76CCDF5425A}"/>
-                    </a:ext>
-                  </a:extLst>
-                </p:cNvPr>
-                <p:cNvPicPr/>
-                <p:nvPr/>
-              </p:nvPicPr>
-              <p:blipFill>
-                <a:blip r:embed="rId13"/>
-                <a:stretch>
-                  <a:fillRect/>
-                </a:stretch>
-              </p:blipFill>
-              <p:spPr>
-                <a:xfrm>
-                  <a:off x="3569604" y="3472132"/>
-                  <a:ext cx="1651680" cy="1768320"/>
-                </a:xfrm>
-                <a:prstGeom prst="rect">
-                  <a:avLst/>
-                </a:prstGeom>
-              </p:spPr>
-            </p:pic>
-          </mc:Fallback>
-        </mc:AlternateContent>
-        <mc:AlternateContent xmlns:mc="http://schemas.openxmlformats.org/markup-compatibility/2006" xmlns:p14="http://schemas.microsoft.com/office/powerpoint/2010/main">
-          <mc:Choice Requires="p14">
-            <p:contentPart p14:bwMode="auto" r:id="rId14">
-              <p14:nvContentPartPr>
-                <p14:cNvPr id="7" name="Freihand 6">
-                  <a:extLst>
-                    <a:ext uri="{FF2B5EF4-FFF2-40B4-BE49-F238E27FC236}">
-                      <a16:creationId xmlns:a16="http://schemas.microsoft.com/office/drawing/2014/main" id="{0153FF41-7152-6E47-84DD-7CDD94EC9C88}"/>
-                    </a:ext>
-                  </a:extLst>
-                </p14:cNvPr>
-                <p14:cNvContentPartPr/>
-                <p14:nvPr/>
-              </p14:nvContentPartPr>
-              <p14:xfrm>
-                <a:off x="5096724" y="5039572"/>
-                <a:ext cx="178200" cy="256680"/>
-              </p14:xfrm>
-            </p:contentPart>
-          </mc:Choice>
-          <mc:Fallback xmlns="">
-            <p:pic>
-              <p:nvPicPr>
-                <p:cNvPr id="7" name="Freihand 6">
-                  <a:extLst>
-                    <a:ext uri="{FF2B5EF4-FFF2-40B4-BE49-F238E27FC236}">
-                      <a16:creationId xmlns:a16="http://schemas.microsoft.com/office/drawing/2014/main" id="{0153FF41-7152-6E47-84DD-7CDD94EC9C88}"/>
-                    </a:ext>
-                  </a:extLst>
-                </p:cNvPr>
-                <p:cNvPicPr/>
-                <p:nvPr/>
-              </p:nvPicPr>
-              <p:blipFill>
-                <a:blip r:embed="rId15"/>
-                <a:stretch>
-                  <a:fillRect/>
-                </a:stretch>
-              </p:blipFill>
-              <p:spPr>
-                <a:xfrm>
-                  <a:off x="5088084" y="5030572"/>
-                  <a:ext cx="195840" cy="274320"/>
-                </a:xfrm>
-                <a:prstGeom prst="rect">
-                  <a:avLst/>
-                </a:prstGeom>
-              </p:spPr>
-            </p:pic>
-          </mc:Fallback>
-        </mc:AlternateContent>
-        <mc:AlternateContent xmlns:mc="http://schemas.openxmlformats.org/markup-compatibility/2006" xmlns:p14="http://schemas.microsoft.com/office/powerpoint/2010/main">
-          <mc:Choice Requires="p14">
-            <p:contentPart p14:bwMode="auto" r:id="rId16">
-              <p14:nvContentPartPr>
-                <p14:cNvPr id="9" name="Freihand 8">
-                  <a:extLst>
-                    <a:ext uri="{FF2B5EF4-FFF2-40B4-BE49-F238E27FC236}">
-                      <a16:creationId xmlns:a16="http://schemas.microsoft.com/office/drawing/2014/main" id="{E2AB65DA-38E2-9C45-A721-4C33847CFC68}"/>
-                    </a:ext>
-                  </a:extLst>
-                </p14:cNvPr>
-                <p14:cNvContentPartPr/>
-                <p14:nvPr/>
-              </p14:nvContentPartPr>
-              <p14:xfrm>
-                <a:off x="4732404" y="4727452"/>
-                <a:ext cx="506520" cy="1662480"/>
-              </p14:xfrm>
-            </p:contentPart>
-          </mc:Choice>
-          <mc:Fallback xmlns="">
-            <p:pic>
-              <p:nvPicPr>
-                <p:cNvPr id="9" name="Freihand 8">
-                  <a:extLst>
-                    <a:ext uri="{FF2B5EF4-FFF2-40B4-BE49-F238E27FC236}">
-                      <a16:creationId xmlns:a16="http://schemas.microsoft.com/office/drawing/2014/main" id="{E2AB65DA-38E2-9C45-A721-4C33847CFC68}"/>
-                    </a:ext>
-                  </a:extLst>
-                </p:cNvPr>
-                <p:cNvPicPr/>
-                <p:nvPr/>
-              </p:nvPicPr>
-              <p:blipFill>
-                <a:blip r:embed="rId17"/>
-                <a:stretch>
-                  <a:fillRect/>
-                </a:stretch>
-              </p:blipFill>
-              <p:spPr>
-                <a:xfrm>
-                  <a:off x="4723404" y="4718452"/>
-                  <a:ext cx="524160" cy="1680120"/>
-                </a:xfrm>
-                <a:prstGeom prst="rect">
-                  <a:avLst/>
-                </a:prstGeom>
-              </p:spPr>
-            </p:pic>
-          </mc:Fallback>
-        </mc:AlternateContent>
-        <mc:AlternateContent xmlns:mc="http://schemas.openxmlformats.org/markup-compatibility/2006" xmlns:p14="http://schemas.microsoft.com/office/powerpoint/2010/main">
-          <mc:Choice Requires="p14">
-            <p:contentPart p14:bwMode="auto" r:id="rId18">
-              <p14:nvContentPartPr>
-                <p14:cNvPr id="10" name="Freihand 9">
-                  <a:extLst>
-                    <a:ext uri="{FF2B5EF4-FFF2-40B4-BE49-F238E27FC236}">
-                      <a16:creationId xmlns:a16="http://schemas.microsoft.com/office/drawing/2014/main" id="{47530F9D-98C5-6845-A17A-2B16948C4D12}"/>
-                    </a:ext>
-                  </a:extLst>
-                </p14:cNvPr>
-                <p14:cNvContentPartPr/>
-                <p14:nvPr/>
-              </p14:nvContentPartPr>
-              <p14:xfrm>
-                <a:off x="5136324" y="6273652"/>
-                <a:ext cx="126000" cy="231120"/>
-              </p14:xfrm>
-            </p:contentPart>
-          </mc:Choice>
-          <mc:Fallback xmlns="">
-            <p:pic>
-              <p:nvPicPr>
-                <p:cNvPr id="10" name="Freihand 9">
-                  <a:extLst>
-                    <a:ext uri="{FF2B5EF4-FFF2-40B4-BE49-F238E27FC236}">
-                      <a16:creationId xmlns:a16="http://schemas.microsoft.com/office/drawing/2014/main" id="{47530F9D-98C5-6845-A17A-2B16948C4D12}"/>
-                    </a:ext>
-                  </a:extLst>
-                </p:cNvPr>
-                <p:cNvPicPr/>
-                <p:nvPr/>
-              </p:nvPicPr>
-              <p:blipFill>
-                <a:blip r:embed="rId19"/>
-                <a:stretch>
-                  <a:fillRect/>
-                </a:stretch>
-              </p:blipFill>
-              <p:spPr>
-                <a:xfrm>
-                  <a:off x="5127684" y="6264652"/>
-                  <a:ext cx="143640" cy="248760"/>
-                </a:xfrm>
-                <a:prstGeom prst="rect">
-                  <a:avLst/>
-                </a:prstGeom>
-              </p:spPr>
-            </p:pic>
-          </mc:Fallback>
-        </mc:AlternateContent>
-        <mc:AlternateContent xmlns:mc="http://schemas.openxmlformats.org/markup-compatibility/2006" xmlns:p14="http://schemas.microsoft.com/office/powerpoint/2010/main">
-          <mc:Choice Requires="p14">
-            <p:contentPart p14:bwMode="auto" r:id="rId20">
-              <p14:nvContentPartPr>
-                <p14:cNvPr id="18" name="Freihand 17">
-                  <a:extLst>
-                    <a:ext uri="{FF2B5EF4-FFF2-40B4-BE49-F238E27FC236}">
-                      <a16:creationId xmlns:a16="http://schemas.microsoft.com/office/drawing/2014/main" id="{C7CEAE59-1F8C-5F43-A71F-493571B122E8}"/>
-                    </a:ext>
-                  </a:extLst>
-                </p14:cNvPr>
-                <p14:cNvContentPartPr/>
-                <p14:nvPr/>
-              </p14:nvContentPartPr>
-              <p14:xfrm>
-                <a:off x="3322644" y="5179612"/>
-                <a:ext cx="5551920" cy="1264320"/>
-              </p14:xfrm>
-            </p:contentPart>
-          </mc:Choice>
-          <mc:Fallback xmlns="">
-            <p:pic>
-              <p:nvPicPr>
-                <p:cNvPr id="18" name="Freihand 17">
-                  <a:extLst>
-                    <a:ext uri="{FF2B5EF4-FFF2-40B4-BE49-F238E27FC236}">
-                      <a16:creationId xmlns:a16="http://schemas.microsoft.com/office/drawing/2014/main" id="{C7CEAE59-1F8C-5F43-A71F-493571B122E8}"/>
-                    </a:ext>
-                  </a:extLst>
-                </p:cNvPr>
-                <p:cNvPicPr/>
-                <p:nvPr/>
-              </p:nvPicPr>
-              <p:blipFill>
-                <a:blip r:embed="rId21"/>
-                <a:stretch>
-                  <a:fillRect/>
-                </a:stretch>
-              </p:blipFill>
-              <p:spPr>
-                <a:xfrm>
-                  <a:off x="3314004" y="5170972"/>
-                  <a:ext cx="5569560" cy="1281960"/>
-                </a:xfrm>
-                <a:prstGeom prst="rect">
-                  <a:avLst/>
-                </a:prstGeom>
-              </p:spPr>
-            </p:pic>
-          </mc:Fallback>
-        </mc:AlternateContent>
-        <mc:AlternateContent xmlns:mc="http://schemas.openxmlformats.org/markup-compatibility/2006" xmlns:p14="http://schemas.microsoft.com/office/powerpoint/2010/main">
-          <mc:Choice Requires="p14">
-            <p:contentPart p14:bwMode="auto" r:id="rId22">
-              <p14:nvContentPartPr>
-                <p14:cNvPr id="19" name="Freihand 18">
-                  <a:extLst>
-                    <a:ext uri="{FF2B5EF4-FFF2-40B4-BE49-F238E27FC236}">
-                      <a16:creationId xmlns:a16="http://schemas.microsoft.com/office/drawing/2014/main" id="{DE1A424E-E9E2-2D4A-AD1E-2B549263418E}"/>
-                    </a:ext>
-                  </a:extLst>
-                </p14:cNvPr>
-                <p14:cNvContentPartPr/>
-                <p14:nvPr/>
-              </p14:nvContentPartPr>
-              <p14:xfrm>
-                <a:off x="8699244" y="6259972"/>
-                <a:ext cx="252720" cy="272160"/>
-              </p14:xfrm>
-            </p:contentPart>
-          </mc:Choice>
-          <mc:Fallback xmlns="">
-            <p:pic>
-              <p:nvPicPr>
-                <p:cNvPr id="19" name="Freihand 18">
-                  <a:extLst>
-                    <a:ext uri="{FF2B5EF4-FFF2-40B4-BE49-F238E27FC236}">
-                      <a16:creationId xmlns:a16="http://schemas.microsoft.com/office/drawing/2014/main" id="{DE1A424E-E9E2-2D4A-AD1E-2B549263418E}"/>
-                    </a:ext>
-                  </a:extLst>
-                </p:cNvPr>
-                <p:cNvPicPr/>
-                <p:nvPr/>
-              </p:nvPicPr>
-              <p:blipFill>
-                <a:blip r:embed="rId23"/>
-                <a:stretch>
-                  <a:fillRect/>
-                </a:stretch>
-              </p:blipFill>
-              <p:spPr>
-                <a:xfrm>
-                  <a:off x="8690244" y="6251332"/>
-                  <a:ext cx="270360" cy="289800"/>
-                </a:xfrm>
-                <a:prstGeom prst="rect">
-                  <a:avLst/>
-                </a:prstGeom>
-              </p:spPr>
-            </p:pic>
-          </mc:Fallback>
-        </mc:AlternateContent>
-      </p:grpSp>
     </p:spTree>
     <p:extLst>
       <p:ext uri="{BB962C8B-B14F-4D97-AF65-F5344CB8AC3E}">
-        <p14:creationId xmlns:p14="http://schemas.microsoft.com/office/powerpoint/2010/main" val="1282737014"/>
+        <p14:creationId xmlns:p14="http://schemas.microsoft.com/office/powerpoint/2010/main" val="962694489"/>
       </p:ext>
     </p:extLst>
   </p:cSld>
@@ -7550,6 +6805,400 @@
           <a:chExt cx="0" cy="0"/>
         </a:xfrm>
       </p:grpSpPr>
+      <p:pic>
+        <p:nvPicPr>
+          <p:cNvPr id="4" name="Grafik 3">
+            <a:extLst>
+              <a:ext uri="{FF2B5EF4-FFF2-40B4-BE49-F238E27FC236}">
+                <a16:creationId xmlns:a16="http://schemas.microsoft.com/office/drawing/2014/main" id="{1595554F-B0AE-6240-B2F8-9294DF76F887}"/>
+              </a:ext>
+            </a:extLst>
+          </p:cNvPr>
+          <p:cNvPicPr>
+            <a:picLocks noChangeAspect="1"/>
+          </p:cNvPicPr>
+          <p:nvPr/>
+        </p:nvPicPr>
+        <p:blipFill>
+          <a:blip r:embed="rId2"/>
+          <a:stretch>
+            <a:fillRect/>
+          </a:stretch>
+        </p:blipFill>
+        <p:spPr>
+          <a:xfrm>
+            <a:off x="2201277" y="0"/>
+            <a:ext cx="7789446" cy="6858000"/>
+          </a:xfrm>
+          <a:prstGeom prst="rect">
+            <a:avLst/>
+          </a:prstGeom>
+        </p:spPr>
+      </p:pic>
+      <p:sp>
+        <p:nvSpPr>
+          <p:cNvPr id="5" name="Textfeld 4">
+            <a:extLst>
+              <a:ext uri="{FF2B5EF4-FFF2-40B4-BE49-F238E27FC236}">
+                <a16:creationId xmlns:a16="http://schemas.microsoft.com/office/drawing/2014/main" id="{2BD1B95C-FCB0-8847-B4F6-3262DDDBD488}"/>
+              </a:ext>
+            </a:extLst>
+          </p:cNvPr>
+          <p:cNvSpPr txBox="1"/>
+          <p:nvPr/>
+        </p:nvSpPr>
+        <p:spPr>
+          <a:xfrm>
+            <a:off x="10201557" y="330688"/>
+            <a:ext cx="1130438" cy="369332"/>
+          </a:xfrm>
+          <a:prstGeom prst="rect">
+            <a:avLst/>
+          </a:prstGeom>
+          <a:noFill/>
+        </p:spPr>
+        <p:txBody>
+          <a:bodyPr wrap="none" rtlCol="0">
+            <a:spAutoFit/>
+          </a:bodyPr>
+          <a:lstStyle/>
+          <a:p>
+            <a:r>
+              <a:rPr lang="de-DE" dirty="0"/>
+              <a:t>Bibliothek</a:t>
+            </a:r>
+          </a:p>
+        </p:txBody>
+      </p:sp>
+      <p:sp>
+        <p:nvSpPr>
+          <p:cNvPr id="6" name="Textfeld 5">
+            <a:extLst>
+              <a:ext uri="{FF2B5EF4-FFF2-40B4-BE49-F238E27FC236}">
+                <a16:creationId xmlns:a16="http://schemas.microsoft.com/office/drawing/2014/main" id="{655AD8EE-5B01-A045-9B32-411ED77B5DE4}"/>
+              </a:ext>
+            </a:extLst>
+          </p:cNvPr>
+          <p:cNvSpPr txBox="1"/>
+          <p:nvPr/>
+        </p:nvSpPr>
+        <p:spPr>
+          <a:xfrm>
+            <a:off x="10201557" y="2782669"/>
+            <a:ext cx="1373133" cy="646331"/>
+          </a:xfrm>
+          <a:prstGeom prst="rect">
+            <a:avLst/>
+          </a:prstGeom>
+          <a:noFill/>
+        </p:spPr>
+        <p:txBody>
+          <a:bodyPr wrap="none" rtlCol="0">
+            <a:spAutoFit/>
+          </a:bodyPr>
+          <a:lstStyle/>
+          <a:p>
+            <a:r>
+              <a:rPr lang="de-DE" dirty="0"/>
+              <a:t>Aktivieren/</a:t>
+            </a:r>
+            <a:br>
+              <a:rPr lang="de-DE" dirty="0"/>
+            </a:br>
+            <a:r>
+              <a:rPr lang="de-DE" dirty="0"/>
+              <a:t>Deaktivieren</a:t>
+            </a:r>
+          </a:p>
+        </p:txBody>
+      </p:sp>
+      <p:sp>
+        <p:nvSpPr>
+          <p:cNvPr id="7" name="Textfeld 6">
+            <a:extLst>
+              <a:ext uri="{FF2B5EF4-FFF2-40B4-BE49-F238E27FC236}">
+                <a16:creationId xmlns:a16="http://schemas.microsoft.com/office/drawing/2014/main" id="{B22DF50E-E5BB-FC41-BA80-1691D5E44217}"/>
+              </a:ext>
+            </a:extLst>
+          </p:cNvPr>
+          <p:cNvSpPr txBox="1"/>
+          <p:nvPr/>
+        </p:nvSpPr>
+        <p:spPr>
+          <a:xfrm>
+            <a:off x="10292173" y="4751512"/>
+            <a:ext cx="981872" cy="369332"/>
+          </a:xfrm>
+          <a:prstGeom prst="rect">
+            <a:avLst/>
+          </a:prstGeom>
+          <a:noFill/>
+        </p:spPr>
+        <p:txBody>
+          <a:bodyPr wrap="none" rtlCol="0">
+            <a:spAutoFit/>
+          </a:bodyPr>
+          <a:lstStyle/>
+          <a:p>
+            <a:r>
+              <a:rPr lang="de-DE" dirty="0"/>
+              <a:t>Ausgabe</a:t>
+            </a:r>
+          </a:p>
+        </p:txBody>
+      </p:sp>
+      <p:cxnSp>
+        <p:nvCxnSpPr>
+          <p:cNvPr id="9" name="Gerade Verbindung mit Pfeil 8">
+            <a:extLst>
+              <a:ext uri="{FF2B5EF4-FFF2-40B4-BE49-F238E27FC236}">
+                <a16:creationId xmlns:a16="http://schemas.microsoft.com/office/drawing/2014/main" id="{DB1C8AC7-CB80-8C4A-AF7C-A15F57494626}"/>
+              </a:ext>
+            </a:extLst>
+          </p:cNvPr>
+          <p:cNvCxnSpPr>
+            <a:stCxn id="5" idx="1"/>
+          </p:cNvCxnSpPr>
+          <p:nvPr/>
+        </p:nvCxnSpPr>
+        <p:spPr>
+          <a:xfrm flipH="1" flipV="1">
+            <a:off x="5733535" y="330688"/>
+            <a:ext cx="4468022" cy="184666"/>
+          </a:xfrm>
+          <a:prstGeom prst="straightConnector1">
+            <a:avLst/>
+          </a:prstGeom>
+          <a:ln w="19050">
+            <a:solidFill>
+              <a:srgbClr val="FF0000"/>
+            </a:solidFill>
+            <a:tailEnd type="triangle"/>
+          </a:ln>
+        </p:spPr>
+        <p:style>
+          <a:lnRef idx="1">
+            <a:schemeClr val="accent1"/>
+          </a:lnRef>
+          <a:fillRef idx="0">
+            <a:schemeClr val="accent1"/>
+          </a:fillRef>
+          <a:effectRef idx="0">
+            <a:schemeClr val="accent1"/>
+          </a:effectRef>
+          <a:fontRef idx="minor">
+            <a:schemeClr val="tx1"/>
+          </a:fontRef>
+        </p:style>
+      </p:cxnSp>
+      <p:cxnSp>
+        <p:nvCxnSpPr>
+          <p:cNvPr id="10" name="Gerade Verbindung mit Pfeil 9">
+            <a:extLst>
+              <a:ext uri="{FF2B5EF4-FFF2-40B4-BE49-F238E27FC236}">
+                <a16:creationId xmlns:a16="http://schemas.microsoft.com/office/drawing/2014/main" id="{F9B17B86-F731-6844-99F1-5B3381438B10}"/>
+              </a:ext>
+            </a:extLst>
+          </p:cNvPr>
+          <p:cNvCxnSpPr>
+            <a:cxnSpLocks/>
+            <a:stCxn id="6" idx="1"/>
+          </p:cNvCxnSpPr>
+          <p:nvPr/>
+        </p:nvCxnSpPr>
+        <p:spPr>
+          <a:xfrm flipH="1" flipV="1">
+            <a:off x="5984789" y="3105834"/>
+            <a:ext cx="4216768" cy="1"/>
+          </a:xfrm>
+          <a:prstGeom prst="straightConnector1">
+            <a:avLst/>
+          </a:prstGeom>
+          <a:ln w="19050">
+            <a:solidFill>
+              <a:srgbClr val="FF0000"/>
+            </a:solidFill>
+            <a:tailEnd type="triangle"/>
+          </a:ln>
+        </p:spPr>
+        <p:style>
+          <a:lnRef idx="1">
+            <a:schemeClr val="accent1"/>
+          </a:lnRef>
+          <a:fillRef idx="0">
+            <a:schemeClr val="accent1"/>
+          </a:fillRef>
+          <a:effectRef idx="0">
+            <a:schemeClr val="accent1"/>
+          </a:effectRef>
+          <a:fontRef idx="minor">
+            <a:schemeClr val="tx1"/>
+          </a:fontRef>
+        </p:style>
+      </p:cxnSp>
+      <p:cxnSp>
+        <p:nvCxnSpPr>
+          <p:cNvPr id="12" name="Gerade Verbindung mit Pfeil 11">
+            <a:extLst>
+              <a:ext uri="{FF2B5EF4-FFF2-40B4-BE49-F238E27FC236}">
+                <a16:creationId xmlns:a16="http://schemas.microsoft.com/office/drawing/2014/main" id="{D39166FA-CC25-8A4A-93A6-4B6BEE11574C}"/>
+              </a:ext>
+            </a:extLst>
+          </p:cNvPr>
+          <p:cNvCxnSpPr>
+            <a:cxnSpLocks/>
+            <a:stCxn id="7" idx="1"/>
+          </p:cNvCxnSpPr>
+          <p:nvPr/>
+        </p:nvCxnSpPr>
+        <p:spPr>
+          <a:xfrm flipH="1" flipV="1">
+            <a:off x="8093173" y="4287795"/>
+            <a:ext cx="2199000" cy="648383"/>
+          </a:xfrm>
+          <a:prstGeom prst="straightConnector1">
+            <a:avLst/>
+          </a:prstGeom>
+          <a:ln w="19050">
+            <a:solidFill>
+              <a:srgbClr val="FF0000"/>
+            </a:solidFill>
+            <a:tailEnd type="triangle"/>
+          </a:ln>
+        </p:spPr>
+        <p:style>
+          <a:lnRef idx="1">
+            <a:schemeClr val="accent1"/>
+          </a:lnRef>
+          <a:fillRef idx="0">
+            <a:schemeClr val="accent1"/>
+          </a:fillRef>
+          <a:effectRef idx="0">
+            <a:schemeClr val="accent1"/>
+          </a:effectRef>
+          <a:fontRef idx="minor">
+            <a:schemeClr val="tx1"/>
+          </a:fontRef>
+        </p:style>
+      </p:cxnSp>
+      <p:cxnSp>
+        <p:nvCxnSpPr>
+          <p:cNvPr id="15" name="Gerade Verbindung mit Pfeil 14">
+            <a:extLst>
+              <a:ext uri="{FF2B5EF4-FFF2-40B4-BE49-F238E27FC236}">
+                <a16:creationId xmlns:a16="http://schemas.microsoft.com/office/drawing/2014/main" id="{779CEFB2-1AB5-A642-AB88-689D61F1BA18}"/>
+              </a:ext>
+            </a:extLst>
+          </p:cNvPr>
+          <p:cNvCxnSpPr>
+            <a:cxnSpLocks/>
+          </p:cNvCxnSpPr>
+          <p:nvPr/>
+        </p:nvCxnSpPr>
+        <p:spPr>
+          <a:xfrm flipH="1">
+            <a:off x="8217243" y="4981917"/>
+            <a:ext cx="2109941" cy="602644"/>
+          </a:xfrm>
+          <a:prstGeom prst="straightConnector1">
+            <a:avLst/>
+          </a:prstGeom>
+          <a:ln w="19050">
+            <a:solidFill>
+              <a:srgbClr val="FF0000"/>
+            </a:solidFill>
+            <a:tailEnd type="triangle"/>
+          </a:ln>
+        </p:spPr>
+        <p:style>
+          <a:lnRef idx="1">
+            <a:schemeClr val="accent1"/>
+          </a:lnRef>
+          <a:fillRef idx="0">
+            <a:schemeClr val="accent1"/>
+          </a:fillRef>
+          <a:effectRef idx="0">
+            <a:schemeClr val="accent1"/>
+          </a:effectRef>
+          <a:fontRef idx="minor">
+            <a:schemeClr val="tx1"/>
+          </a:fontRef>
+        </p:style>
+      </p:cxnSp>
+      <p:cxnSp>
+        <p:nvCxnSpPr>
+          <p:cNvPr id="17" name="Gerade Verbindung mit Pfeil 16">
+            <a:extLst>
+              <a:ext uri="{FF2B5EF4-FFF2-40B4-BE49-F238E27FC236}">
+                <a16:creationId xmlns:a16="http://schemas.microsoft.com/office/drawing/2014/main" id="{F5516EE3-146D-1947-B9FA-EFE49794062F}"/>
+              </a:ext>
+            </a:extLst>
+          </p:cNvPr>
+          <p:cNvCxnSpPr>
+            <a:cxnSpLocks/>
+          </p:cNvCxnSpPr>
+          <p:nvPr/>
+        </p:nvCxnSpPr>
+        <p:spPr>
+          <a:xfrm flipH="1">
+            <a:off x="7685903" y="4981917"/>
+            <a:ext cx="2641281" cy="1276773"/>
+          </a:xfrm>
+          <a:prstGeom prst="straightConnector1">
+            <a:avLst/>
+          </a:prstGeom>
+          <a:ln w="19050">
+            <a:solidFill>
+              <a:srgbClr val="FF0000"/>
+            </a:solidFill>
+            <a:tailEnd type="triangle"/>
+          </a:ln>
+        </p:spPr>
+        <p:style>
+          <a:lnRef idx="1">
+            <a:schemeClr val="accent1"/>
+          </a:lnRef>
+          <a:fillRef idx="0">
+            <a:schemeClr val="accent1"/>
+          </a:fillRef>
+          <a:effectRef idx="0">
+            <a:schemeClr val="accent1"/>
+          </a:effectRef>
+          <a:fontRef idx="minor">
+            <a:schemeClr val="tx1"/>
+          </a:fontRef>
+        </p:style>
+      </p:cxnSp>
+    </p:spTree>
+    <p:extLst>
+      <p:ext uri="{BB962C8B-B14F-4D97-AF65-F5344CB8AC3E}">
+        <p14:creationId xmlns:p14="http://schemas.microsoft.com/office/powerpoint/2010/main" val="358818247"/>
+      </p:ext>
+    </p:extLst>
+  </p:cSld>
+  <p:clrMapOvr>
+    <a:masterClrMapping/>
+  </p:clrMapOvr>
+</p:sld>
+</file>
+
+<file path=ppt/slides/slide8.xml><?xml version="1.0" encoding="utf-8"?>
+<p:sld xmlns:a="http://schemas.openxmlformats.org/drawingml/2006/main" xmlns:r="http://schemas.openxmlformats.org/officeDocument/2006/relationships" xmlns:p="http://schemas.openxmlformats.org/presentationml/2006/main">
+  <p:cSld>
+    <p:spTree>
+      <p:nvGrpSpPr>
+        <p:cNvPr id="1" name=""/>
+        <p:cNvGrpSpPr/>
+        <p:nvPr/>
+      </p:nvGrpSpPr>
+      <p:grpSpPr>
+        <a:xfrm>
+          <a:off x="0" y="0"/>
+          <a:ext cx="0" cy="0"/>
+          <a:chOff x="0" y="0"/>
+          <a:chExt cx="0" cy="0"/>
+        </a:xfrm>
+      </p:grpSpPr>
       <p:sp>
         <p:nvSpPr>
           <p:cNvPr id="2" name="Titel 1">
@@ -7632,7 +7281,7 @@
 </p:sld>
 </file>
 
-<file path=ppt/slides/slide8.xml><?xml version="1.0" encoding="utf-8"?>
+<file path=ppt/slides/slide9.xml><?xml version="1.0" encoding="utf-8"?>
 <p:sld xmlns:a="http://schemas.openxmlformats.org/drawingml/2006/main" xmlns:r="http://schemas.openxmlformats.org/officeDocument/2006/relationships" xmlns:p="http://schemas.openxmlformats.org/presentationml/2006/main">
   <p:cSld>
     <p:spTree>
@@ -7700,189 +7349,6 @@
     <p:extLst>
       <p:ext uri="{BB962C8B-B14F-4D97-AF65-F5344CB8AC3E}">
         <p14:creationId xmlns:p14="http://schemas.microsoft.com/office/powerpoint/2010/main" val="1029990919"/>
-      </p:ext>
-    </p:extLst>
-  </p:cSld>
-  <p:clrMapOvr>
-    <a:masterClrMapping/>
-  </p:clrMapOvr>
-</p:sld>
-</file>
-
-<file path=ppt/slides/slide9.xml><?xml version="1.0" encoding="utf-8"?>
-<p:sld xmlns:a="http://schemas.openxmlformats.org/drawingml/2006/main" xmlns:r="http://schemas.openxmlformats.org/officeDocument/2006/relationships" xmlns:p="http://schemas.openxmlformats.org/presentationml/2006/main">
-  <p:cSld>
-    <p:spTree>
-      <p:nvGrpSpPr>
-        <p:cNvPr id="1" name=""/>
-        <p:cNvGrpSpPr/>
-        <p:nvPr/>
-      </p:nvGrpSpPr>
-      <p:grpSpPr>
-        <a:xfrm>
-          <a:off x="0" y="0"/>
-          <a:ext cx="0" cy="0"/>
-          <a:chOff x="0" y="0"/>
-          <a:chExt cx="0" cy="0"/>
-        </a:xfrm>
-      </p:grpSpPr>
-      <p:sp>
-        <p:nvSpPr>
-          <p:cNvPr id="2" name="Titel 1">
-            <a:extLst>
-              <a:ext uri="{FF2B5EF4-FFF2-40B4-BE49-F238E27FC236}">
-                <a16:creationId xmlns:a16="http://schemas.microsoft.com/office/drawing/2014/main" id="{334936CD-7D3C-B341-9FFC-2AF7C2C2928F}"/>
-              </a:ext>
-            </a:extLst>
-          </p:cNvPr>
-          <p:cNvSpPr>
-            <a:spLocks noGrp="1"/>
-          </p:cNvSpPr>
-          <p:nvPr>
-            <p:ph type="title"/>
-          </p:nvPr>
-        </p:nvSpPr>
-        <p:spPr/>
-        <p:txBody>
-          <a:bodyPr/>
-          <a:lstStyle/>
-          <a:p>
-            <a:r>
-              <a:rPr lang="de-DE" dirty="0"/>
-              <a:t>Attribution und Quellen</a:t>
-            </a:r>
-          </a:p>
-        </p:txBody>
-      </p:sp>
-      <p:sp>
-        <p:nvSpPr>
-          <p:cNvPr id="3" name="Textplatzhalter 2">
-            <a:extLst>
-              <a:ext uri="{FF2B5EF4-FFF2-40B4-BE49-F238E27FC236}">
-                <a16:creationId xmlns:a16="http://schemas.microsoft.com/office/drawing/2014/main" id="{DEF89A04-C556-384F-8F4C-62B2495131C1}"/>
-              </a:ext>
-            </a:extLst>
-          </p:cNvPr>
-          <p:cNvSpPr>
-            <a:spLocks noGrp="1"/>
-          </p:cNvSpPr>
-          <p:nvPr>
-            <p:ph type="body" idx="1"/>
-          </p:nvPr>
-        </p:nvSpPr>
-        <p:spPr/>
-        <p:txBody>
-          <a:bodyPr>
-            <a:normAutofit fontScale="47500" lnSpcReduction="20000"/>
-          </a:bodyPr>
-          <a:lstStyle/>
-          <a:p>
-            <a:r>
-              <a:rPr lang="de-DE" dirty="0"/>
-              <a:t>Diese Folien wurden von Peter </a:t>
-            </a:r>
-            <a:r>
-              <a:rPr lang="de-DE" dirty="0" err="1"/>
-              <a:t>Bendel</a:t>
-            </a:r>
-            <a:r>
-              <a:rPr lang="de-DE" dirty="0"/>
-              <a:t> erstellt.</a:t>
-            </a:r>
-          </a:p>
-          <a:p>
-            <a:r>
-              <a:rPr lang="de-DE" dirty="0"/>
-              <a:t>Für diese Folien gilt die </a:t>
-            </a:r>
-            <a:r>
-              <a:rPr lang="de-DE" b="1" dirty="0"/>
-              <a:t>Attribution-</a:t>
-            </a:r>
-            <a:r>
-              <a:rPr lang="de-DE" b="1" dirty="0" err="1"/>
-              <a:t>ShareAlike</a:t>
-            </a:r>
-            <a:r>
-              <a:rPr lang="de-DE" b="1" dirty="0"/>
-              <a:t> 3.0 </a:t>
-            </a:r>
-            <a:r>
-              <a:rPr lang="de-DE" b="1" dirty="0" err="1"/>
-              <a:t>Unported</a:t>
-            </a:r>
-            <a:endParaRPr lang="de-DE" b="1" dirty="0"/>
-          </a:p>
-          <a:p>
-            <a:r>
-              <a:rPr lang="de-DE" dirty="0"/>
-              <a:t> Lizenz, </a:t>
-            </a:r>
-            <a:r>
-              <a:rPr lang="de-DE" dirty="0">
-                <a:hlinkClick r:id="rId2"/>
-              </a:rPr>
-              <a:t>https://creativecommons.org/licenses/by-sa/3.0/</a:t>
-            </a:r>
-            <a:endParaRPr lang="de-DE" dirty="0"/>
-          </a:p>
-          <a:p>
-            <a:r>
-              <a:rPr lang="de-DE" dirty="0"/>
-              <a:t>Quellen: </a:t>
-            </a:r>
-          </a:p>
-          <a:p>
-            <a:r>
-              <a:rPr lang="de-DE" dirty="0">
-                <a:hlinkClick r:id="rId3"/>
-              </a:rPr>
-              <a:t>https://docs.arduino.cc/software/ide-v2/tutorials/ide-v2-debugger</a:t>
-            </a:r>
-            <a:endParaRPr lang="de-DE" dirty="0"/>
-          </a:p>
-          <a:p>
-            <a:r>
-              <a:rPr lang="de-DE" dirty="0"/>
-              <a:t>https://</a:t>
-            </a:r>
-            <a:r>
-              <a:rPr lang="de-DE" dirty="0" err="1"/>
-              <a:t>github.com</a:t>
-            </a:r>
-            <a:r>
-              <a:rPr lang="de-DE" dirty="0"/>
-              <a:t>/</a:t>
-            </a:r>
-            <a:r>
-              <a:rPr lang="de-DE" dirty="0" err="1"/>
-              <a:t>liffiton</a:t>
-            </a:r>
-            <a:r>
-              <a:rPr lang="de-DE" dirty="0"/>
-              <a:t>/</a:t>
-            </a:r>
-            <a:r>
-              <a:rPr lang="de-DE" dirty="0" err="1"/>
-              <a:t>Arduino</a:t>
-            </a:r>
-            <a:r>
-              <a:rPr lang="de-DE" dirty="0"/>
-              <a:t>-Cheat-Sheet</a:t>
-            </a:r>
-          </a:p>
-          <a:p>
-            <a:endParaRPr lang="de-DE" dirty="0"/>
-          </a:p>
-          <a:p>
-            <a:endParaRPr lang="de-DE" dirty="0"/>
-          </a:p>
-        </p:txBody>
-      </p:sp>
-    </p:spTree>
-    <p:extLst>
-      <p:ext uri="{BB962C8B-B14F-4D97-AF65-F5344CB8AC3E}">
-        <p14:creationId xmlns:p14="http://schemas.microsoft.com/office/powerpoint/2010/main" val="3103116398"/>
       </p:ext>
     </p:extLst>
   </p:cSld>
@@ -8483,9 +7949,12 @@
 </file>
 
 <file path=customXml/item1.xml><?xml version="1.0" encoding="utf-8"?>
-<p:properties xmlns:p="http://schemas.microsoft.com/office/2006/metadata/properties" xmlns:xsi="http://www.w3.org/2001/XMLSchema-instance" xmlns:pc="http://schemas.microsoft.com/office/infopath/2007/PartnerControls">
-  <documentManagement/>
-</p:properties>
+<?mso-contentType ?>
+<FormTemplates xmlns="http://schemas.microsoft.com/sharepoint/v3/contenttype/forms">
+  <Display>DocumentLibraryForm</Display>
+  <Edit>DocumentLibraryForm</Edit>
+  <New>DocumentLibraryForm</New>
+</FormTemplates>
 </file>
 
 <file path=customXml/item2.xml><?xml version="1.0" encoding="utf-8"?>
@@ -8706,27 +8175,15 @@
 </file>
 
 <file path=customXml/item3.xml><?xml version="1.0" encoding="utf-8"?>
-<?mso-contentType ?>
-<FormTemplates xmlns="http://schemas.microsoft.com/sharepoint/v3/contenttype/forms">
-  <Display>DocumentLibraryForm</Display>
-  <Edit>DocumentLibraryForm</Edit>
-  <New>DocumentLibraryForm</New>
-</FormTemplates>
+<p:properties xmlns:p="http://schemas.microsoft.com/office/2006/metadata/properties" xmlns:xsi="http://www.w3.org/2001/XMLSchema-instance" xmlns:pc="http://schemas.microsoft.com/office/infopath/2007/PartnerControls">
+  <documentManagement/>
+</p:properties>
 </file>
 
 <file path=customXml/itemProps1.xml><?xml version="1.0" encoding="utf-8"?>
-<ds:datastoreItem xmlns:ds="http://schemas.openxmlformats.org/officeDocument/2006/customXml" ds:itemID="{68B22CCF-3790-4DAF-9B94-BBE8105DACDB}">
+<ds:datastoreItem xmlns:ds="http://schemas.openxmlformats.org/officeDocument/2006/customXml" ds:itemID="{19285E5B-5F99-40AB-B4B4-B67FE3E29063}">
   <ds:schemaRefs>
-    <ds:schemaRef ds:uri="http://purl.org/dc/elements/1.1/"/>
-    <ds:schemaRef ds:uri="http://schemas.openxmlformats.org/package/2006/metadata/core-properties"/>
-    <ds:schemaRef ds:uri="http://schemas.microsoft.com/office/2006/documentManagement/types"/>
-    <ds:schemaRef ds:uri="7e0397fa-c04e-494e-b1f1-774ad14ae133"/>
-    <ds:schemaRef ds:uri="http://www.w3.org/XML/1998/namespace"/>
-    <ds:schemaRef ds:uri="http://schemas.microsoft.com/office/infopath/2007/PartnerControls"/>
-    <ds:schemaRef ds:uri="http://purl.org/dc/dcmitype/"/>
-    <ds:schemaRef ds:uri="8413540a-1bb6-4053-94a1-f89835fea1c0"/>
-    <ds:schemaRef ds:uri="http://schemas.microsoft.com/office/2006/metadata/properties"/>
-    <ds:schemaRef ds:uri="http://purl.org/dc/terms/"/>
+    <ds:schemaRef ds:uri="http://schemas.microsoft.com/sharepoint/v3/contenttype/forms"/>
   </ds:schemaRefs>
 </ds:datastoreItem>
 </file>
@@ -8751,9 +8208,18 @@
 </file>
 
 <file path=customXml/itemProps3.xml><?xml version="1.0" encoding="utf-8"?>
-<ds:datastoreItem xmlns:ds="http://schemas.openxmlformats.org/officeDocument/2006/customXml" ds:itemID="{19285E5B-5F99-40AB-B4B4-B67FE3E29063}">
+<ds:datastoreItem xmlns:ds="http://schemas.openxmlformats.org/officeDocument/2006/customXml" ds:itemID="{68B22CCF-3790-4DAF-9B94-BBE8105DACDB}">
   <ds:schemaRefs>
-    <ds:schemaRef ds:uri="http://schemas.microsoft.com/sharepoint/v3/contenttype/forms"/>
+    <ds:schemaRef ds:uri="http://purl.org/dc/elements/1.1/"/>
+    <ds:schemaRef ds:uri="http://schemas.openxmlformats.org/package/2006/metadata/core-properties"/>
+    <ds:schemaRef ds:uri="http://schemas.microsoft.com/office/2006/documentManagement/types"/>
+    <ds:schemaRef ds:uri="7e0397fa-c04e-494e-b1f1-774ad14ae133"/>
+    <ds:schemaRef ds:uri="http://www.w3.org/XML/1998/namespace"/>
+    <ds:schemaRef ds:uri="http://schemas.microsoft.com/office/infopath/2007/PartnerControls"/>
+    <ds:schemaRef ds:uri="http://purl.org/dc/dcmitype/"/>
+    <ds:schemaRef ds:uri="8413540a-1bb6-4053-94a1-f89835fea1c0"/>
+    <ds:schemaRef ds:uri="http://schemas.microsoft.com/office/2006/metadata/properties"/>
+    <ds:schemaRef ds:uri="http://purl.org/dc/terms/"/>
   </ds:schemaRefs>
 </ds:datastoreItem>
 </file>
--- a/Folien/Exkurs_Fehlersuche.pptx
+++ b/Folien/Exkurs_Fehlersuche.pptx
@@ -654,7 +654,7 @@
           <a:p>
             <a:fld id="{1111EAE3-0D17-7D4D-B5C8-7430D3A14508}" type="datetimeFigureOut">
               <a:rPr lang="en-US" smtClean="0"/>
-              <a:t>3/24/22</a:t>
+              <a:t>3/29/22</a:t>
             </a:fld>
             <a:endParaRPr lang="en-US"/>
           </a:p>
@@ -1153,7 +1153,7 @@
           <a:p>
             <a:fld id="{46878720-212C-42BB-B356-99628BFE1EBF}" type="datetimeFigureOut">
               <a:rPr lang="en-US" smtClean="0"/>
-              <a:t>3/24/22</a:t>
+              <a:t>3/29/22</a:t>
             </a:fld>
             <a:endParaRPr lang="en-US"/>
           </a:p>
@@ -1351,7 +1351,7 @@
           <a:p>
             <a:fld id="{46878720-212C-42BB-B356-99628BFE1EBF}" type="datetimeFigureOut">
               <a:rPr lang="en-US" smtClean="0"/>
-              <a:t>3/24/22</a:t>
+              <a:t>3/29/22</a:t>
             </a:fld>
             <a:endParaRPr lang="en-US"/>
           </a:p>
@@ -1559,7 +1559,7 @@
           <a:p>
             <a:fld id="{46878720-212C-42BB-B356-99628BFE1EBF}" type="datetimeFigureOut">
               <a:rPr lang="en-US" smtClean="0"/>
-              <a:t>3/24/22</a:t>
+              <a:t>3/29/22</a:t>
             </a:fld>
             <a:endParaRPr lang="en-US"/>
           </a:p>
@@ -1757,7 +1757,7 @@
           <a:p>
             <a:fld id="{46878720-212C-42BB-B356-99628BFE1EBF}" type="datetimeFigureOut">
               <a:rPr lang="en-US" smtClean="0"/>
-              <a:t>3/24/22</a:t>
+              <a:t>3/29/22</a:t>
             </a:fld>
             <a:endParaRPr lang="en-US"/>
           </a:p>
@@ -2032,7 +2032,7 @@
           <a:p>
             <a:fld id="{46878720-212C-42BB-B356-99628BFE1EBF}" type="datetimeFigureOut">
               <a:rPr lang="en-US" smtClean="0"/>
-              <a:t>3/24/22</a:t>
+              <a:t>3/29/22</a:t>
             </a:fld>
             <a:endParaRPr lang="en-US"/>
           </a:p>
@@ -2297,7 +2297,7 @@
           <a:p>
             <a:fld id="{46878720-212C-42BB-B356-99628BFE1EBF}" type="datetimeFigureOut">
               <a:rPr lang="en-US" smtClean="0"/>
-              <a:t>3/24/22</a:t>
+              <a:t>3/29/22</a:t>
             </a:fld>
             <a:endParaRPr lang="en-US"/>
           </a:p>
@@ -2709,7 +2709,7 @@
           <a:p>
             <a:fld id="{46878720-212C-42BB-B356-99628BFE1EBF}" type="datetimeFigureOut">
               <a:rPr lang="en-US" smtClean="0"/>
-              <a:t>3/24/22</a:t>
+              <a:t>3/29/22</a:t>
             </a:fld>
             <a:endParaRPr lang="en-US"/>
           </a:p>
@@ -2850,7 +2850,7 @@
           <a:p>
             <a:fld id="{46878720-212C-42BB-B356-99628BFE1EBF}" type="datetimeFigureOut">
               <a:rPr lang="en-US" smtClean="0"/>
-              <a:t>3/24/22</a:t>
+              <a:t>3/29/22</a:t>
             </a:fld>
             <a:endParaRPr lang="en-US"/>
           </a:p>
@@ -2963,7 +2963,7 @@
           <a:p>
             <a:fld id="{46878720-212C-42BB-B356-99628BFE1EBF}" type="datetimeFigureOut">
               <a:rPr lang="en-US" smtClean="0"/>
-              <a:t>3/24/22</a:t>
+              <a:t>3/29/22</a:t>
             </a:fld>
             <a:endParaRPr lang="en-US"/>
           </a:p>
@@ -3274,7 +3274,7 @@
           <a:p>
             <a:fld id="{46878720-212C-42BB-B356-99628BFE1EBF}" type="datetimeFigureOut">
               <a:rPr lang="en-US" smtClean="0"/>
-              <a:t>3/24/22</a:t>
+              <a:t>3/29/22</a:t>
             </a:fld>
             <a:endParaRPr lang="en-US"/>
           </a:p>
@@ -3562,7 +3562,7 @@
           <a:p>
             <a:fld id="{46878720-212C-42BB-B356-99628BFE1EBF}" type="datetimeFigureOut">
               <a:rPr lang="en-US" smtClean="0"/>
-              <a:t>3/24/22</a:t>
+              <a:t>3/29/22</a:t>
             </a:fld>
             <a:endParaRPr lang="en-US"/>
           </a:p>
@@ -3803,7 +3803,7 @@
           <a:p>
             <a:fld id="{46878720-212C-42BB-B356-99628BFE1EBF}" type="datetimeFigureOut">
               <a:rPr lang="en-US" smtClean="0"/>
-              <a:t>3/24/22</a:t>
+              <a:t>3/29/22</a:t>
             </a:fld>
             <a:endParaRPr lang="en-US"/>
           </a:p>
@@ -7263,7 +7263,15 @@
           <a:p>
             <a:r>
               <a:rPr lang="de-DE" dirty="0"/>
-              <a:t>Nur mit manchen Boards unterstützt (SAMD MKR Boards wie MKR Zero)</a:t>
+              <a:t>Nur mit manchen Boards unterstützt (</a:t>
+            </a:r>
+            <a:r>
+              <a:rPr lang="de-DE"/>
+              <a:t>SAMD21 basierende </a:t>
+            </a:r>
+            <a:r>
+              <a:rPr lang="de-DE" dirty="0"/>
+              <a:t>Boards wie MKR Zero)</a:t>
             </a:r>
           </a:p>
         </p:txBody>
@@ -7949,15 +7957,6 @@
 </file>
 
 <file path=customXml/item1.xml><?xml version="1.0" encoding="utf-8"?>
-<?mso-contentType ?>
-<FormTemplates xmlns="http://schemas.microsoft.com/sharepoint/v3/contenttype/forms">
-  <Display>DocumentLibraryForm</Display>
-  <Edit>DocumentLibraryForm</Edit>
-  <New>DocumentLibraryForm</New>
-</FormTemplates>
-</file>
-
-<file path=customXml/item2.xml><?xml version="1.0" encoding="utf-8"?>
 <ct:contentTypeSchema xmlns:ct="http://schemas.microsoft.com/office/2006/metadata/contentType" xmlns:ma="http://schemas.microsoft.com/office/2006/metadata/properties/metaAttributes" ct:_="" ma:_="" ma:contentTypeName="Document" ma:contentTypeID="0x010100B4B9B92454B73847AA0367335585965E" ma:contentTypeVersion="12" ma:contentTypeDescription="Create a new document." ma:contentTypeScope="" ma:versionID="e03bd757301da460c704f3115d541a61">
   <xsd:schema xmlns:xsd="http://www.w3.org/2001/XMLSchema" xmlns:xs="http://www.w3.org/2001/XMLSchema" xmlns:p="http://schemas.microsoft.com/office/2006/metadata/properties" xmlns:ns2="7e0397fa-c04e-494e-b1f1-774ad14ae133" xmlns:ns3="8413540a-1bb6-4053-94a1-f89835fea1c0" targetNamespace="http://schemas.microsoft.com/office/2006/metadata/properties" ma:root="true" ma:fieldsID="8a43826bbb8ef7d01dc3ce4144ed7f57" ns2:_="" ns3:_="">
     <xsd:import namespace="7e0397fa-c04e-494e-b1f1-774ad14ae133"/>
@@ -8174,6 +8173,15 @@
 </ct:contentTypeSchema>
 </file>
 
+<file path=customXml/item2.xml><?xml version="1.0" encoding="utf-8"?>
+<?mso-contentType ?>
+<FormTemplates xmlns="http://schemas.microsoft.com/sharepoint/v3/contenttype/forms">
+  <Display>DocumentLibraryForm</Display>
+  <Edit>DocumentLibraryForm</Edit>
+  <New>DocumentLibraryForm</New>
+</FormTemplates>
+</file>
+
 <file path=customXml/item3.xml><?xml version="1.0" encoding="utf-8"?>
 <p:properties xmlns:p="http://schemas.microsoft.com/office/2006/metadata/properties" xmlns:xsi="http://www.w3.org/2001/XMLSchema-instance" xmlns:pc="http://schemas.microsoft.com/office/infopath/2007/PartnerControls">
   <documentManagement/>
@@ -8181,14 +8189,6 @@
 </file>
 
 <file path=customXml/itemProps1.xml><?xml version="1.0" encoding="utf-8"?>
-<ds:datastoreItem xmlns:ds="http://schemas.openxmlformats.org/officeDocument/2006/customXml" ds:itemID="{19285E5B-5F99-40AB-B4B4-B67FE3E29063}">
-  <ds:schemaRefs>
-    <ds:schemaRef ds:uri="http://schemas.microsoft.com/sharepoint/v3/contenttype/forms"/>
-  </ds:schemaRefs>
-</ds:datastoreItem>
-</file>
-
-<file path=customXml/itemProps2.xml><?xml version="1.0" encoding="utf-8"?>
 <ds:datastoreItem xmlns:ds="http://schemas.openxmlformats.org/officeDocument/2006/customXml" ds:itemID="{A66B1A69-4B86-4CD0-9260-0F88A0083DD6}">
   <ds:schemaRefs>
     <ds:schemaRef ds:uri="http://schemas.microsoft.com/office/2006/metadata/contentType"/>
@@ -8203,6 +8203,14 @@
     <ds:schemaRef ds:uri="http://purl.org/dc/elements/1.1/"/>
     <ds:schemaRef ds:uri="http://purl.org/dc/terms/"/>
     <ds:schemaRef ds:uri="http://schemas.microsoft.com/internal/obd"/>
+  </ds:schemaRefs>
+</ds:datastoreItem>
+</file>
+
+<file path=customXml/itemProps2.xml><?xml version="1.0" encoding="utf-8"?>
+<ds:datastoreItem xmlns:ds="http://schemas.openxmlformats.org/officeDocument/2006/customXml" ds:itemID="{19285E5B-5F99-40AB-B4B4-B67FE3E29063}">
+  <ds:schemaRefs>
+    <ds:schemaRef ds:uri="http://schemas.microsoft.com/sharepoint/v3/contenttype/forms"/>
   </ds:schemaRefs>
 </ds:datastoreItem>
 </file>

--- a/Folien/Exkurs_Fehlersuche.pptx
+++ b/Folien/Exkurs_Fehlersuche.pptx
@@ -5,7 +5,7 @@
     <p:sldMasterId id="2147483648" r:id="rId4"/>
   </p:sldMasterIdLst>
   <p:notesMasterIdLst>
-    <p:notesMasterId r:id="rId15"/>
+    <p:notesMasterId r:id="rId18"/>
   </p:notesMasterIdLst>
   <p:sldIdLst>
     <p:sldId id="291" r:id="rId5"/>
@@ -13,11 +13,14 @@
     <p:sldId id="317" r:id="rId7"/>
     <p:sldId id="318" r:id="rId8"/>
     <p:sldId id="320" r:id="rId9"/>
-    <p:sldId id="323" r:id="rId10"/>
-    <p:sldId id="324" r:id="rId11"/>
-    <p:sldId id="321" r:id="rId12"/>
-    <p:sldId id="322" r:id="rId13"/>
-    <p:sldId id="315" r:id="rId14"/>
+    <p:sldId id="326" r:id="rId10"/>
+    <p:sldId id="327" r:id="rId11"/>
+    <p:sldId id="323" r:id="rId12"/>
+    <p:sldId id="324" r:id="rId13"/>
+    <p:sldId id="325" r:id="rId14"/>
+    <p:sldId id="321" r:id="rId15"/>
+    <p:sldId id="322" r:id="rId16"/>
+    <p:sldId id="315" r:id="rId17"/>
   </p:sldIdLst>
   <p:sldSz cx="12192000" cy="6858000"/>
   <p:notesSz cx="6858000" cy="9144000"/>
@@ -654,7 +657,7 @@
           <a:p>
             <a:fld id="{1111EAE3-0D17-7D4D-B5C8-7430D3A14508}" type="datetimeFigureOut">
               <a:rPr lang="en-US" smtClean="0"/>
-              <a:t>3/29/22</a:t>
+              <a:t>11/8/23</a:t>
             </a:fld>
             <a:endParaRPr lang="en-US"/>
           </a:p>
@@ -1006,6 +1009,879 @@
 </p:notes>
 </file>
 
+<file path=ppt/notesSlides/notesSlide10.xml><?xml version="1.0" encoding="utf-8"?>
+<p:notes xmlns:a="http://schemas.openxmlformats.org/drawingml/2006/main" xmlns:r="http://schemas.openxmlformats.org/officeDocument/2006/relationships" xmlns:p="http://schemas.openxmlformats.org/presentationml/2006/main">
+  <p:cSld>
+    <p:spTree>
+      <p:nvGrpSpPr>
+        <p:cNvPr id="1" name=""/>
+        <p:cNvGrpSpPr/>
+        <p:nvPr/>
+      </p:nvGrpSpPr>
+      <p:grpSpPr>
+        <a:xfrm>
+          <a:off x="0" y="0"/>
+          <a:ext cx="0" cy="0"/>
+          <a:chOff x="0" y="0"/>
+          <a:chExt cx="0" cy="0"/>
+        </a:xfrm>
+      </p:grpSpPr>
+      <p:sp>
+        <p:nvSpPr>
+          <p:cNvPr id="2" name="Folienbildplatzhalter 1"/>
+          <p:cNvSpPr>
+            <a:spLocks noGrp="1" noRot="1" noChangeAspect="1"/>
+          </p:cNvSpPr>
+          <p:nvPr>
+            <p:ph type="sldImg"/>
+          </p:nvPr>
+        </p:nvSpPr>
+        <p:spPr/>
+      </p:sp>
+      <p:sp>
+        <p:nvSpPr>
+          <p:cNvPr id="3" name="Notizenplatzhalter 2"/>
+          <p:cNvSpPr>
+            <a:spLocks noGrp="1"/>
+          </p:cNvSpPr>
+          <p:nvPr>
+            <p:ph type="body" idx="1"/>
+          </p:nvPr>
+        </p:nvSpPr>
+        <p:spPr/>
+        <p:txBody>
+          <a:bodyPr/>
+          <a:lstStyle/>
+          <a:p>
+            <a:endParaRPr lang="de-DE"/>
+          </a:p>
+        </p:txBody>
+      </p:sp>
+      <p:sp>
+        <p:nvSpPr>
+          <p:cNvPr id="4" name="Foliennummernplatzhalter 3"/>
+          <p:cNvSpPr>
+            <a:spLocks noGrp="1"/>
+          </p:cNvSpPr>
+          <p:nvPr>
+            <p:ph type="sldNum" sz="quarter" idx="5"/>
+          </p:nvPr>
+        </p:nvSpPr>
+        <p:spPr/>
+        <p:txBody>
+          <a:bodyPr/>
+          <a:lstStyle/>
+          <a:p>
+            <a:fld id="{AD1D79F6-C8AD-5749-9DE6-19634A2965BA}" type="slidenum">
+              <a:rPr lang="en-US" smtClean="0"/>
+              <a:t>12</a:t>
+            </a:fld>
+            <a:endParaRPr lang="en-US"/>
+          </a:p>
+        </p:txBody>
+      </p:sp>
+    </p:spTree>
+    <p:extLst>
+      <p:ext uri="{BB962C8B-B14F-4D97-AF65-F5344CB8AC3E}">
+        <p14:creationId xmlns:p14="http://schemas.microsoft.com/office/powerpoint/2010/main" val="4106318288"/>
+      </p:ext>
+    </p:extLst>
+  </p:cSld>
+  <p:clrMapOvr>
+    <a:masterClrMapping/>
+  </p:clrMapOvr>
+</p:notes>
+</file>
+
+<file path=ppt/notesSlides/notesSlide11.xml><?xml version="1.0" encoding="utf-8"?>
+<p:notes xmlns:a="http://schemas.openxmlformats.org/drawingml/2006/main" xmlns:r="http://schemas.openxmlformats.org/officeDocument/2006/relationships" xmlns:p="http://schemas.openxmlformats.org/presentationml/2006/main">
+  <p:cSld>
+    <p:spTree>
+      <p:nvGrpSpPr>
+        <p:cNvPr id="1" name=""/>
+        <p:cNvGrpSpPr/>
+        <p:nvPr/>
+      </p:nvGrpSpPr>
+      <p:grpSpPr>
+        <a:xfrm>
+          <a:off x="0" y="0"/>
+          <a:ext cx="0" cy="0"/>
+          <a:chOff x="0" y="0"/>
+          <a:chExt cx="0" cy="0"/>
+        </a:xfrm>
+      </p:grpSpPr>
+      <p:sp>
+        <p:nvSpPr>
+          <p:cNvPr id="2" name="Folienbildplatzhalter 1"/>
+          <p:cNvSpPr>
+            <a:spLocks noGrp="1" noRot="1" noChangeAspect="1"/>
+          </p:cNvSpPr>
+          <p:nvPr>
+            <p:ph type="sldImg"/>
+          </p:nvPr>
+        </p:nvSpPr>
+        <p:spPr/>
+      </p:sp>
+      <p:sp>
+        <p:nvSpPr>
+          <p:cNvPr id="3" name="Notizenplatzhalter 2"/>
+          <p:cNvSpPr>
+            <a:spLocks noGrp="1"/>
+          </p:cNvSpPr>
+          <p:nvPr>
+            <p:ph type="body" idx="1"/>
+          </p:nvPr>
+        </p:nvSpPr>
+        <p:spPr/>
+        <p:txBody>
+          <a:bodyPr/>
+          <a:lstStyle/>
+          <a:p>
+            <a:endParaRPr lang="de-DE"/>
+          </a:p>
+        </p:txBody>
+      </p:sp>
+      <p:sp>
+        <p:nvSpPr>
+          <p:cNvPr id="4" name="Foliennummernplatzhalter 3"/>
+          <p:cNvSpPr>
+            <a:spLocks noGrp="1"/>
+          </p:cNvSpPr>
+          <p:nvPr>
+            <p:ph type="sldNum" sz="quarter" idx="5"/>
+          </p:nvPr>
+        </p:nvSpPr>
+        <p:spPr/>
+        <p:txBody>
+          <a:bodyPr/>
+          <a:lstStyle/>
+          <a:p>
+            <a:fld id="{AD1D79F6-C8AD-5749-9DE6-19634A2965BA}" type="slidenum">
+              <a:rPr lang="en-US" smtClean="0"/>
+              <a:t>13</a:t>
+            </a:fld>
+            <a:endParaRPr lang="en-US"/>
+          </a:p>
+        </p:txBody>
+      </p:sp>
+    </p:spTree>
+    <p:extLst>
+      <p:ext uri="{BB962C8B-B14F-4D97-AF65-F5344CB8AC3E}">
+        <p14:creationId xmlns:p14="http://schemas.microsoft.com/office/powerpoint/2010/main" val="668601332"/>
+      </p:ext>
+    </p:extLst>
+  </p:cSld>
+  <p:clrMapOvr>
+    <a:masterClrMapping/>
+  </p:clrMapOvr>
+</p:notes>
+</file>
+
+<file path=ppt/notesSlides/notesSlide2.xml><?xml version="1.0" encoding="utf-8"?>
+<p:notes xmlns:a="http://schemas.openxmlformats.org/drawingml/2006/main" xmlns:r="http://schemas.openxmlformats.org/officeDocument/2006/relationships" xmlns:p="http://schemas.openxmlformats.org/presentationml/2006/main">
+  <p:cSld>
+    <p:spTree>
+      <p:nvGrpSpPr>
+        <p:cNvPr id="1" name=""/>
+        <p:cNvGrpSpPr/>
+        <p:nvPr/>
+      </p:nvGrpSpPr>
+      <p:grpSpPr>
+        <a:xfrm>
+          <a:off x="0" y="0"/>
+          <a:ext cx="0" cy="0"/>
+          <a:chOff x="0" y="0"/>
+          <a:chExt cx="0" cy="0"/>
+        </a:xfrm>
+      </p:grpSpPr>
+      <p:sp>
+        <p:nvSpPr>
+          <p:cNvPr id="2" name="Folienbildplatzhalter 1"/>
+          <p:cNvSpPr>
+            <a:spLocks noGrp="1" noRot="1" noChangeAspect="1"/>
+          </p:cNvSpPr>
+          <p:nvPr>
+            <p:ph type="sldImg"/>
+          </p:nvPr>
+        </p:nvSpPr>
+        <p:spPr/>
+      </p:sp>
+      <p:sp>
+        <p:nvSpPr>
+          <p:cNvPr id="3" name="Notizenplatzhalter 2"/>
+          <p:cNvSpPr>
+            <a:spLocks noGrp="1"/>
+          </p:cNvSpPr>
+          <p:nvPr>
+            <p:ph type="body" idx="1"/>
+          </p:nvPr>
+        </p:nvSpPr>
+        <p:spPr/>
+        <p:txBody>
+          <a:bodyPr/>
+          <a:lstStyle/>
+          <a:p>
+            <a:endParaRPr lang="de-DE"/>
+          </a:p>
+        </p:txBody>
+      </p:sp>
+      <p:sp>
+        <p:nvSpPr>
+          <p:cNvPr id="4" name="Foliennummernplatzhalter 3"/>
+          <p:cNvSpPr>
+            <a:spLocks noGrp="1"/>
+          </p:cNvSpPr>
+          <p:nvPr>
+            <p:ph type="sldNum" sz="quarter" idx="5"/>
+          </p:nvPr>
+        </p:nvSpPr>
+        <p:spPr/>
+        <p:txBody>
+          <a:bodyPr/>
+          <a:lstStyle/>
+          <a:p>
+            <a:fld id="{AD1D79F6-C8AD-5749-9DE6-19634A2965BA}" type="slidenum">
+              <a:rPr lang="en-US" smtClean="0"/>
+              <a:t>2</a:t>
+            </a:fld>
+            <a:endParaRPr lang="en-US"/>
+          </a:p>
+        </p:txBody>
+      </p:sp>
+    </p:spTree>
+    <p:extLst>
+      <p:ext uri="{BB962C8B-B14F-4D97-AF65-F5344CB8AC3E}">
+        <p14:creationId xmlns:p14="http://schemas.microsoft.com/office/powerpoint/2010/main" val="193369365"/>
+      </p:ext>
+    </p:extLst>
+  </p:cSld>
+  <p:clrMapOvr>
+    <a:masterClrMapping/>
+  </p:clrMapOvr>
+</p:notes>
+</file>
+
+<file path=ppt/notesSlides/notesSlide3.xml><?xml version="1.0" encoding="utf-8"?>
+<p:notes xmlns:a="http://schemas.openxmlformats.org/drawingml/2006/main" xmlns:r="http://schemas.openxmlformats.org/officeDocument/2006/relationships" xmlns:p="http://schemas.openxmlformats.org/presentationml/2006/main">
+  <p:cSld>
+    <p:spTree>
+      <p:nvGrpSpPr>
+        <p:cNvPr id="1" name=""/>
+        <p:cNvGrpSpPr/>
+        <p:nvPr/>
+      </p:nvGrpSpPr>
+      <p:grpSpPr>
+        <a:xfrm>
+          <a:off x="0" y="0"/>
+          <a:ext cx="0" cy="0"/>
+          <a:chOff x="0" y="0"/>
+          <a:chExt cx="0" cy="0"/>
+        </a:xfrm>
+      </p:grpSpPr>
+      <p:sp>
+        <p:nvSpPr>
+          <p:cNvPr id="2" name="Folienbildplatzhalter 1"/>
+          <p:cNvSpPr>
+            <a:spLocks noGrp="1" noRot="1" noChangeAspect="1"/>
+          </p:cNvSpPr>
+          <p:nvPr>
+            <p:ph type="sldImg"/>
+          </p:nvPr>
+        </p:nvSpPr>
+        <p:spPr/>
+      </p:sp>
+      <p:sp>
+        <p:nvSpPr>
+          <p:cNvPr id="3" name="Notizenplatzhalter 2"/>
+          <p:cNvSpPr>
+            <a:spLocks noGrp="1"/>
+          </p:cNvSpPr>
+          <p:nvPr>
+            <p:ph type="body" idx="1"/>
+          </p:nvPr>
+        </p:nvSpPr>
+        <p:spPr/>
+        <p:txBody>
+          <a:bodyPr/>
+          <a:lstStyle/>
+          <a:p>
+            <a:endParaRPr lang="de-DE"/>
+          </a:p>
+        </p:txBody>
+      </p:sp>
+      <p:sp>
+        <p:nvSpPr>
+          <p:cNvPr id="4" name="Foliennummernplatzhalter 3"/>
+          <p:cNvSpPr>
+            <a:spLocks noGrp="1"/>
+          </p:cNvSpPr>
+          <p:nvPr>
+            <p:ph type="sldNum" sz="quarter" idx="5"/>
+          </p:nvPr>
+        </p:nvSpPr>
+        <p:spPr/>
+        <p:txBody>
+          <a:bodyPr/>
+          <a:lstStyle/>
+          <a:p>
+            <a:fld id="{AD1D79F6-C8AD-5749-9DE6-19634A2965BA}" type="slidenum">
+              <a:rPr lang="en-US" smtClean="0"/>
+              <a:t>3</a:t>
+            </a:fld>
+            <a:endParaRPr lang="en-US"/>
+          </a:p>
+        </p:txBody>
+      </p:sp>
+    </p:spTree>
+    <p:extLst>
+      <p:ext uri="{BB962C8B-B14F-4D97-AF65-F5344CB8AC3E}">
+        <p14:creationId xmlns:p14="http://schemas.microsoft.com/office/powerpoint/2010/main" val="2330948188"/>
+      </p:ext>
+    </p:extLst>
+  </p:cSld>
+  <p:clrMapOvr>
+    <a:masterClrMapping/>
+  </p:clrMapOvr>
+</p:notes>
+</file>
+
+<file path=ppt/notesSlides/notesSlide4.xml><?xml version="1.0" encoding="utf-8"?>
+<p:notes xmlns:a="http://schemas.openxmlformats.org/drawingml/2006/main" xmlns:r="http://schemas.openxmlformats.org/officeDocument/2006/relationships" xmlns:p="http://schemas.openxmlformats.org/presentationml/2006/main">
+  <p:cSld>
+    <p:spTree>
+      <p:nvGrpSpPr>
+        <p:cNvPr id="1" name=""/>
+        <p:cNvGrpSpPr/>
+        <p:nvPr/>
+      </p:nvGrpSpPr>
+      <p:grpSpPr>
+        <a:xfrm>
+          <a:off x="0" y="0"/>
+          <a:ext cx="0" cy="0"/>
+          <a:chOff x="0" y="0"/>
+          <a:chExt cx="0" cy="0"/>
+        </a:xfrm>
+      </p:grpSpPr>
+      <p:sp>
+        <p:nvSpPr>
+          <p:cNvPr id="2" name="Folienbildplatzhalter 1"/>
+          <p:cNvSpPr>
+            <a:spLocks noGrp="1" noRot="1" noChangeAspect="1"/>
+          </p:cNvSpPr>
+          <p:nvPr>
+            <p:ph type="sldImg"/>
+          </p:nvPr>
+        </p:nvSpPr>
+        <p:spPr/>
+      </p:sp>
+      <p:sp>
+        <p:nvSpPr>
+          <p:cNvPr id="3" name="Notizenplatzhalter 2"/>
+          <p:cNvSpPr>
+            <a:spLocks noGrp="1"/>
+          </p:cNvSpPr>
+          <p:nvPr>
+            <p:ph type="body" idx="1"/>
+          </p:nvPr>
+        </p:nvSpPr>
+        <p:spPr/>
+        <p:txBody>
+          <a:bodyPr/>
+          <a:lstStyle/>
+          <a:p>
+            <a:endParaRPr lang="de-DE"/>
+          </a:p>
+        </p:txBody>
+      </p:sp>
+      <p:sp>
+        <p:nvSpPr>
+          <p:cNvPr id="4" name="Foliennummernplatzhalter 3"/>
+          <p:cNvSpPr>
+            <a:spLocks noGrp="1"/>
+          </p:cNvSpPr>
+          <p:nvPr>
+            <p:ph type="sldNum" sz="quarter" idx="5"/>
+          </p:nvPr>
+        </p:nvSpPr>
+        <p:spPr/>
+        <p:txBody>
+          <a:bodyPr/>
+          <a:lstStyle/>
+          <a:p>
+            <a:fld id="{AD1D79F6-C8AD-5749-9DE6-19634A2965BA}" type="slidenum">
+              <a:rPr lang="en-US" smtClean="0"/>
+              <a:t>4</a:t>
+            </a:fld>
+            <a:endParaRPr lang="en-US"/>
+          </a:p>
+        </p:txBody>
+      </p:sp>
+    </p:spTree>
+    <p:extLst>
+      <p:ext uri="{BB962C8B-B14F-4D97-AF65-F5344CB8AC3E}">
+        <p14:creationId xmlns:p14="http://schemas.microsoft.com/office/powerpoint/2010/main" val="1453521434"/>
+      </p:ext>
+    </p:extLst>
+  </p:cSld>
+  <p:clrMapOvr>
+    <a:masterClrMapping/>
+  </p:clrMapOvr>
+</p:notes>
+</file>
+
+<file path=ppt/notesSlides/notesSlide5.xml><?xml version="1.0" encoding="utf-8"?>
+<p:notes xmlns:a="http://schemas.openxmlformats.org/drawingml/2006/main" xmlns:r="http://schemas.openxmlformats.org/officeDocument/2006/relationships" xmlns:p="http://schemas.openxmlformats.org/presentationml/2006/main">
+  <p:cSld>
+    <p:spTree>
+      <p:nvGrpSpPr>
+        <p:cNvPr id="1" name=""/>
+        <p:cNvGrpSpPr/>
+        <p:nvPr/>
+      </p:nvGrpSpPr>
+      <p:grpSpPr>
+        <a:xfrm>
+          <a:off x="0" y="0"/>
+          <a:ext cx="0" cy="0"/>
+          <a:chOff x="0" y="0"/>
+          <a:chExt cx="0" cy="0"/>
+        </a:xfrm>
+      </p:grpSpPr>
+      <p:sp>
+        <p:nvSpPr>
+          <p:cNvPr id="2" name="Folienbildplatzhalter 1"/>
+          <p:cNvSpPr>
+            <a:spLocks noGrp="1" noRot="1" noChangeAspect="1"/>
+          </p:cNvSpPr>
+          <p:nvPr>
+            <p:ph type="sldImg"/>
+          </p:nvPr>
+        </p:nvSpPr>
+        <p:spPr/>
+      </p:sp>
+      <p:sp>
+        <p:nvSpPr>
+          <p:cNvPr id="3" name="Notizenplatzhalter 2"/>
+          <p:cNvSpPr>
+            <a:spLocks noGrp="1"/>
+          </p:cNvSpPr>
+          <p:nvPr>
+            <p:ph type="body" idx="1"/>
+          </p:nvPr>
+        </p:nvSpPr>
+        <p:spPr/>
+        <p:txBody>
+          <a:bodyPr/>
+          <a:lstStyle/>
+          <a:p>
+            <a:endParaRPr lang="de-DE"/>
+          </a:p>
+        </p:txBody>
+      </p:sp>
+      <p:sp>
+        <p:nvSpPr>
+          <p:cNvPr id="4" name="Foliennummernplatzhalter 3"/>
+          <p:cNvSpPr>
+            <a:spLocks noGrp="1"/>
+          </p:cNvSpPr>
+          <p:nvPr>
+            <p:ph type="sldNum" sz="quarter" idx="5"/>
+          </p:nvPr>
+        </p:nvSpPr>
+        <p:spPr/>
+        <p:txBody>
+          <a:bodyPr/>
+          <a:lstStyle/>
+          <a:p>
+            <a:fld id="{AD1D79F6-C8AD-5749-9DE6-19634A2965BA}" type="slidenum">
+              <a:rPr lang="en-US" smtClean="0"/>
+              <a:t>5</a:t>
+            </a:fld>
+            <a:endParaRPr lang="en-US"/>
+          </a:p>
+        </p:txBody>
+      </p:sp>
+    </p:spTree>
+    <p:extLst>
+      <p:ext uri="{BB962C8B-B14F-4D97-AF65-F5344CB8AC3E}">
+        <p14:creationId xmlns:p14="http://schemas.microsoft.com/office/powerpoint/2010/main" val="3039680407"/>
+      </p:ext>
+    </p:extLst>
+  </p:cSld>
+  <p:clrMapOvr>
+    <a:masterClrMapping/>
+  </p:clrMapOvr>
+</p:notes>
+</file>
+
+<file path=ppt/notesSlides/notesSlide6.xml><?xml version="1.0" encoding="utf-8"?>
+<p:notes xmlns:a="http://schemas.openxmlformats.org/drawingml/2006/main" xmlns:r="http://schemas.openxmlformats.org/officeDocument/2006/relationships" xmlns:p="http://schemas.openxmlformats.org/presentationml/2006/main">
+  <p:cSld>
+    <p:spTree>
+      <p:nvGrpSpPr>
+        <p:cNvPr id="1" name=""/>
+        <p:cNvGrpSpPr/>
+        <p:nvPr/>
+      </p:nvGrpSpPr>
+      <p:grpSpPr>
+        <a:xfrm>
+          <a:off x="0" y="0"/>
+          <a:ext cx="0" cy="0"/>
+          <a:chOff x="0" y="0"/>
+          <a:chExt cx="0" cy="0"/>
+        </a:xfrm>
+      </p:grpSpPr>
+      <p:sp>
+        <p:nvSpPr>
+          <p:cNvPr id="2" name="Folienbildplatzhalter 1"/>
+          <p:cNvSpPr>
+            <a:spLocks noGrp="1" noRot="1" noChangeAspect="1"/>
+          </p:cNvSpPr>
+          <p:nvPr>
+            <p:ph type="sldImg"/>
+          </p:nvPr>
+        </p:nvSpPr>
+        <p:spPr/>
+      </p:sp>
+      <p:sp>
+        <p:nvSpPr>
+          <p:cNvPr id="3" name="Notizenplatzhalter 2"/>
+          <p:cNvSpPr>
+            <a:spLocks noGrp="1"/>
+          </p:cNvSpPr>
+          <p:nvPr>
+            <p:ph type="body" idx="1"/>
+          </p:nvPr>
+        </p:nvSpPr>
+        <p:spPr/>
+        <p:txBody>
+          <a:bodyPr/>
+          <a:lstStyle/>
+          <a:p>
+            <a:r>
+              <a:rPr lang="de-DE"/>
+              <a:t>Do not modify the notes in this section to avoid tampering with the Poll Everywhere activity.
+More info at polleverywhere.com/support
+Was ist der Zweck der Verwendung des Serial Monitors in Arduino-Programmen?</a:t>
+            </a:r>
+          </a:p>
+          <a:p>
+            <a:r>
+              <a:rPr lang="de-DE"/>
+              <a:t>https://www.polleverywhere.com/multiple_choice_polls/HqLooxXn1odvZujj1fu2x?display_state=instructions&amp;activity_state=opened&amp;state=opened&amp;flow=Instructor&amp;onscreen=persist</a:t>
+            </a:r>
+          </a:p>
+        </p:txBody>
+      </p:sp>
+      <p:sp>
+        <p:nvSpPr>
+          <p:cNvPr id="4" name="Foliennummernplatzhalter 3"/>
+          <p:cNvSpPr>
+            <a:spLocks noGrp="1"/>
+          </p:cNvSpPr>
+          <p:nvPr>
+            <p:ph type="sldNum" sz="quarter" idx="5"/>
+          </p:nvPr>
+        </p:nvSpPr>
+        <p:spPr/>
+        <p:txBody>
+          <a:bodyPr/>
+          <a:lstStyle/>
+          <a:p>
+            <a:fld id="{AD1D79F6-C8AD-5749-9DE6-19634A2965BA}" type="slidenum">
+              <a:rPr lang="en-US" smtClean="0"/>
+              <a:t>8</a:t>
+            </a:fld>
+            <a:endParaRPr lang="en-US"/>
+          </a:p>
+        </p:txBody>
+      </p:sp>
+    </p:spTree>
+    <p:extLst>
+      <p:ext uri="{BB962C8B-B14F-4D97-AF65-F5344CB8AC3E}">
+        <p14:creationId xmlns:p14="http://schemas.microsoft.com/office/powerpoint/2010/main" val="3824400629"/>
+      </p:ext>
+    </p:extLst>
+  </p:cSld>
+  <p:clrMapOvr>
+    <a:masterClrMapping/>
+  </p:clrMapOvr>
+</p:notes>
+</file>
+
+<file path=ppt/notesSlides/notesSlide7.xml><?xml version="1.0" encoding="utf-8"?>
+<p:notes xmlns:a="http://schemas.openxmlformats.org/drawingml/2006/main" xmlns:r="http://schemas.openxmlformats.org/officeDocument/2006/relationships" xmlns:p="http://schemas.openxmlformats.org/presentationml/2006/main">
+  <p:cSld>
+    <p:spTree>
+      <p:nvGrpSpPr>
+        <p:cNvPr id="1" name=""/>
+        <p:cNvGrpSpPr/>
+        <p:nvPr/>
+      </p:nvGrpSpPr>
+      <p:grpSpPr>
+        <a:xfrm>
+          <a:off x="0" y="0"/>
+          <a:ext cx="0" cy="0"/>
+          <a:chOff x="0" y="0"/>
+          <a:chExt cx="0" cy="0"/>
+        </a:xfrm>
+      </p:grpSpPr>
+      <p:sp>
+        <p:nvSpPr>
+          <p:cNvPr id="2" name="Folienbildplatzhalter 1"/>
+          <p:cNvSpPr>
+            <a:spLocks noGrp="1" noRot="1" noChangeAspect="1"/>
+          </p:cNvSpPr>
+          <p:nvPr>
+            <p:ph type="sldImg"/>
+          </p:nvPr>
+        </p:nvSpPr>
+        <p:spPr/>
+      </p:sp>
+      <p:sp>
+        <p:nvSpPr>
+          <p:cNvPr id="3" name="Notizenplatzhalter 2"/>
+          <p:cNvSpPr>
+            <a:spLocks noGrp="1"/>
+          </p:cNvSpPr>
+          <p:nvPr>
+            <p:ph type="body" idx="1"/>
+          </p:nvPr>
+        </p:nvSpPr>
+        <p:spPr/>
+        <p:txBody>
+          <a:bodyPr/>
+          <a:lstStyle/>
+          <a:p>
+            <a:r>
+              <a:rPr lang="de-DE"/>
+              <a:t>Do not modify the notes in this section to avoid tampering with the Poll Everywhere activity.
+More info at polleverywhere.com/support
+Was ist der Zweck der Verwendung des Serial Monitors in Arduino-Programmen?</a:t>
+            </a:r>
+          </a:p>
+          <a:p>
+            <a:r>
+              <a:rPr lang="de-DE"/>
+              <a:t>https://www.polleverywhere.com/multiple_choice_polls/HqLooxXn1odvZujj1fu2x?display_state=chart&amp;activity_state=closed&amp;state=closed&amp;flow=Instructor&amp;onscreen=persist</a:t>
+            </a:r>
+          </a:p>
+        </p:txBody>
+      </p:sp>
+      <p:sp>
+        <p:nvSpPr>
+          <p:cNvPr id="4" name="Foliennummernplatzhalter 3"/>
+          <p:cNvSpPr>
+            <a:spLocks noGrp="1"/>
+          </p:cNvSpPr>
+          <p:nvPr>
+            <p:ph type="sldNum" sz="quarter" idx="5"/>
+          </p:nvPr>
+        </p:nvSpPr>
+        <p:spPr/>
+        <p:txBody>
+          <a:bodyPr/>
+          <a:lstStyle/>
+          <a:p>
+            <a:fld id="{AD1D79F6-C8AD-5749-9DE6-19634A2965BA}" type="slidenum">
+              <a:rPr lang="en-US" smtClean="0"/>
+              <a:t>9</a:t>
+            </a:fld>
+            <a:endParaRPr lang="en-US"/>
+          </a:p>
+        </p:txBody>
+      </p:sp>
+    </p:spTree>
+    <p:extLst>
+      <p:ext uri="{BB962C8B-B14F-4D97-AF65-F5344CB8AC3E}">
+        <p14:creationId xmlns:p14="http://schemas.microsoft.com/office/powerpoint/2010/main" val="1540821262"/>
+      </p:ext>
+    </p:extLst>
+  </p:cSld>
+  <p:clrMapOvr>
+    <a:masterClrMapping/>
+  </p:clrMapOvr>
+</p:notes>
+</file>
+
+<file path=ppt/notesSlides/notesSlide8.xml><?xml version="1.0" encoding="utf-8"?>
+<p:notes xmlns:a="http://schemas.openxmlformats.org/drawingml/2006/main" xmlns:r="http://schemas.openxmlformats.org/officeDocument/2006/relationships" xmlns:p="http://schemas.openxmlformats.org/presentationml/2006/main">
+  <p:cSld>
+    <p:spTree>
+      <p:nvGrpSpPr>
+        <p:cNvPr id="1" name=""/>
+        <p:cNvGrpSpPr/>
+        <p:nvPr/>
+      </p:nvGrpSpPr>
+      <p:grpSpPr>
+        <a:xfrm>
+          <a:off x="0" y="0"/>
+          <a:ext cx="0" cy="0"/>
+          <a:chOff x="0" y="0"/>
+          <a:chExt cx="0" cy="0"/>
+        </a:xfrm>
+      </p:grpSpPr>
+      <p:sp>
+        <p:nvSpPr>
+          <p:cNvPr id="2" name="Folienbildplatzhalter 1"/>
+          <p:cNvSpPr>
+            <a:spLocks noGrp="1" noRot="1" noChangeAspect="1"/>
+          </p:cNvSpPr>
+          <p:nvPr>
+            <p:ph type="sldImg"/>
+          </p:nvPr>
+        </p:nvSpPr>
+        <p:spPr/>
+      </p:sp>
+      <p:sp>
+        <p:nvSpPr>
+          <p:cNvPr id="3" name="Notizenplatzhalter 2"/>
+          <p:cNvSpPr>
+            <a:spLocks noGrp="1"/>
+          </p:cNvSpPr>
+          <p:nvPr>
+            <p:ph type="body" idx="1"/>
+          </p:nvPr>
+        </p:nvSpPr>
+        <p:spPr/>
+        <p:txBody>
+          <a:bodyPr/>
+          <a:lstStyle/>
+          <a:p>
+            <a:r>
+              <a:rPr lang="de-DE"/>
+              <a:t>Do not modify the notes in this section to avoid tampering with the Poll Everywhere activity.
+More info at polleverywhere.com/support
+Was ist der Zweck der Verwendung des Serial Monitors in Arduino-Programmen?</a:t>
+            </a:r>
+          </a:p>
+          <a:p>
+            <a:r>
+              <a:rPr lang="de-DE"/>
+              <a:t>https://www.polleverywhere.com/multiple_choice_polls/HqLooxXn1odvZujj1fu2x?display_state=chart&amp;activity_state=closed&amp;display=correctness&amp;state=closed&amp;flow=Instructor&amp;onscreen=persist</a:t>
+            </a:r>
+          </a:p>
+        </p:txBody>
+      </p:sp>
+      <p:sp>
+        <p:nvSpPr>
+          <p:cNvPr id="4" name="Foliennummernplatzhalter 3"/>
+          <p:cNvSpPr>
+            <a:spLocks noGrp="1"/>
+          </p:cNvSpPr>
+          <p:nvPr>
+            <p:ph type="sldNum" sz="quarter" idx="5"/>
+          </p:nvPr>
+        </p:nvSpPr>
+        <p:spPr/>
+        <p:txBody>
+          <a:bodyPr/>
+          <a:lstStyle/>
+          <a:p>
+            <a:fld id="{AD1D79F6-C8AD-5749-9DE6-19634A2965BA}" type="slidenum">
+              <a:rPr lang="en-US" smtClean="0"/>
+              <a:t>10</a:t>
+            </a:fld>
+            <a:endParaRPr lang="en-US"/>
+          </a:p>
+        </p:txBody>
+      </p:sp>
+    </p:spTree>
+    <p:extLst>
+      <p:ext uri="{BB962C8B-B14F-4D97-AF65-F5344CB8AC3E}">
+        <p14:creationId xmlns:p14="http://schemas.microsoft.com/office/powerpoint/2010/main" val="1302307840"/>
+      </p:ext>
+    </p:extLst>
+  </p:cSld>
+  <p:clrMapOvr>
+    <a:masterClrMapping/>
+  </p:clrMapOvr>
+</p:notes>
+</file>
+
+<file path=ppt/notesSlides/notesSlide9.xml><?xml version="1.0" encoding="utf-8"?>
+<p:notes xmlns:a="http://schemas.openxmlformats.org/drawingml/2006/main" xmlns:r="http://schemas.openxmlformats.org/officeDocument/2006/relationships" xmlns:p="http://schemas.openxmlformats.org/presentationml/2006/main">
+  <p:cSld>
+    <p:spTree>
+      <p:nvGrpSpPr>
+        <p:cNvPr id="1" name=""/>
+        <p:cNvGrpSpPr/>
+        <p:nvPr/>
+      </p:nvGrpSpPr>
+      <p:grpSpPr>
+        <a:xfrm>
+          <a:off x="0" y="0"/>
+          <a:ext cx="0" cy="0"/>
+          <a:chOff x="0" y="0"/>
+          <a:chExt cx="0" cy="0"/>
+        </a:xfrm>
+      </p:grpSpPr>
+      <p:sp>
+        <p:nvSpPr>
+          <p:cNvPr id="2" name="Folienbildplatzhalter 1"/>
+          <p:cNvSpPr>
+            <a:spLocks noGrp="1" noRot="1" noChangeAspect="1"/>
+          </p:cNvSpPr>
+          <p:nvPr>
+            <p:ph type="sldImg"/>
+          </p:nvPr>
+        </p:nvSpPr>
+        <p:spPr/>
+      </p:sp>
+      <p:sp>
+        <p:nvSpPr>
+          <p:cNvPr id="3" name="Notizenplatzhalter 2"/>
+          <p:cNvSpPr>
+            <a:spLocks noGrp="1"/>
+          </p:cNvSpPr>
+          <p:nvPr>
+            <p:ph type="body" idx="1"/>
+          </p:nvPr>
+        </p:nvSpPr>
+        <p:spPr/>
+        <p:txBody>
+          <a:bodyPr/>
+          <a:lstStyle/>
+          <a:p>
+            <a:endParaRPr lang="de-DE"/>
+          </a:p>
+        </p:txBody>
+      </p:sp>
+      <p:sp>
+        <p:nvSpPr>
+          <p:cNvPr id="4" name="Foliennummernplatzhalter 3"/>
+          <p:cNvSpPr>
+            <a:spLocks noGrp="1"/>
+          </p:cNvSpPr>
+          <p:nvPr>
+            <p:ph type="sldNum" sz="quarter" idx="5"/>
+          </p:nvPr>
+        </p:nvSpPr>
+        <p:spPr/>
+        <p:txBody>
+          <a:bodyPr/>
+          <a:lstStyle/>
+          <a:p>
+            <a:fld id="{AD1D79F6-C8AD-5749-9DE6-19634A2965BA}" type="slidenum">
+              <a:rPr lang="en-US" smtClean="0"/>
+              <a:t>11</a:t>
+            </a:fld>
+            <a:endParaRPr lang="en-US"/>
+          </a:p>
+        </p:txBody>
+      </p:sp>
+    </p:spTree>
+    <p:extLst>
+      <p:ext uri="{BB962C8B-B14F-4D97-AF65-F5344CB8AC3E}">
+        <p14:creationId xmlns:p14="http://schemas.microsoft.com/office/powerpoint/2010/main" val="1520880587"/>
+      </p:ext>
+    </p:extLst>
+  </p:cSld>
+  <p:clrMapOvr>
+    <a:masterClrMapping/>
+  </p:clrMapOvr>
+</p:notes>
+</file>
+
 <file path=ppt/slideLayouts/slideLayout1.xml><?xml version="1.0" encoding="utf-8"?>
 <p:sldLayout xmlns:a="http://schemas.openxmlformats.org/drawingml/2006/main" xmlns:r="http://schemas.openxmlformats.org/officeDocument/2006/relationships" xmlns:p="http://schemas.openxmlformats.org/presentationml/2006/main" type="title" preserve="1">
   <p:cSld name="Title Slide">
@@ -1153,7 +2029,7 @@
           <a:p>
             <a:fld id="{46878720-212C-42BB-B356-99628BFE1EBF}" type="datetimeFigureOut">
               <a:rPr lang="en-US" smtClean="0"/>
-              <a:t>3/29/22</a:t>
+              <a:t>11/8/23</a:t>
             </a:fld>
             <a:endParaRPr lang="en-US"/>
           </a:p>
@@ -1351,7 +2227,7 @@
           <a:p>
             <a:fld id="{46878720-212C-42BB-B356-99628BFE1EBF}" type="datetimeFigureOut">
               <a:rPr lang="en-US" smtClean="0"/>
-              <a:t>3/29/22</a:t>
+              <a:t>11/8/23</a:t>
             </a:fld>
             <a:endParaRPr lang="en-US"/>
           </a:p>
@@ -1559,7 +2435,7 @@
           <a:p>
             <a:fld id="{46878720-212C-42BB-B356-99628BFE1EBF}" type="datetimeFigureOut">
               <a:rPr lang="en-US" smtClean="0"/>
-              <a:t>3/29/22</a:t>
+              <a:t>11/8/23</a:t>
             </a:fld>
             <a:endParaRPr lang="en-US"/>
           </a:p>
@@ -1757,7 +2633,7 @@
           <a:p>
             <a:fld id="{46878720-212C-42BB-B356-99628BFE1EBF}" type="datetimeFigureOut">
               <a:rPr lang="en-US" smtClean="0"/>
-              <a:t>3/29/22</a:t>
+              <a:t>11/8/23</a:t>
             </a:fld>
             <a:endParaRPr lang="en-US"/>
           </a:p>
@@ -2032,7 +2908,7 @@
           <a:p>
             <a:fld id="{46878720-212C-42BB-B356-99628BFE1EBF}" type="datetimeFigureOut">
               <a:rPr lang="en-US" smtClean="0"/>
-              <a:t>3/29/22</a:t>
+              <a:t>11/8/23</a:t>
             </a:fld>
             <a:endParaRPr lang="en-US"/>
           </a:p>
@@ -2297,7 +3173,7 @@
           <a:p>
             <a:fld id="{46878720-212C-42BB-B356-99628BFE1EBF}" type="datetimeFigureOut">
               <a:rPr lang="en-US" smtClean="0"/>
-              <a:t>3/29/22</a:t>
+              <a:t>11/8/23</a:t>
             </a:fld>
             <a:endParaRPr lang="en-US"/>
           </a:p>
@@ -2709,7 +3585,7 @@
           <a:p>
             <a:fld id="{46878720-212C-42BB-B356-99628BFE1EBF}" type="datetimeFigureOut">
               <a:rPr lang="en-US" smtClean="0"/>
-              <a:t>3/29/22</a:t>
+              <a:t>11/8/23</a:t>
             </a:fld>
             <a:endParaRPr lang="en-US"/>
           </a:p>
@@ -2850,7 +3726,7 @@
           <a:p>
             <a:fld id="{46878720-212C-42BB-B356-99628BFE1EBF}" type="datetimeFigureOut">
               <a:rPr lang="en-US" smtClean="0"/>
-              <a:t>3/29/22</a:t>
+              <a:t>11/8/23</a:t>
             </a:fld>
             <a:endParaRPr lang="en-US"/>
           </a:p>
@@ -2963,7 +3839,7 @@
           <a:p>
             <a:fld id="{46878720-212C-42BB-B356-99628BFE1EBF}" type="datetimeFigureOut">
               <a:rPr lang="en-US" smtClean="0"/>
-              <a:t>3/29/22</a:t>
+              <a:t>11/8/23</a:t>
             </a:fld>
             <a:endParaRPr lang="en-US"/>
           </a:p>
@@ -3274,7 +4150,7 @@
           <a:p>
             <a:fld id="{46878720-212C-42BB-B356-99628BFE1EBF}" type="datetimeFigureOut">
               <a:rPr lang="en-US" smtClean="0"/>
-              <a:t>3/29/22</a:t>
+              <a:t>11/8/23</a:t>
             </a:fld>
             <a:endParaRPr lang="en-US"/>
           </a:p>
@@ -3562,7 +4438,7 @@
           <a:p>
             <a:fld id="{46878720-212C-42BB-B356-99628BFE1EBF}" type="datetimeFigureOut">
               <a:rPr lang="en-US" smtClean="0"/>
-              <a:t>3/29/22</a:t>
+              <a:t>11/8/23</a:t>
             </a:fld>
             <a:endParaRPr lang="en-US"/>
           </a:p>
@@ -3803,7 +4679,7 @@
           <a:p>
             <a:fld id="{46878720-212C-42BB-B356-99628BFE1EBF}" type="datetimeFigureOut">
               <a:rPr lang="en-US" smtClean="0"/>
-              <a:t>3/29/22</a:t>
+              <a:t>11/8/23</a:t>
             </a:fld>
             <a:endParaRPr lang="en-US"/>
           </a:p>
@@ -4696,6 +5572,298 @@
           <p:cNvPr id="2" name="Titel 1">
             <a:extLst>
               <a:ext uri="{FF2B5EF4-FFF2-40B4-BE49-F238E27FC236}">
+                <a16:creationId xmlns:a16="http://schemas.microsoft.com/office/drawing/2014/main" id="{8A41ACA6-12BA-EDFD-2A0A-AE7FF664BA0F}"/>
+              </a:ext>
+            </a:extLst>
+          </p:cNvPr>
+          <p:cNvSpPr>
+            <a:spLocks noGrp="1"/>
+          </p:cNvSpPr>
+          <p:nvPr>
+            <p:ph type="ctrTitle"/>
+          </p:nvPr>
+        </p:nvSpPr>
+        <p:spPr/>
+        <p:txBody>
+          <a:bodyPr/>
+          <a:lstStyle/>
+          <a:p>
+            <a:endParaRPr lang="de-DE"/>
+          </a:p>
+        </p:txBody>
+      </p:sp>
+      <p:sp>
+        <p:nvSpPr>
+          <p:cNvPr id="3" name="Untertitel 2">
+            <a:extLst>
+              <a:ext uri="{FF2B5EF4-FFF2-40B4-BE49-F238E27FC236}">
+                <a16:creationId xmlns:a16="http://schemas.microsoft.com/office/drawing/2014/main" id="{62C40AF6-E1AD-D236-04C8-8CD3F7D52CA9}"/>
+              </a:ext>
+            </a:extLst>
+          </p:cNvPr>
+          <p:cNvSpPr>
+            <a:spLocks noGrp="1"/>
+          </p:cNvSpPr>
+          <p:nvPr>
+            <p:ph type="subTitle" idx="1"/>
+          </p:nvPr>
+        </p:nvSpPr>
+        <p:spPr/>
+        <p:txBody>
+          <a:bodyPr/>
+          <a:lstStyle/>
+          <a:p>
+            <a:endParaRPr lang="de-DE"/>
+          </a:p>
+        </p:txBody>
+      </p:sp>
+      <p:pic>
+        <p:nvPicPr>
+          <p:cNvPr id="5" name="slide.url=https://www.polleverywhere.com/multiple_choice_polls/HqLooxXn1odvZujj1fu2x?display_state=chart&amp;activity_state=closed&amp;display=correctness&amp;state=closed&amp;flow=Instructor&amp;onscreen=persist">
+            <a:extLst>
+              <a:ext uri="{FF2B5EF4-FFF2-40B4-BE49-F238E27FC236}">
+                <a16:creationId xmlns:a16="http://schemas.microsoft.com/office/drawing/2014/main" id="{3AE92289-7B32-E391-0C3D-2245471A621C}"/>
+              </a:ext>
+            </a:extLst>
+          </p:cNvPr>
+          <p:cNvPicPr>
+            <a:picLocks/>
+          </p:cNvPicPr>
+          <p:nvPr/>
+        </p:nvPicPr>
+        <p:blipFill>
+          <a:blip r:embed="rId3">
+            <a:extLst>
+              <a:ext uri="{28A0092B-C50C-407E-A947-70E740481C1C}">
+                <a14:useLocalDpi xmlns:a14="http://schemas.microsoft.com/office/drawing/2010/main" val="0"/>
+              </a:ext>
+            </a:extLst>
+          </a:blip>
+          <a:stretch>
+            <a:fillRect/>
+          </a:stretch>
+        </p:blipFill>
+        <p:spPr>
+          <a:xfrm>
+            <a:off x="63500" y="63500"/>
+            <a:ext cx="12065000" cy="6731000"/>
+          </a:xfrm>
+          <a:prstGeom prst="rect">
+            <a:avLst/>
+          </a:prstGeom>
+        </p:spPr>
+      </p:pic>
+    </p:spTree>
+    <p:extLst>
+      <p:ext uri="{BB962C8B-B14F-4D97-AF65-F5344CB8AC3E}">
+        <p14:creationId xmlns:p14="http://schemas.microsoft.com/office/powerpoint/2010/main" val="1483653433"/>
+      </p:ext>
+    </p:extLst>
+  </p:cSld>
+  <p:clrMapOvr>
+    <a:masterClrMapping/>
+  </p:clrMapOvr>
+</p:sld>
+</file>
+
+<file path=ppt/slides/slide11.xml><?xml version="1.0" encoding="utf-8"?>
+<p:sld xmlns:a="http://schemas.openxmlformats.org/drawingml/2006/main" xmlns:r="http://schemas.openxmlformats.org/officeDocument/2006/relationships" xmlns:p="http://schemas.openxmlformats.org/presentationml/2006/main">
+  <p:cSld>
+    <p:spTree>
+      <p:nvGrpSpPr>
+        <p:cNvPr id="1" name=""/>
+        <p:cNvGrpSpPr/>
+        <p:nvPr/>
+      </p:nvGrpSpPr>
+      <p:grpSpPr>
+        <a:xfrm>
+          <a:off x="0" y="0"/>
+          <a:ext cx="0" cy="0"/>
+          <a:chOff x="0" y="0"/>
+          <a:chExt cx="0" cy="0"/>
+        </a:xfrm>
+      </p:grpSpPr>
+      <p:sp>
+        <p:nvSpPr>
+          <p:cNvPr id="2" name="Titel 1">
+            <a:extLst>
+              <a:ext uri="{FF2B5EF4-FFF2-40B4-BE49-F238E27FC236}">
+                <a16:creationId xmlns:a16="http://schemas.microsoft.com/office/drawing/2014/main" id="{392D7D64-17FB-444B-B0FC-332B8A749537}"/>
+              </a:ext>
+            </a:extLst>
+          </p:cNvPr>
+          <p:cNvSpPr>
+            <a:spLocks noGrp="1"/>
+          </p:cNvSpPr>
+          <p:nvPr>
+            <p:ph type="title"/>
+          </p:nvPr>
+        </p:nvSpPr>
+        <p:spPr/>
+        <p:txBody>
+          <a:bodyPr/>
+          <a:lstStyle/>
+          <a:p>
+            <a:r>
+              <a:rPr lang="de-DE" dirty="0" err="1"/>
+              <a:t>Arduino</a:t>
+            </a:r>
+            <a:r>
+              <a:rPr lang="de-DE" dirty="0"/>
+              <a:t> IDE 2.0 Debugging</a:t>
+            </a:r>
+          </a:p>
+        </p:txBody>
+      </p:sp>
+      <p:sp>
+        <p:nvSpPr>
+          <p:cNvPr id="4" name="Inhaltsplatzhalter 3">
+            <a:extLst>
+              <a:ext uri="{FF2B5EF4-FFF2-40B4-BE49-F238E27FC236}">
+                <a16:creationId xmlns:a16="http://schemas.microsoft.com/office/drawing/2014/main" id="{1D6E604F-B399-C249-A541-F9EDFDF20534}"/>
+              </a:ext>
+            </a:extLst>
+          </p:cNvPr>
+          <p:cNvSpPr>
+            <a:spLocks noGrp="1"/>
+          </p:cNvSpPr>
+          <p:nvPr>
+            <p:ph idx="1"/>
+          </p:nvPr>
+        </p:nvSpPr>
+        <p:spPr/>
+        <p:txBody>
+          <a:bodyPr/>
+          <a:lstStyle/>
+          <a:p>
+            <a:r>
+              <a:rPr lang="de-DE" dirty="0">
+                <a:hlinkClick r:id="rId3"/>
+              </a:rPr>
+              <a:t>https://docs.arduino.cc/software/ide-v2/tutorials/ide-v2-debugger</a:t>
+            </a:r>
+            <a:endParaRPr lang="de-DE" dirty="0"/>
+          </a:p>
+          <a:p>
+            <a:r>
+              <a:rPr lang="de-DE" dirty="0"/>
+              <a:t>Nur mit manchen Boards unterstützt (SAMD MKR Boards wie MKR Zero)</a:t>
+            </a:r>
+          </a:p>
+        </p:txBody>
+      </p:sp>
+    </p:spTree>
+    <p:extLst>
+      <p:ext uri="{BB962C8B-B14F-4D97-AF65-F5344CB8AC3E}">
+        <p14:creationId xmlns:p14="http://schemas.microsoft.com/office/powerpoint/2010/main" val="1352385898"/>
+      </p:ext>
+    </p:extLst>
+  </p:cSld>
+  <p:clrMapOvr>
+    <a:masterClrMapping/>
+  </p:clrMapOvr>
+</p:sld>
+</file>
+
+<file path=ppt/slides/slide12.xml><?xml version="1.0" encoding="utf-8"?>
+<p:sld xmlns:a="http://schemas.openxmlformats.org/drawingml/2006/main" xmlns:r="http://schemas.openxmlformats.org/officeDocument/2006/relationships" xmlns:p="http://schemas.openxmlformats.org/presentationml/2006/main">
+  <p:cSld>
+    <p:spTree>
+      <p:nvGrpSpPr>
+        <p:cNvPr id="1" name=""/>
+        <p:cNvGrpSpPr/>
+        <p:nvPr/>
+      </p:nvGrpSpPr>
+      <p:grpSpPr>
+        <a:xfrm>
+          <a:off x="0" y="0"/>
+          <a:ext cx="0" cy="0"/>
+          <a:chOff x="0" y="0"/>
+          <a:chExt cx="0" cy="0"/>
+        </a:xfrm>
+      </p:grpSpPr>
+      <p:pic>
+        <p:nvPicPr>
+          <p:cNvPr id="1026" name="Picture 2" descr="Going between breakpoints.">
+            <a:extLst>
+              <a:ext uri="{FF2B5EF4-FFF2-40B4-BE49-F238E27FC236}">
+                <a16:creationId xmlns:a16="http://schemas.microsoft.com/office/drawing/2014/main" id="{C0B75F9A-864D-BC4E-945C-745D614047B6}"/>
+              </a:ext>
+            </a:extLst>
+          </p:cNvPr>
+          <p:cNvPicPr>
+            <a:picLocks noChangeAspect="1" noChangeArrowheads="1"/>
+          </p:cNvPicPr>
+          <p:nvPr/>
+        </p:nvPicPr>
+        <p:blipFill>
+          <a:blip r:embed="rId3">
+            <a:extLst>
+              <a:ext uri="{28A0092B-C50C-407E-A947-70E740481C1C}">
+                <a14:useLocalDpi xmlns:a14="http://schemas.microsoft.com/office/drawing/2010/main" val="0"/>
+              </a:ext>
+            </a:extLst>
+          </a:blip>
+          <a:srcRect/>
+          <a:stretch>
+            <a:fillRect/>
+          </a:stretch>
+        </p:blipFill>
+        <p:spPr bwMode="auto">
+          <a:xfrm>
+            <a:off x="1639888" y="0"/>
+            <a:ext cx="8912225" cy="6858000"/>
+          </a:xfrm>
+          <a:prstGeom prst="rect">
+            <a:avLst/>
+          </a:prstGeom>
+          <a:noFill/>
+          <a:extLst>
+            <a:ext uri="{909E8E84-426E-40DD-AFC4-6F175D3DCCD1}">
+              <a14:hiddenFill xmlns:a14="http://schemas.microsoft.com/office/drawing/2010/main">
+                <a:solidFill>
+                  <a:srgbClr val="FFFFFF"/>
+                </a:solidFill>
+              </a14:hiddenFill>
+            </a:ext>
+          </a:extLst>
+        </p:spPr>
+      </p:pic>
+    </p:spTree>
+    <p:extLst>
+      <p:ext uri="{BB962C8B-B14F-4D97-AF65-F5344CB8AC3E}">
+        <p14:creationId xmlns:p14="http://schemas.microsoft.com/office/powerpoint/2010/main" val="1029990919"/>
+      </p:ext>
+    </p:extLst>
+  </p:cSld>
+  <p:clrMapOvr>
+    <a:masterClrMapping/>
+  </p:clrMapOvr>
+</p:sld>
+</file>
+
+<file path=ppt/slides/slide13.xml><?xml version="1.0" encoding="utf-8"?>
+<p:sld xmlns:a="http://schemas.openxmlformats.org/drawingml/2006/main" xmlns:r="http://schemas.openxmlformats.org/officeDocument/2006/relationships" xmlns:p="http://schemas.openxmlformats.org/presentationml/2006/main">
+  <p:cSld>
+    <p:spTree>
+      <p:nvGrpSpPr>
+        <p:cNvPr id="1" name=""/>
+        <p:cNvGrpSpPr/>
+        <p:nvPr/>
+      </p:nvGrpSpPr>
+      <p:grpSpPr>
+        <a:xfrm>
+          <a:off x="0" y="0"/>
+          <a:ext cx="0" cy="0"/>
+          <a:chOff x="0" y="0"/>
+          <a:chExt cx="0" cy="0"/>
+        </a:xfrm>
+      </p:grpSpPr>
+      <p:sp>
+        <p:nvSpPr>
+          <p:cNvPr id="2" name="Titel 1">
+            <a:extLst>
+              <a:ext uri="{FF2B5EF4-FFF2-40B4-BE49-F238E27FC236}">
                 <a16:creationId xmlns:a16="http://schemas.microsoft.com/office/drawing/2014/main" id="{334936CD-7D3C-B341-9FFC-2AF7C2C2928F}"/>
               </a:ext>
             </a:extLst>
@@ -4785,7 +5953,7 @@
             </a:r>
             <a:r>
               <a:rPr lang="de-DE" dirty="0">
-                <a:hlinkClick r:id="rId2"/>
+                <a:hlinkClick r:id="rId3"/>
               </a:rPr>
               <a:t>https://creativecommons.org/licenses/by-sa/3.0/</a:t>
             </a:r>
@@ -4800,7 +5968,7 @@
           <a:p>
             <a:r>
               <a:rPr lang="de-DE" dirty="0">
-                <a:hlinkClick r:id="rId3"/>
+                <a:hlinkClick r:id="rId4"/>
               </a:rPr>
               <a:t>https://docs.arduino.cc/software/ide-v2/tutorials/ide-v2-debugger</a:t>
             </a:r>
@@ -5021,7 +6189,7 @@
           <p:nvPr/>
         </p:nvPicPr>
         <p:blipFill>
-          <a:blip r:embed="rId2"/>
+          <a:blip r:embed="rId3"/>
           <a:stretch>
             <a:fillRect/>
           </a:stretch>
@@ -5051,7 +6219,7 @@
           <p:nvPr/>
         </p:nvPicPr>
         <p:blipFill>
-          <a:blip r:embed="rId3"/>
+          <a:blip r:embed="rId4"/>
           <a:stretch>
             <a:fillRect/>
           </a:stretch>
@@ -5131,7 +6299,7 @@
           <p:nvPr/>
         </p:nvPicPr>
         <p:blipFill>
-          <a:blip r:embed="rId4"/>
+          <a:blip r:embed="rId5"/>
           <a:stretch>
             <a:fillRect/>
           </a:stretch>
@@ -5241,7 +6409,7 @@
           <p:nvPr/>
         </p:nvPicPr>
         <p:blipFill>
-          <a:blip r:embed="rId2"/>
+          <a:blip r:embed="rId3"/>
           <a:stretch>
             <a:fillRect/>
           </a:stretch>
@@ -5271,7 +6439,7 @@
           <p:nvPr/>
         </p:nvPicPr>
         <p:blipFill>
-          <a:blip r:embed="rId3"/>
+          <a:blip r:embed="rId4"/>
           <a:stretch>
             <a:fillRect/>
           </a:stretch>
@@ -5288,7 +6456,7 @@
       </p:pic>
       <mc:AlternateContent xmlns:mc="http://schemas.openxmlformats.org/markup-compatibility/2006" xmlns:p14="http://schemas.microsoft.com/office/powerpoint/2010/main">
         <mc:Choice Requires="p14">
-          <p:contentPart p14:bwMode="auto" r:id="rId4">
+          <p:contentPart p14:bwMode="auto" r:id="rId5">
             <p14:nvContentPartPr>
               <p14:cNvPr id="4" name="Freihand 3">
                 <a:extLst>
@@ -5320,7 +6488,7 @@
               <p:nvPr/>
             </p:nvPicPr>
             <p:blipFill>
-              <a:blip r:embed="rId5"/>
+              <a:blip r:embed="rId6"/>
               <a:stretch>
                 <a:fillRect/>
               </a:stretch>
@@ -5339,7 +6507,7 @@
       </mc:AlternateContent>
       <mc:AlternateContent xmlns:mc="http://schemas.openxmlformats.org/markup-compatibility/2006" xmlns:p14="http://schemas.microsoft.com/office/powerpoint/2010/main">
         <mc:Choice Requires="p14">
-          <p:contentPart p14:bwMode="auto" r:id="rId6">
+          <p:contentPart p14:bwMode="auto" r:id="rId7">
             <p14:nvContentPartPr>
               <p14:cNvPr id="5" name="Freihand 4">
                 <a:extLst>
@@ -5371,7 +6539,7 @@
               <p:nvPr/>
             </p:nvPicPr>
             <p:blipFill>
-              <a:blip r:embed="rId7"/>
+              <a:blip r:embed="rId8"/>
               <a:stretch>
                 <a:fillRect/>
               </a:stretch>
@@ -5530,7 +6698,7 @@
         </p:grpSpPr>
         <mc:AlternateContent xmlns:mc="http://schemas.openxmlformats.org/markup-compatibility/2006" xmlns:p14="http://schemas.microsoft.com/office/powerpoint/2010/main">
           <mc:Choice Requires="p14">
-            <p:contentPart p14:bwMode="auto" r:id="rId8">
+            <p:contentPart p14:bwMode="auto" r:id="rId9">
               <p14:nvContentPartPr>
                 <p14:cNvPr id="10" name="Freihand 9">
                   <a:extLst>
@@ -5562,7 +6730,7 @@
                 <p:nvPr/>
               </p:nvPicPr>
               <p:blipFill>
-                <a:blip r:embed="rId9"/>
+                <a:blip r:embed="rId10"/>
                 <a:stretch>
                   <a:fillRect/>
                 </a:stretch>
@@ -5581,7 +6749,7 @@
         </mc:AlternateContent>
         <mc:AlternateContent xmlns:mc="http://schemas.openxmlformats.org/markup-compatibility/2006" xmlns:p14="http://schemas.microsoft.com/office/powerpoint/2010/main">
           <mc:Choice Requires="p14">
-            <p:contentPart p14:bwMode="auto" r:id="rId10">
+            <p:contentPart p14:bwMode="auto" r:id="rId11">
               <p14:nvContentPartPr>
                 <p14:cNvPr id="11" name="Freihand 10">
                   <a:extLst>
@@ -5613,7 +6781,7 @@
                 <p:nvPr/>
               </p:nvPicPr>
               <p:blipFill>
-                <a:blip r:embed="rId11"/>
+                <a:blip r:embed="rId12"/>
                 <a:stretch>
                   <a:fillRect/>
                 </a:stretch>
@@ -5632,7 +6800,7 @@
         </mc:AlternateContent>
         <mc:AlternateContent xmlns:mc="http://schemas.openxmlformats.org/markup-compatibility/2006" xmlns:p14="http://schemas.microsoft.com/office/powerpoint/2010/main">
           <mc:Choice Requires="p14">
-            <p:contentPart p14:bwMode="auto" r:id="rId12">
+            <p:contentPart p14:bwMode="auto" r:id="rId13">
               <p14:nvContentPartPr>
                 <p14:cNvPr id="13" name="Freihand 12">
                   <a:extLst>
@@ -5664,7 +6832,7 @@
                 <p:nvPr/>
               </p:nvPicPr>
               <p:blipFill>
-                <a:blip r:embed="rId13"/>
+                <a:blip r:embed="rId14"/>
                 <a:stretch>
                   <a:fillRect/>
                 </a:stretch>
@@ -5704,7 +6872,7 @@
         </p:grpSpPr>
         <mc:AlternateContent xmlns:mc="http://schemas.openxmlformats.org/markup-compatibility/2006" xmlns:p14="http://schemas.microsoft.com/office/powerpoint/2010/main">
           <mc:Choice Requires="p14">
-            <p:contentPart p14:bwMode="auto" r:id="rId14">
+            <p:contentPart p14:bwMode="auto" r:id="rId15">
               <p14:nvContentPartPr>
                 <p14:cNvPr id="15" name="Freihand 14">
                   <a:extLst>
@@ -5736,7 +6904,7 @@
                 <p:nvPr/>
               </p:nvPicPr>
               <p:blipFill>
-                <a:blip r:embed="rId15"/>
+                <a:blip r:embed="rId16"/>
                 <a:stretch>
                   <a:fillRect/>
                 </a:stretch>
@@ -5755,7 +6923,7 @@
         </mc:AlternateContent>
         <mc:AlternateContent xmlns:mc="http://schemas.openxmlformats.org/markup-compatibility/2006" xmlns:p14="http://schemas.microsoft.com/office/powerpoint/2010/main">
           <mc:Choice Requires="p14">
-            <p:contentPart p14:bwMode="auto" r:id="rId16">
+            <p:contentPart p14:bwMode="auto" r:id="rId17">
               <p14:nvContentPartPr>
                 <p14:cNvPr id="16" name="Freihand 15">
                   <a:extLst>
@@ -5787,7 +6955,7 @@
                 <p:nvPr/>
               </p:nvPicPr>
               <p:blipFill>
-                <a:blip r:embed="rId17"/>
+                <a:blip r:embed="rId18"/>
                 <a:stretch>
                   <a:fillRect/>
                 </a:stretch>
@@ -5807,7 +6975,7 @@
       </p:grpSp>
       <mc:AlternateContent xmlns:mc="http://schemas.openxmlformats.org/markup-compatibility/2006" xmlns:p14="http://schemas.microsoft.com/office/powerpoint/2010/main">
         <mc:Choice Requires="p14">
-          <p:contentPart p14:bwMode="auto" r:id="rId18">
+          <p:contentPart p14:bwMode="auto" r:id="rId19">
             <p14:nvContentPartPr>
               <p14:cNvPr id="18" name="Freihand 17">
                 <a:extLst>
@@ -5839,7 +7007,7 @@
               <p:nvPr/>
             </p:nvPicPr>
             <p:blipFill>
-              <a:blip r:embed="rId19"/>
+              <a:blip r:embed="rId20"/>
               <a:stretch>
                 <a:fillRect/>
               </a:stretch>
@@ -5878,7 +7046,7 @@
         </p:grpSpPr>
         <mc:AlternateContent xmlns:mc="http://schemas.openxmlformats.org/markup-compatibility/2006" xmlns:p14="http://schemas.microsoft.com/office/powerpoint/2010/main">
           <mc:Choice Requires="p14">
-            <p:contentPart p14:bwMode="auto" r:id="rId20">
+            <p:contentPart p14:bwMode="auto" r:id="rId21">
               <p14:nvContentPartPr>
                 <p14:cNvPr id="19" name="Freihand 18">
                   <a:extLst>
@@ -5910,7 +7078,7 @@
                 <p:nvPr/>
               </p:nvPicPr>
               <p:blipFill>
-                <a:blip r:embed="rId21"/>
+                <a:blip r:embed="rId22"/>
                 <a:stretch>
                   <a:fillRect/>
                 </a:stretch>
@@ -5929,7 +7097,7 @@
         </mc:AlternateContent>
         <mc:AlternateContent xmlns:mc="http://schemas.openxmlformats.org/markup-compatibility/2006" xmlns:p14="http://schemas.microsoft.com/office/powerpoint/2010/main">
           <mc:Choice Requires="p14">
-            <p:contentPart p14:bwMode="auto" r:id="rId22">
+            <p:contentPart p14:bwMode="auto" r:id="rId23">
               <p14:nvContentPartPr>
                 <p14:cNvPr id="20" name="Freihand 19">
                   <a:extLst>
@@ -5961,7 +7129,7 @@
                 <p:nvPr/>
               </p:nvPicPr>
               <p:blipFill>
-                <a:blip r:embed="rId23"/>
+                <a:blip r:embed="rId24"/>
                 <a:stretch>
                   <a:fillRect/>
                 </a:stretch>
@@ -5980,7 +7148,7 @@
         </mc:AlternateContent>
         <mc:AlternateContent xmlns:mc="http://schemas.openxmlformats.org/markup-compatibility/2006" xmlns:p14="http://schemas.microsoft.com/office/powerpoint/2010/main">
           <mc:Choice Requires="p14">
-            <p:contentPart p14:bwMode="auto" r:id="rId24">
+            <p:contentPart p14:bwMode="auto" r:id="rId25">
               <p14:nvContentPartPr>
                 <p14:cNvPr id="21" name="Freihand 20">
                   <a:extLst>
@@ -6012,7 +7180,7 @@
                 <p:nvPr/>
               </p:nvPicPr>
               <p:blipFill>
-                <a:blip r:embed="rId25"/>
+                <a:blip r:embed="rId26"/>
                 <a:stretch>
                   <a:fillRect/>
                 </a:stretch>
@@ -6052,7 +7220,7 @@
         </p:grpSpPr>
         <mc:AlternateContent xmlns:mc="http://schemas.openxmlformats.org/markup-compatibility/2006" xmlns:p14="http://schemas.microsoft.com/office/powerpoint/2010/main">
           <mc:Choice Requires="p14">
-            <p:contentPart p14:bwMode="auto" r:id="rId26">
+            <p:contentPart p14:bwMode="auto" r:id="rId27">
               <p14:nvContentPartPr>
                 <p14:cNvPr id="23" name="Freihand 22">
                   <a:extLst>
@@ -6084,7 +7252,7 @@
                 <p:nvPr/>
               </p:nvPicPr>
               <p:blipFill>
-                <a:blip r:embed="rId27"/>
+                <a:blip r:embed="rId28"/>
                 <a:stretch>
                   <a:fillRect/>
                 </a:stretch>
@@ -6103,7 +7271,7 @@
         </mc:AlternateContent>
         <mc:AlternateContent xmlns:mc="http://schemas.openxmlformats.org/markup-compatibility/2006" xmlns:p14="http://schemas.microsoft.com/office/powerpoint/2010/main">
           <mc:Choice Requires="p14">
-            <p:contentPart p14:bwMode="auto" r:id="rId28">
+            <p:contentPart p14:bwMode="auto" r:id="rId29">
               <p14:nvContentPartPr>
                 <p14:cNvPr id="24" name="Freihand 23">
                   <a:extLst>
@@ -6135,7 +7303,7 @@
                 <p:nvPr/>
               </p:nvPicPr>
               <p:blipFill>
-                <a:blip r:embed="rId29"/>
+                <a:blip r:embed="rId30"/>
                 <a:stretch>
                   <a:fillRect/>
                 </a:stretch>
@@ -6154,7 +7322,7 @@
         </mc:AlternateContent>
         <mc:AlternateContent xmlns:mc="http://schemas.openxmlformats.org/markup-compatibility/2006" xmlns:p14="http://schemas.microsoft.com/office/powerpoint/2010/main">
           <mc:Choice Requires="p14">
-            <p:contentPart p14:bwMode="auto" r:id="rId30">
+            <p:contentPart p14:bwMode="auto" r:id="rId31">
               <p14:nvContentPartPr>
                 <p14:cNvPr id="25" name="Freihand 24">
                   <a:extLst>
@@ -6186,7 +7354,7 @@
                 <p:nvPr/>
               </p:nvPicPr>
               <p:blipFill>
-                <a:blip r:embed="rId31"/>
+                <a:blip r:embed="rId32"/>
                 <a:stretch>
                   <a:fillRect/>
                 </a:stretch>
@@ -6219,7 +7387,7 @@
           <p:nvPr/>
         </p:nvPicPr>
         <p:blipFill>
-          <a:blip r:embed="rId32"/>
+          <a:blip r:embed="rId33"/>
           <a:stretch>
             <a:fillRect/>
           </a:stretch>
@@ -6341,7 +7509,7 @@
         </p:grpSpPr>
         <mc:AlternateContent xmlns:mc="http://schemas.openxmlformats.org/markup-compatibility/2006" xmlns:p14="http://schemas.microsoft.com/office/powerpoint/2010/main">
           <mc:Choice Requires="p14">
-            <p:contentPart p14:bwMode="auto" r:id="rId33">
+            <p:contentPart p14:bwMode="auto" r:id="rId34">
               <p14:nvContentPartPr>
                 <p14:cNvPr id="30" name="Freihand 29">
                   <a:extLst>
@@ -6373,7 +7541,7 @@
                 <p:nvPr/>
               </p:nvPicPr>
               <p:blipFill>
-                <a:blip r:embed="rId34"/>
+                <a:blip r:embed="rId35"/>
                 <a:stretch>
                   <a:fillRect/>
                 </a:stretch>
@@ -6392,7 +7560,7 @@
         </mc:AlternateContent>
         <mc:AlternateContent xmlns:mc="http://schemas.openxmlformats.org/markup-compatibility/2006" xmlns:p14="http://schemas.microsoft.com/office/powerpoint/2010/main">
           <mc:Choice Requires="p14">
-            <p:contentPart p14:bwMode="auto" r:id="rId35">
+            <p:contentPart p14:bwMode="auto" r:id="rId36">
               <p14:nvContentPartPr>
                 <p14:cNvPr id="31" name="Freihand 30">
                   <a:extLst>
@@ -6424,7 +7592,7 @@
                 <p:nvPr/>
               </p:nvPicPr>
               <p:blipFill>
-                <a:blip r:embed="rId36"/>
+                <a:blip r:embed="rId37"/>
                 <a:stretch>
                   <a:fillRect/>
                 </a:stretch>
@@ -6515,7 +7683,7 @@
           <p:nvPr/>
         </p:nvPicPr>
         <p:blipFill>
-          <a:blip r:embed="rId2"/>
+          <a:blip r:embed="rId3"/>
           <a:stretch>
             <a:fillRect/>
           </a:stretch>
@@ -6559,79 +7727,79 @@
           <a:p>
             <a:r>
               <a:rPr lang="de-DE" dirty="0">
-                <a:hlinkClick r:id="rId3"/>
+                <a:hlinkClick r:id="rId4"/>
               </a:rPr>
               <a:t>https://</a:t>
             </a:r>
             <a:r>
               <a:rPr lang="de-DE" dirty="0" err="1">
-                <a:hlinkClick r:id="rId3"/>
+                <a:hlinkClick r:id="rId4"/>
               </a:rPr>
               <a:t>www.arduino.cc</a:t>
             </a:r>
             <a:r>
               <a:rPr lang="de-DE" dirty="0">
-                <a:hlinkClick r:id="rId3"/>
+                <a:hlinkClick r:id="rId4"/>
               </a:rPr>
               <a:t>/</a:t>
             </a:r>
             <a:r>
               <a:rPr lang="de-DE" dirty="0" err="1">
-                <a:hlinkClick r:id="rId3"/>
+                <a:hlinkClick r:id="rId4"/>
               </a:rPr>
               <a:t>reference</a:t>
             </a:r>
             <a:r>
               <a:rPr lang="de-DE" dirty="0">
-                <a:hlinkClick r:id="rId3"/>
+                <a:hlinkClick r:id="rId4"/>
               </a:rPr>
               <a:t>/en/</a:t>
             </a:r>
             <a:r>
               <a:rPr lang="de-DE" dirty="0" err="1">
-                <a:hlinkClick r:id="rId3"/>
+                <a:hlinkClick r:id="rId4"/>
               </a:rPr>
               <a:t>language</a:t>
             </a:r>
             <a:r>
               <a:rPr lang="de-DE" dirty="0">
-                <a:hlinkClick r:id="rId3"/>
+                <a:hlinkClick r:id="rId4"/>
               </a:rPr>
               <a:t>/</a:t>
             </a:r>
             <a:r>
               <a:rPr lang="de-DE" dirty="0" err="1">
-                <a:hlinkClick r:id="rId3"/>
+                <a:hlinkClick r:id="rId4"/>
               </a:rPr>
               <a:t>functions</a:t>
             </a:r>
             <a:r>
               <a:rPr lang="de-DE" dirty="0">
-                <a:hlinkClick r:id="rId3"/>
+                <a:hlinkClick r:id="rId4"/>
               </a:rPr>
               <a:t>/</a:t>
             </a:r>
             <a:r>
               <a:rPr lang="de-DE" dirty="0" err="1">
-                <a:hlinkClick r:id="rId3"/>
+                <a:hlinkClick r:id="rId4"/>
               </a:rPr>
               <a:t>communication</a:t>
             </a:r>
             <a:r>
               <a:rPr lang="de-DE" dirty="0">
-                <a:hlinkClick r:id="rId3"/>
+                <a:hlinkClick r:id="rId4"/>
               </a:rPr>
               <a:t>/</a:t>
             </a:r>
             <a:r>
               <a:rPr lang="de-DE" dirty="0" err="1">
-                <a:hlinkClick r:id="rId3"/>
+                <a:hlinkClick r:id="rId4"/>
               </a:rPr>
               <a:t>serial</a:t>
             </a:r>
             <a:r>
               <a:rPr lang="de-DE" dirty="0">
-                <a:hlinkClick r:id="rId3"/>
+                <a:hlinkClick r:id="rId4"/>
               </a:rPr>
               <a:t>/</a:t>
             </a:r>
@@ -7204,15 +8372,15 @@
           <p:cNvPr id="2" name="Titel 1">
             <a:extLst>
               <a:ext uri="{FF2B5EF4-FFF2-40B4-BE49-F238E27FC236}">
-                <a16:creationId xmlns:a16="http://schemas.microsoft.com/office/drawing/2014/main" id="{392D7D64-17FB-444B-B0FC-332B8A749537}"/>
-              </a:ext>
-            </a:extLst>
-          </p:cNvPr>
-          <p:cNvSpPr>
-            <a:spLocks noGrp="1"/>
-          </p:cNvSpPr>
-          <p:nvPr>
-            <p:ph type="title"/>
+                <a16:creationId xmlns:a16="http://schemas.microsoft.com/office/drawing/2014/main" id="{FBE6855B-367A-2844-324C-FD0C7A338690}"/>
+              </a:ext>
+            </a:extLst>
+          </p:cNvPr>
+          <p:cNvSpPr>
+            <a:spLocks noGrp="1"/>
+          </p:cNvSpPr>
+          <p:nvPr>
+            <p:ph type="ctrTitle"/>
           </p:nvPr>
         </p:nvSpPr>
         <p:spPr/>
@@ -7220,31 +8388,24 @@
           <a:bodyPr/>
           <a:lstStyle/>
           <a:p>
-            <a:r>
-              <a:rPr lang="de-DE" dirty="0" err="1"/>
-              <a:t>Arduino</a:t>
-            </a:r>
-            <a:r>
-              <a:rPr lang="de-DE" dirty="0"/>
-              <a:t> IDE 2.0 Debugging</a:t>
-            </a:r>
-          </a:p>
-        </p:txBody>
-      </p:sp>
-      <p:sp>
-        <p:nvSpPr>
-          <p:cNvPr id="4" name="Inhaltsplatzhalter 3">
-            <a:extLst>
-              <a:ext uri="{FF2B5EF4-FFF2-40B4-BE49-F238E27FC236}">
-                <a16:creationId xmlns:a16="http://schemas.microsoft.com/office/drawing/2014/main" id="{1D6E604F-B399-C249-A541-F9EDFDF20534}"/>
-              </a:ext>
-            </a:extLst>
-          </p:cNvPr>
-          <p:cNvSpPr>
-            <a:spLocks noGrp="1"/>
-          </p:cNvSpPr>
-          <p:nvPr>
-            <p:ph idx="1"/>
+            <a:endParaRPr lang="de-DE"/>
+          </a:p>
+        </p:txBody>
+      </p:sp>
+      <p:sp>
+        <p:nvSpPr>
+          <p:cNvPr id="3" name="Untertitel 2">
+            <a:extLst>
+              <a:ext uri="{FF2B5EF4-FFF2-40B4-BE49-F238E27FC236}">
+                <a16:creationId xmlns:a16="http://schemas.microsoft.com/office/drawing/2014/main" id="{962E9ACB-8183-AD2D-7005-ACEC72455141}"/>
+              </a:ext>
+            </a:extLst>
+          </p:cNvPr>
+          <p:cNvSpPr>
+            <a:spLocks noGrp="1"/>
+          </p:cNvSpPr>
+          <p:nvPr>
+            <p:ph type="subTitle" idx="1"/>
           </p:nvPr>
         </p:nvSpPr>
         <p:spPr/>
@@ -7252,34 +8413,50 @@
           <a:bodyPr/>
           <a:lstStyle/>
           <a:p>
-            <a:r>
-              <a:rPr lang="de-DE" dirty="0">
-                <a:hlinkClick r:id="rId2"/>
-              </a:rPr>
-              <a:t>https://docs.arduino.cc/software/ide-v2/tutorials/ide-v2-debugger</a:t>
-            </a:r>
-            <a:endParaRPr lang="de-DE" dirty="0"/>
-          </a:p>
-          <a:p>
-            <a:r>
-              <a:rPr lang="de-DE" dirty="0"/>
-              <a:t>Nur mit manchen Boards unterstützt (</a:t>
-            </a:r>
-            <a:r>
-              <a:rPr lang="de-DE"/>
-              <a:t>SAMD21 basierende </a:t>
-            </a:r>
-            <a:r>
-              <a:rPr lang="de-DE" dirty="0"/>
-              <a:t>Boards wie MKR Zero)</a:t>
-            </a:r>
-          </a:p>
-        </p:txBody>
-      </p:sp>
+            <a:endParaRPr lang="de-DE"/>
+          </a:p>
+        </p:txBody>
+      </p:sp>
+      <p:pic>
+        <p:nvPicPr>
+          <p:cNvPr id="5" name="slide.url=https://www.polleverywhere.com/multiple_choice_polls/HqLooxXn1odvZujj1fu2x?display_state=instructions&amp;activity_state=opened&amp;state=opened&amp;flow=Instructor&amp;onscreen=persist">
+            <a:extLst>
+              <a:ext uri="{FF2B5EF4-FFF2-40B4-BE49-F238E27FC236}">
+                <a16:creationId xmlns:a16="http://schemas.microsoft.com/office/drawing/2014/main" id="{30FDA193-67F9-9A57-8A19-7F64F9C6CEA5}"/>
+              </a:ext>
+            </a:extLst>
+          </p:cNvPr>
+          <p:cNvPicPr>
+            <a:picLocks/>
+          </p:cNvPicPr>
+          <p:nvPr/>
+        </p:nvPicPr>
+        <p:blipFill>
+          <a:blip r:embed="rId3">
+            <a:extLst>
+              <a:ext uri="{28A0092B-C50C-407E-A947-70E740481C1C}">
+                <a14:useLocalDpi xmlns:a14="http://schemas.microsoft.com/office/drawing/2010/main" val="0"/>
+              </a:ext>
+            </a:extLst>
+          </a:blip>
+          <a:stretch>
+            <a:fillRect/>
+          </a:stretch>
+        </p:blipFill>
+        <p:spPr>
+          <a:xfrm>
+            <a:off x="63500" y="63500"/>
+            <a:ext cx="12065000" cy="6731000"/>
+          </a:xfrm>
+          <a:prstGeom prst="rect">
+            <a:avLst/>
+          </a:prstGeom>
+        </p:spPr>
+      </p:pic>
     </p:spTree>
     <p:extLst>
       <p:ext uri="{BB962C8B-B14F-4D97-AF65-F5344CB8AC3E}">
-        <p14:creationId xmlns:p14="http://schemas.microsoft.com/office/powerpoint/2010/main" val="1352385898"/>
+        <p14:creationId xmlns:p14="http://schemas.microsoft.com/office/powerpoint/2010/main" val="1756571760"/>
       </p:ext>
     </p:extLst>
   </p:cSld>
@@ -7306,57 +8483,96 @@
           <a:chExt cx="0" cy="0"/>
         </a:xfrm>
       </p:grpSpPr>
+      <p:sp>
+        <p:nvSpPr>
+          <p:cNvPr id="2" name="Titel 1">
+            <a:extLst>
+              <a:ext uri="{FF2B5EF4-FFF2-40B4-BE49-F238E27FC236}">
+                <a16:creationId xmlns:a16="http://schemas.microsoft.com/office/drawing/2014/main" id="{B5AC8E04-AA0D-DE4A-FE17-A06407E09964}"/>
+              </a:ext>
+            </a:extLst>
+          </p:cNvPr>
+          <p:cNvSpPr>
+            <a:spLocks noGrp="1"/>
+          </p:cNvSpPr>
+          <p:nvPr>
+            <p:ph type="ctrTitle"/>
+          </p:nvPr>
+        </p:nvSpPr>
+        <p:spPr/>
+        <p:txBody>
+          <a:bodyPr/>
+          <a:lstStyle/>
+          <a:p>
+            <a:endParaRPr lang="de-DE"/>
+          </a:p>
+        </p:txBody>
+      </p:sp>
+      <p:sp>
+        <p:nvSpPr>
+          <p:cNvPr id="3" name="Untertitel 2">
+            <a:extLst>
+              <a:ext uri="{FF2B5EF4-FFF2-40B4-BE49-F238E27FC236}">
+                <a16:creationId xmlns:a16="http://schemas.microsoft.com/office/drawing/2014/main" id="{A84FFF49-228C-7880-1E7A-7C99A76A2934}"/>
+              </a:ext>
+            </a:extLst>
+          </p:cNvPr>
+          <p:cNvSpPr>
+            <a:spLocks noGrp="1"/>
+          </p:cNvSpPr>
+          <p:nvPr>
+            <p:ph type="subTitle" idx="1"/>
+          </p:nvPr>
+        </p:nvSpPr>
+        <p:spPr/>
+        <p:txBody>
+          <a:bodyPr/>
+          <a:lstStyle/>
+          <a:p>
+            <a:endParaRPr lang="de-DE"/>
+          </a:p>
+        </p:txBody>
+      </p:sp>
       <p:pic>
         <p:nvPicPr>
-          <p:cNvPr id="1026" name="Picture 2" descr="Going between breakpoints.">
-            <a:extLst>
-              <a:ext uri="{FF2B5EF4-FFF2-40B4-BE49-F238E27FC236}">
-                <a16:creationId xmlns:a16="http://schemas.microsoft.com/office/drawing/2014/main" id="{C0B75F9A-864D-BC4E-945C-745D614047B6}"/>
+          <p:cNvPr id="5" name="slide.url=https://www.polleverywhere.com/multiple_choice_polls/HqLooxXn1odvZujj1fu2x?display_state=chart&amp;activity_state=closed&amp;state=closed&amp;flow=Instructor&amp;onscreen=persist">
+            <a:extLst>
+              <a:ext uri="{FF2B5EF4-FFF2-40B4-BE49-F238E27FC236}">
+                <a16:creationId xmlns:a16="http://schemas.microsoft.com/office/drawing/2014/main" id="{65F907BD-80EB-BD1F-ABA7-3DB8C3A75464}"/>
               </a:ext>
             </a:extLst>
           </p:cNvPr>
           <p:cNvPicPr>
-            <a:picLocks noChangeAspect="1" noChangeArrowheads="1"/>
+            <a:picLocks/>
           </p:cNvPicPr>
           <p:nvPr/>
         </p:nvPicPr>
         <p:blipFill>
-          <a:blip r:embed="rId2">
+          <a:blip r:embed="rId3">
             <a:extLst>
               <a:ext uri="{28A0092B-C50C-407E-A947-70E740481C1C}">
                 <a14:useLocalDpi xmlns:a14="http://schemas.microsoft.com/office/drawing/2010/main" val="0"/>
               </a:ext>
             </a:extLst>
           </a:blip>
-          <a:srcRect/>
           <a:stretch>
             <a:fillRect/>
           </a:stretch>
         </p:blipFill>
-        <p:spPr bwMode="auto">
+        <p:spPr>
           <a:xfrm>
-            <a:off x="1639888" y="0"/>
-            <a:ext cx="8912225" cy="6858000"/>
+            <a:off x="63500" y="63500"/>
+            <a:ext cx="12065000" cy="6731000"/>
           </a:xfrm>
           <a:prstGeom prst="rect">
             <a:avLst/>
           </a:prstGeom>
-          <a:noFill/>
-          <a:extLst>
-            <a:ext uri="{909E8E84-426E-40DD-AFC4-6F175D3DCCD1}">
-              <a14:hiddenFill xmlns:a14="http://schemas.microsoft.com/office/drawing/2010/main">
-                <a:solidFill>
-                  <a:srgbClr val="FFFFFF"/>
-                </a:solidFill>
-              </a14:hiddenFill>
-            </a:ext>
-          </a:extLst>
         </p:spPr>
       </p:pic>
     </p:spTree>
     <p:extLst>
       <p:ext uri="{BB962C8B-B14F-4D97-AF65-F5344CB8AC3E}">
-        <p14:creationId xmlns:p14="http://schemas.microsoft.com/office/powerpoint/2010/main" val="1029990919"/>
+        <p14:creationId xmlns:p14="http://schemas.microsoft.com/office/powerpoint/2010/main" val="1461478577"/>
       </p:ext>
     </p:extLst>
   </p:cSld>
@@ -7957,6 +9173,12 @@
 </file>
 
 <file path=customXml/item1.xml><?xml version="1.0" encoding="utf-8"?>
+<p:properties xmlns:p="http://schemas.microsoft.com/office/2006/metadata/properties" xmlns:xsi="http://www.w3.org/2001/XMLSchema-instance" xmlns:pc="http://schemas.microsoft.com/office/infopath/2007/PartnerControls">
+  <documentManagement/>
+</p:properties>
+</file>
+
+<file path=customXml/item2.xml><?xml version="1.0" encoding="utf-8"?>
 <ct:contentTypeSchema xmlns:ct="http://schemas.microsoft.com/office/2006/metadata/contentType" xmlns:ma="http://schemas.microsoft.com/office/2006/metadata/properties/metaAttributes" ct:_="" ma:_="" ma:contentTypeName="Document" ma:contentTypeID="0x010100B4B9B92454B73847AA0367335585965E" ma:contentTypeVersion="12" ma:contentTypeDescription="Create a new document." ma:contentTypeScope="" ma:versionID="e03bd757301da460c704f3115d541a61">
   <xsd:schema xmlns:xsd="http://www.w3.org/2001/XMLSchema" xmlns:xs="http://www.w3.org/2001/XMLSchema" xmlns:p="http://schemas.microsoft.com/office/2006/metadata/properties" xmlns:ns2="7e0397fa-c04e-494e-b1f1-774ad14ae133" xmlns:ns3="8413540a-1bb6-4053-94a1-f89835fea1c0" targetNamespace="http://schemas.microsoft.com/office/2006/metadata/properties" ma:root="true" ma:fieldsID="8a43826bbb8ef7d01dc3ce4144ed7f57" ns2:_="" ns3:_="">
     <xsd:import namespace="7e0397fa-c04e-494e-b1f1-774ad14ae133"/>
@@ -8173,7 +9395,7 @@
 </ct:contentTypeSchema>
 </file>
 
-<file path=customXml/item2.xml><?xml version="1.0" encoding="utf-8"?>
+<file path=customXml/item3.xml><?xml version="1.0" encoding="utf-8"?>
 <?mso-contentType ?>
 <FormTemplates xmlns="http://schemas.microsoft.com/sharepoint/v3/contenttype/forms">
   <Display>DocumentLibraryForm</Display>
@@ -8182,13 +9404,24 @@
 </FormTemplates>
 </file>
 
-<file path=customXml/item3.xml><?xml version="1.0" encoding="utf-8"?>
-<p:properties xmlns:p="http://schemas.microsoft.com/office/2006/metadata/properties" xmlns:xsi="http://www.w3.org/2001/XMLSchema-instance" xmlns:pc="http://schemas.microsoft.com/office/infopath/2007/PartnerControls">
-  <documentManagement/>
-</p:properties>
+<file path=customXml/itemProps1.xml><?xml version="1.0" encoding="utf-8"?>
+<ds:datastoreItem xmlns:ds="http://schemas.openxmlformats.org/officeDocument/2006/customXml" ds:itemID="{68B22CCF-3790-4DAF-9B94-BBE8105DACDB}">
+  <ds:schemaRefs>
+    <ds:schemaRef ds:uri="http://purl.org/dc/elements/1.1/"/>
+    <ds:schemaRef ds:uri="http://schemas.openxmlformats.org/package/2006/metadata/core-properties"/>
+    <ds:schemaRef ds:uri="http://schemas.microsoft.com/office/2006/documentManagement/types"/>
+    <ds:schemaRef ds:uri="7e0397fa-c04e-494e-b1f1-774ad14ae133"/>
+    <ds:schemaRef ds:uri="http://www.w3.org/XML/1998/namespace"/>
+    <ds:schemaRef ds:uri="http://schemas.microsoft.com/office/infopath/2007/PartnerControls"/>
+    <ds:schemaRef ds:uri="http://purl.org/dc/dcmitype/"/>
+    <ds:schemaRef ds:uri="8413540a-1bb6-4053-94a1-f89835fea1c0"/>
+    <ds:schemaRef ds:uri="http://schemas.microsoft.com/office/2006/metadata/properties"/>
+    <ds:schemaRef ds:uri="http://purl.org/dc/terms/"/>
+  </ds:schemaRefs>
+</ds:datastoreItem>
 </file>
 
-<file path=customXml/itemProps1.xml><?xml version="1.0" encoding="utf-8"?>
+<file path=customXml/itemProps2.xml><?xml version="1.0" encoding="utf-8"?>
 <ds:datastoreItem xmlns:ds="http://schemas.openxmlformats.org/officeDocument/2006/customXml" ds:itemID="{A66B1A69-4B86-4CD0-9260-0F88A0083DD6}">
   <ds:schemaRefs>
     <ds:schemaRef ds:uri="http://schemas.microsoft.com/office/2006/metadata/contentType"/>
@@ -8207,27 +9440,10 @@
 </ds:datastoreItem>
 </file>
 
-<file path=customXml/itemProps2.xml><?xml version="1.0" encoding="utf-8"?>
+<file path=customXml/itemProps3.xml><?xml version="1.0" encoding="utf-8"?>
 <ds:datastoreItem xmlns:ds="http://schemas.openxmlformats.org/officeDocument/2006/customXml" ds:itemID="{19285E5B-5F99-40AB-B4B4-B67FE3E29063}">
   <ds:schemaRefs>
     <ds:schemaRef ds:uri="http://schemas.microsoft.com/sharepoint/v3/contenttype/forms"/>
   </ds:schemaRefs>
 </ds:datastoreItem>
-</file>
-
-<file path=customXml/itemProps3.xml><?xml version="1.0" encoding="utf-8"?>
-<ds:datastoreItem xmlns:ds="http://schemas.openxmlformats.org/officeDocument/2006/customXml" ds:itemID="{68B22CCF-3790-4DAF-9B94-BBE8105DACDB}">
-  <ds:schemaRefs>
-    <ds:schemaRef ds:uri="http://purl.org/dc/elements/1.1/"/>
-    <ds:schemaRef ds:uri="http://schemas.openxmlformats.org/package/2006/metadata/core-properties"/>
-    <ds:schemaRef ds:uri="http://schemas.microsoft.com/office/2006/documentManagement/types"/>
-    <ds:schemaRef ds:uri="7e0397fa-c04e-494e-b1f1-774ad14ae133"/>
-    <ds:schemaRef ds:uri="http://www.w3.org/XML/1998/namespace"/>
-    <ds:schemaRef ds:uri="http://schemas.microsoft.com/office/infopath/2007/PartnerControls"/>
-    <ds:schemaRef ds:uri="http://purl.org/dc/dcmitype/"/>
-    <ds:schemaRef ds:uri="8413540a-1bb6-4053-94a1-f89835fea1c0"/>
-    <ds:schemaRef ds:uri="http://schemas.microsoft.com/office/2006/metadata/properties"/>
-    <ds:schemaRef ds:uri="http://purl.org/dc/terms/"/>
-  </ds:schemaRefs>
-</ds:datastoreItem>
 </file>